--- a/Documentos/Modelo Canvas do Projeto Aplicado - 2021.pptx
+++ b/Documentos/Modelo Canvas do Projeto Aplicado - 2021.pptx
@@ -700,7 +700,7 @@
           <a:p>
             <a:fld id="{722B080F-126B-4C40-8493-979CF4E35B37}" type="datetimeFigureOut">
               <a:rPr lang="pt-BR" smtClean="0"/>
-              <a:t>20/07/2021</a:t>
+              <a:t>04/06/2022</a:t>
             </a:fld>
             <a:endParaRPr lang="pt-BR"/>
           </a:p>
@@ -898,7 +898,7 @@
           <a:p>
             <a:fld id="{722B080F-126B-4C40-8493-979CF4E35B37}" type="datetimeFigureOut">
               <a:rPr lang="pt-BR" smtClean="0"/>
-              <a:t>20/07/2021</a:t>
+              <a:t>04/06/2022</a:t>
             </a:fld>
             <a:endParaRPr lang="pt-BR"/>
           </a:p>
@@ -1173,7 +1173,7 @@
           <a:p>
             <a:fld id="{722B080F-126B-4C40-8493-979CF4E35B37}" type="datetimeFigureOut">
               <a:rPr lang="pt-BR" smtClean="0"/>
-              <a:t>20/07/2021</a:t>
+              <a:t>04/06/2022</a:t>
             </a:fld>
             <a:endParaRPr lang="pt-BR"/>
           </a:p>
@@ -1438,7 +1438,7 @@
           <a:p>
             <a:fld id="{722B080F-126B-4C40-8493-979CF4E35B37}" type="datetimeFigureOut">
               <a:rPr lang="pt-BR" smtClean="0"/>
-              <a:t>20/07/2021</a:t>
+              <a:t>04/06/2022</a:t>
             </a:fld>
             <a:endParaRPr lang="pt-BR"/>
           </a:p>
@@ -1850,7 +1850,7 @@
           <a:p>
             <a:fld id="{722B080F-126B-4C40-8493-979CF4E35B37}" type="datetimeFigureOut">
               <a:rPr lang="pt-BR" smtClean="0"/>
-              <a:t>20/07/2021</a:t>
+              <a:t>04/06/2022</a:t>
             </a:fld>
             <a:endParaRPr lang="pt-BR"/>
           </a:p>
@@ -1991,7 +1991,7 @@
           <a:p>
             <a:fld id="{722B080F-126B-4C40-8493-979CF4E35B37}" type="datetimeFigureOut">
               <a:rPr lang="pt-BR" smtClean="0"/>
-              <a:t>20/07/2021</a:t>
+              <a:t>04/06/2022</a:t>
             </a:fld>
             <a:endParaRPr lang="pt-BR"/>
           </a:p>
@@ -2104,7 +2104,7 @@
           <a:p>
             <a:fld id="{722B080F-126B-4C40-8493-979CF4E35B37}" type="datetimeFigureOut">
               <a:rPr lang="pt-BR" smtClean="0"/>
-              <a:t>20/07/2021</a:t>
+              <a:t>04/06/2022</a:t>
             </a:fld>
             <a:endParaRPr lang="pt-BR"/>
           </a:p>
@@ -2530,7 +2530,7 @@
           <a:p>
             <a:fld id="{722B080F-126B-4C40-8493-979CF4E35B37}" type="datetimeFigureOut">
               <a:rPr lang="pt-BR" smtClean="0"/>
-              <a:t>20/07/2021</a:t>
+              <a:t>04/06/2022</a:t>
             </a:fld>
             <a:endParaRPr lang="pt-BR"/>
           </a:p>
@@ -2818,7 +2818,7 @@
           <a:p>
             <a:fld id="{722B080F-126B-4C40-8493-979CF4E35B37}" type="datetimeFigureOut">
               <a:rPr lang="pt-BR" smtClean="0"/>
-              <a:t>20/07/2021</a:t>
+              <a:t>04/06/2022</a:t>
             </a:fld>
             <a:endParaRPr lang="pt-BR"/>
           </a:p>
@@ -3016,7 +3016,7 @@
           <a:p>
             <a:fld id="{722B080F-126B-4C40-8493-979CF4E35B37}" type="datetimeFigureOut">
               <a:rPr lang="pt-BR" smtClean="0"/>
-              <a:t>20/07/2021</a:t>
+              <a:t>04/06/2022</a:t>
             </a:fld>
             <a:endParaRPr lang="pt-BR"/>
           </a:p>
@@ -3224,7 +3224,7 @@
           <a:p>
             <a:fld id="{722B080F-126B-4C40-8493-979CF4E35B37}" type="datetimeFigureOut">
               <a:rPr lang="pt-BR" smtClean="0"/>
-              <a:t>20/07/2021</a:t>
+              <a:t>04/06/2022</a:t>
             </a:fld>
             <a:endParaRPr lang="pt-BR"/>
           </a:p>
@@ -3444,7 +3444,7 @@
           <a:p>
             <a:fld id="{E4EBD666-A697-4156-91FF-DAAB2B063E63}" type="datetimeFigureOut">
               <a:rPr lang="pt-BR" smtClean="0"/>
-              <a:t>20/07/2021</a:t>
+              <a:t>04/06/2022</a:t>
             </a:fld>
             <a:endParaRPr lang="pt-BR"/>
           </a:p>
@@ -3642,7 +3642,7 @@
           <a:p>
             <a:fld id="{E4EBD666-A697-4156-91FF-DAAB2B063E63}" type="datetimeFigureOut">
               <a:rPr lang="pt-BR" smtClean="0"/>
-              <a:t>20/07/2021</a:t>
+              <a:t>04/06/2022</a:t>
             </a:fld>
             <a:endParaRPr lang="pt-BR"/>
           </a:p>
@@ -3917,7 +3917,7 @@
           <a:p>
             <a:fld id="{E4EBD666-A697-4156-91FF-DAAB2B063E63}" type="datetimeFigureOut">
               <a:rPr lang="pt-BR" smtClean="0"/>
-              <a:t>20/07/2021</a:t>
+              <a:t>04/06/2022</a:t>
             </a:fld>
             <a:endParaRPr lang="pt-BR"/>
           </a:p>
@@ -4182,7 +4182,7 @@
           <a:p>
             <a:fld id="{E4EBD666-A697-4156-91FF-DAAB2B063E63}" type="datetimeFigureOut">
               <a:rPr lang="pt-BR" smtClean="0"/>
-              <a:t>20/07/2021</a:t>
+              <a:t>04/06/2022</a:t>
             </a:fld>
             <a:endParaRPr lang="pt-BR"/>
           </a:p>
@@ -4594,7 +4594,7 @@
           <a:p>
             <a:fld id="{E4EBD666-A697-4156-91FF-DAAB2B063E63}" type="datetimeFigureOut">
               <a:rPr lang="pt-BR" smtClean="0"/>
-              <a:t>20/07/2021</a:t>
+              <a:t>04/06/2022</a:t>
             </a:fld>
             <a:endParaRPr lang="pt-BR"/>
           </a:p>
@@ -4735,7 +4735,7 @@
           <a:p>
             <a:fld id="{E4EBD666-A697-4156-91FF-DAAB2B063E63}" type="datetimeFigureOut">
               <a:rPr lang="pt-BR" smtClean="0"/>
-              <a:t>20/07/2021</a:t>
+              <a:t>04/06/2022</a:t>
             </a:fld>
             <a:endParaRPr lang="pt-BR"/>
           </a:p>
@@ -5040,7 +5040,7 @@
           <a:p>
             <a:fld id="{E4EBD666-A697-4156-91FF-DAAB2B063E63}" type="datetimeFigureOut">
               <a:rPr lang="pt-BR" smtClean="0"/>
-              <a:t>20/07/2021</a:t>
+              <a:t>04/06/2022</a:t>
             </a:fld>
             <a:endParaRPr lang="pt-BR"/>
           </a:p>
@@ -5351,7 +5351,7 @@
           <a:p>
             <a:fld id="{E4EBD666-A697-4156-91FF-DAAB2B063E63}" type="datetimeFigureOut">
               <a:rPr lang="pt-BR" smtClean="0"/>
-              <a:t>20/07/2021</a:t>
+              <a:t>04/06/2022</a:t>
             </a:fld>
             <a:endParaRPr lang="pt-BR"/>
           </a:p>
@@ -5639,7 +5639,7 @@
           <a:p>
             <a:fld id="{E4EBD666-A697-4156-91FF-DAAB2B063E63}" type="datetimeFigureOut">
               <a:rPr lang="pt-BR" smtClean="0"/>
-              <a:t>20/07/2021</a:t>
+              <a:t>04/06/2022</a:t>
             </a:fld>
             <a:endParaRPr lang="pt-BR"/>
           </a:p>
@@ -5837,7 +5837,7 @@
           <a:p>
             <a:fld id="{E4EBD666-A697-4156-91FF-DAAB2B063E63}" type="datetimeFigureOut">
               <a:rPr lang="pt-BR" smtClean="0"/>
-              <a:t>20/07/2021</a:t>
+              <a:t>04/06/2022</a:t>
             </a:fld>
             <a:endParaRPr lang="pt-BR"/>
           </a:p>
@@ -6045,7 +6045,7 @@
           <a:p>
             <a:fld id="{E4EBD666-A697-4156-91FF-DAAB2B063E63}" type="datetimeFigureOut">
               <a:rPr lang="pt-BR" smtClean="0"/>
-              <a:t>20/07/2021</a:t>
+              <a:t>04/06/2022</a:t>
             </a:fld>
             <a:endParaRPr lang="pt-BR"/>
           </a:p>
@@ -7759,7 +7759,7 @@
           <a:p>
             <a:fld id="{722B080F-126B-4C40-8493-979CF4E35B37}" type="datetimeFigureOut">
               <a:rPr lang="pt-BR" smtClean="0"/>
-              <a:t>20/07/2021</a:t>
+              <a:t>04/06/2022</a:t>
             </a:fld>
             <a:endParaRPr lang="pt-BR"/>
           </a:p>
@@ -8330,7 +8330,7 @@
           <a:p>
             <a:fld id="{E4EBD666-A697-4156-91FF-DAAB2B063E63}" type="datetimeFigureOut">
               <a:rPr lang="pt-BR" smtClean="0"/>
-              <a:t>20/07/2021</a:t>
+              <a:t>04/06/2022</a:t>
             </a:fld>
             <a:endParaRPr lang="pt-BR"/>
           </a:p>
@@ -13457,7 +13457,7 @@
         <p:spPr>
           <a:xfrm>
             <a:off x="461365" y="3554606"/>
-            <a:ext cx="1851558" cy="646331"/>
+            <a:ext cx="1851558" cy="461665"/>
           </a:xfrm>
           <a:prstGeom prst="rect">
             <a:avLst/>
@@ -13472,144 +13472,24 @@
           <a:p>
             <a:pPr algn="ctr"/>
             <a:r>
-              <a:rPr lang="pt-BR" sz="1200" dirty="0" err="1">
+              <a:rPr lang="pt-BR" sz="1200" dirty="0">
                 <a:solidFill>
                   <a:schemeClr val="bg1"/>
                 </a:solidFill>
                 <a:latin typeface="Arial" panose="020B0604020202020204" pitchFamily="34" charset="0"/>
                 <a:cs typeface="Arial" panose="020B0604020202020204" pitchFamily="34" charset="0"/>
               </a:rPr>
-              <a:t>Lorem</a:t>
-            </a:r>
-            <a:r>
-              <a:rPr lang="pt-BR" sz="1200" dirty="0">
+              <a:t>Psicólogos </a:t>
+            </a:r>
+            <a:r>
+              <a:rPr lang="pt-BR" sz="1200" dirty="0" err="1">
                 <a:solidFill>
                   <a:schemeClr val="bg1"/>
                 </a:solidFill>
                 <a:latin typeface="Arial" panose="020B0604020202020204" pitchFamily="34" charset="0"/>
                 <a:cs typeface="Arial" panose="020B0604020202020204" pitchFamily="34" charset="0"/>
               </a:rPr>
-              <a:t> ipsum </a:t>
-            </a:r>
-            <a:r>
-              <a:rPr lang="pt-BR" sz="1200" dirty="0" err="1">
-                <a:solidFill>
-                  <a:schemeClr val="bg1"/>
-                </a:solidFill>
-                <a:latin typeface="Arial" panose="020B0604020202020204" pitchFamily="34" charset="0"/>
-                <a:cs typeface="Arial" panose="020B0604020202020204" pitchFamily="34" charset="0"/>
-              </a:rPr>
-              <a:t>dolor</a:t>
-            </a:r>
-            <a:r>
-              <a:rPr lang="pt-BR" sz="1200" dirty="0">
-                <a:solidFill>
-                  <a:schemeClr val="bg1"/>
-                </a:solidFill>
-                <a:latin typeface="Arial" panose="020B0604020202020204" pitchFamily="34" charset="0"/>
-                <a:cs typeface="Arial" panose="020B0604020202020204" pitchFamily="34" charset="0"/>
-              </a:rPr>
-              <a:t> </a:t>
-            </a:r>
-            <a:r>
-              <a:rPr lang="pt-BR" sz="1200" dirty="0" err="1">
-                <a:solidFill>
-                  <a:schemeClr val="bg1"/>
-                </a:solidFill>
-                <a:latin typeface="Arial" panose="020B0604020202020204" pitchFamily="34" charset="0"/>
-                <a:cs typeface="Arial" panose="020B0604020202020204" pitchFamily="34" charset="0"/>
-              </a:rPr>
-              <a:t>sitamet</a:t>
-            </a:r>
-            <a:r>
-              <a:rPr lang="pt-BR" sz="1200" dirty="0">
-                <a:solidFill>
-                  <a:schemeClr val="bg1"/>
-                </a:solidFill>
-                <a:latin typeface="Arial" panose="020B0604020202020204" pitchFamily="34" charset="0"/>
-                <a:cs typeface="Arial" panose="020B0604020202020204" pitchFamily="34" charset="0"/>
-              </a:rPr>
-              <a:t>, </a:t>
-            </a:r>
-            <a:r>
-              <a:rPr lang="pt-BR" sz="1200" dirty="0" err="1">
-                <a:solidFill>
-                  <a:schemeClr val="bg1"/>
-                </a:solidFill>
-                <a:latin typeface="Arial" panose="020B0604020202020204" pitchFamily="34" charset="0"/>
-                <a:cs typeface="Arial" panose="020B0604020202020204" pitchFamily="34" charset="0"/>
-              </a:rPr>
-              <a:t>consectetur</a:t>
-            </a:r>
-            <a:r>
-              <a:rPr lang="pt-BR" sz="1200" dirty="0">
-                <a:solidFill>
-                  <a:schemeClr val="bg1"/>
-                </a:solidFill>
-                <a:latin typeface="Arial" panose="020B0604020202020204" pitchFamily="34" charset="0"/>
-                <a:cs typeface="Arial" panose="020B0604020202020204" pitchFamily="34" charset="0"/>
-              </a:rPr>
-              <a:t> </a:t>
-            </a:r>
-            <a:r>
-              <a:rPr lang="pt-BR" sz="1200" dirty="0" err="1">
-                <a:solidFill>
-                  <a:schemeClr val="bg1"/>
-                </a:solidFill>
-                <a:latin typeface="Arial" panose="020B0604020202020204" pitchFamily="34" charset="0"/>
-                <a:cs typeface="Arial" panose="020B0604020202020204" pitchFamily="34" charset="0"/>
-              </a:rPr>
-              <a:t>adipiscing</a:t>
-            </a:r>
-            <a:r>
-              <a:rPr lang="pt-BR" sz="1200" dirty="0">
-                <a:solidFill>
-                  <a:schemeClr val="bg1"/>
-                </a:solidFill>
-                <a:latin typeface="Arial" panose="020B0604020202020204" pitchFamily="34" charset="0"/>
-                <a:cs typeface="Arial" panose="020B0604020202020204" pitchFamily="34" charset="0"/>
-              </a:rPr>
-              <a:t> </a:t>
-            </a:r>
-            <a:r>
-              <a:rPr lang="pt-BR" sz="1200" dirty="0" err="1">
-                <a:solidFill>
-                  <a:schemeClr val="bg1"/>
-                </a:solidFill>
-                <a:latin typeface="Arial" panose="020B0604020202020204" pitchFamily="34" charset="0"/>
-                <a:cs typeface="Arial" panose="020B0604020202020204" pitchFamily="34" charset="0"/>
-              </a:rPr>
-              <a:t>elit</a:t>
-            </a:r>
-            <a:r>
-              <a:rPr lang="pt-BR" sz="1200" dirty="0">
-                <a:solidFill>
-                  <a:schemeClr val="bg1"/>
-                </a:solidFill>
-                <a:latin typeface="Arial" panose="020B0604020202020204" pitchFamily="34" charset="0"/>
-                <a:cs typeface="Arial" panose="020B0604020202020204" pitchFamily="34" charset="0"/>
-              </a:rPr>
-              <a:t>, </a:t>
-            </a:r>
-            <a:r>
-              <a:rPr lang="pt-BR" sz="1200" dirty="0" err="1">
-                <a:solidFill>
-                  <a:schemeClr val="bg1"/>
-                </a:solidFill>
-                <a:latin typeface="Arial" panose="020B0604020202020204" pitchFamily="34" charset="0"/>
-                <a:cs typeface="Arial" panose="020B0604020202020204" pitchFamily="34" charset="0"/>
-              </a:rPr>
-              <a:t>sed</a:t>
-            </a:r>
-            <a:r>
-              <a:rPr lang="pt-BR" sz="1200" dirty="0">
-                <a:solidFill>
-                  <a:schemeClr val="bg1"/>
-                </a:solidFill>
-                <a:latin typeface="Arial" panose="020B0604020202020204" pitchFamily="34" charset="0"/>
-                <a:cs typeface="Arial" panose="020B0604020202020204" pitchFamily="34" charset="0"/>
-              </a:rPr>
-              <a:t> do.</a:t>
+              <a:t>autonônomos</a:t>
             </a:r>
             <a:endParaRPr lang="pt-BR" sz="900" dirty="0">
               <a:solidFill>
@@ -13635,8 +13515,8 @@
         </p:nvSpPr>
         <p:spPr>
           <a:xfrm>
-            <a:off x="2869285" y="3554606"/>
-            <a:ext cx="1851558" cy="646331"/>
+            <a:off x="2869285" y="3739272"/>
+            <a:ext cx="1851558" cy="276999"/>
           </a:xfrm>
           <a:prstGeom prst="rect">
             <a:avLst/>
@@ -13651,144 +13531,14 @@
           <a:p>
             <a:pPr algn="ctr"/>
             <a:r>
-              <a:rPr lang="pt-BR" sz="1200" dirty="0" err="1">
+              <a:rPr lang="pt-BR" sz="1200" dirty="0">
                 <a:solidFill>
                   <a:schemeClr val="bg1"/>
                 </a:solidFill>
                 <a:latin typeface="Arial" panose="020B0604020202020204" pitchFamily="34" charset="0"/>
                 <a:cs typeface="Arial" panose="020B0604020202020204" pitchFamily="34" charset="0"/>
               </a:rPr>
-              <a:t>Lorem</a:t>
-            </a:r>
-            <a:r>
-              <a:rPr lang="pt-BR" sz="1200" dirty="0">
-                <a:solidFill>
-                  <a:schemeClr val="bg1"/>
-                </a:solidFill>
-                <a:latin typeface="Arial" panose="020B0604020202020204" pitchFamily="34" charset="0"/>
-                <a:cs typeface="Arial" panose="020B0604020202020204" pitchFamily="34" charset="0"/>
-              </a:rPr>
-              <a:t> ipsum </a:t>
-            </a:r>
-            <a:r>
-              <a:rPr lang="pt-BR" sz="1200" dirty="0" err="1">
-                <a:solidFill>
-                  <a:schemeClr val="bg1"/>
-                </a:solidFill>
-                <a:latin typeface="Arial" panose="020B0604020202020204" pitchFamily="34" charset="0"/>
-                <a:cs typeface="Arial" panose="020B0604020202020204" pitchFamily="34" charset="0"/>
-              </a:rPr>
-              <a:t>dolor</a:t>
-            </a:r>
-            <a:r>
-              <a:rPr lang="pt-BR" sz="1200" dirty="0">
-                <a:solidFill>
-                  <a:schemeClr val="bg1"/>
-                </a:solidFill>
-                <a:latin typeface="Arial" panose="020B0604020202020204" pitchFamily="34" charset="0"/>
-                <a:cs typeface="Arial" panose="020B0604020202020204" pitchFamily="34" charset="0"/>
-              </a:rPr>
-              <a:t> </a:t>
-            </a:r>
-            <a:r>
-              <a:rPr lang="pt-BR" sz="1200" dirty="0" err="1">
-                <a:solidFill>
-                  <a:schemeClr val="bg1"/>
-                </a:solidFill>
-                <a:latin typeface="Arial" panose="020B0604020202020204" pitchFamily="34" charset="0"/>
-                <a:cs typeface="Arial" panose="020B0604020202020204" pitchFamily="34" charset="0"/>
-              </a:rPr>
-              <a:t>sitamet</a:t>
-            </a:r>
-            <a:r>
-              <a:rPr lang="pt-BR" sz="1200" dirty="0">
-                <a:solidFill>
-                  <a:schemeClr val="bg1"/>
-                </a:solidFill>
-                <a:latin typeface="Arial" panose="020B0604020202020204" pitchFamily="34" charset="0"/>
-                <a:cs typeface="Arial" panose="020B0604020202020204" pitchFamily="34" charset="0"/>
-              </a:rPr>
-              <a:t>, </a:t>
-            </a:r>
-            <a:r>
-              <a:rPr lang="pt-BR" sz="1200" dirty="0" err="1">
-                <a:solidFill>
-                  <a:schemeClr val="bg1"/>
-                </a:solidFill>
-                <a:latin typeface="Arial" panose="020B0604020202020204" pitchFamily="34" charset="0"/>
-                <a:cs typeface="Arial" panose="020B0604020202020204" pitchFamily="34" charset="0"/>
-              </a:rPr>
-              <a:t>consectetur</a:t>
-            </a:r>
-            <a:r>
-              <a:rPr lang="pt-BR" sz="1200" dirty="0">
-                <a:solidFill>
-                  <a:schemeClr val="bg1"/>
-                </a:solidFill>
-                <a:latin typeface="Arial" panose="020B0604020202020204" pitchFamily="34" charset="0"/>
-                <a:cs typeface="Arial" panose="020B0604020202020204" pitchFamily="34" charset="0"/>
-              </a:rPr>
-              <a:t> </a:t>
-            </a:r>
-            <a:r>
-              <a:rPr lang="pt-BR" sz="1200" dirty="0" err="1">
-                <a:solidFill>
-                  <a:schemeClr val="bg1"/>
-                </a:solidFill>
-                <a:latin typeface="Arial" panose="020B0604020202020204" pitchFamily="34" charset="0"/>
-                <a:cs typeface="Arial" panose="020B0604020202020204" pitchFamily="34" charset="0"/>
-              </a:rPr>
-              <a:t>adipiscing</a:t>
-            </a:r>
-            <a:r>
-              <a:rPr lang="pt-BR" sz="1200" dirty="0">
-                <a:solidFill>
-                  <a:schemeClr val="bg1"/>
-                </a:solidFill>
-                <a:latin typeface="Arial" panose="020B0604020202020204" pitchFamily="34" charset="0"/>
-                <a:cs typeface="Arial" panose="020B0604020202020204" pitchFamily="34" charset="0"/>
-              </a:rPr>
-              <a:t> </a:t>
-            </a:r>
-            <a:r>
-              <a:rPr lang="pt-BR" sz="1200" dirty="0" err="1">
-                <a:solidFill>
-                  <a:schemeClr val="bg1"/>
-                </a:solidFill>
-                <a:latin typeface="Arial" panose="020B0604020202020204" pitchFamily="34" charset="0"/>
-                <a:cs typeface="Arial" panose="020B0604020202020204" pitchFamily="34" charset="0"/>
-              </a:rPr>
-              <a:t>elit</a:t>
-            </a:r>
-            <a:r>
-              <a:rPr lang="pt-BR" sz="1200" dirty="0">
-                <a:solidFill>
-                  <a:schemeClr val="bg1"/>
-                </a:solidFill>
-                <a:latin typeface="Arial" panose="020B0604020202020204" pitchFamily="34" charset="0"/>
-                <a:cs typeface="Arial" panose="020B0604020202020204" pitchFamily="34" charset="0"/>
-              </a:rPr>
-              <a:t>, </a:t>
-            </a:r>
-            <a:r>
-              <a:rPr lang="pt-BR" sz="1200" dirty="0" err="1">
-                <a:solidFill>
-                  <a:schemeClr val="bg1"/>
-                </a:solidFill>
-                <a:latin typeface="Arial" panose="020B0604020202020204" pitchFamily="34" charset="0"/>
-                <a:cs typeface="Arial" panose="020B0604020202020204" pitchFamily="34" charset="0"/>
-              </a:rPr>
-              <a:t>sed</a:t>
-            </a:r>
-            <a:r>
-              <a:rPr lang="pt-BR" sz="1200" dirty="0">
-                <a:solidFill>
-                  <a:schemeClr val="bg1"/>
-                </a:solidFill>
-                <a:latin typeface="Arial" panose="020B0604020202020204" pitchFamily="34" charset="0"/>
-                <a:cs typeface="Arial" panose="020B0604020202020204" pitchFamily="34" charset="0"/>
-              </a:rPr>
-              <a:t> do.</a:t>
+              <a:t>Não se aplica</a:t>
             </a:r>
             <a:endParaRPr lang="pt-BR" sz="900" dirty="0">
               <a:solidFill>
@@ -13815,7 +13565,7 @@
         <p:spPr>
           <a:xfrm>
             <a:off x="5277206" y="3554606"/>
-            <a:ext cx="1851558" cy="646331"/>
+            <a:ext cx="1851558" cy="461665"/>
           </a:xfrm>
           <a:prstGeom prst="rect">
             <a:avLst/>
@@ -13830,144 +13580,14 @@
           <a:p>
             <a:pPr algn="ctr"/>
             <a:r>
-              <a:rPr lang="pt-BR" sz="1200" dirty="0" err="1">
+              <a:rPr lang="pt-BR" sz="1200" dirty="0">
                 <a:solidFill>
                   <a:schemeClr val="bg1"/>
                 </a:solidFill>
                 <a:latin typeface="Arial" panose="020B0604020202020204" pitchFamily="34" charset="0"/>
                 <a:cs typeface="Arial" panose="020B0604020202020204" pitchFamily="34" charset="0"/>
               </a:rPr>
-              <a:t>Lorem</a:t>
-            </a:r>
-            <a:r>
-              <a:rPr lang="pt-BR" sz="1200" dirty="0">
-                <a:solidFill>
-                  <a:schemeClr val="bg1"/>
-                </a:solidFill>
-                <a:latin typeface="Arial" panose="020B0604020202020204" pitchFamily="34" charset="0"/>
-                <a:cs typeface="Arial" panose="020B0604020202020204" pitchFamily="34" charset="0"/>
-              </a:rPr>
-              <a:t> ipsum </a:t>
-            </a:r>
-            <a:r>
-              <a:rPr lang="pt-BR" sz="1200" dirty="0" err="1">
-                <a:solidFill>
-                  <a:schemeClr val="bg1"/>
-                </a:solidFill>
-                <a:latin typeface="Arial" panose="020B0604020202020204" pitchFamily="34" charset="0"/>
-                <a:cs typeface="Arial" panose="020B0604020202020204" pitchFamily="34" charset="0"/>
-              </a:rPr>
-              <a:t>dolor</a:t>
-            </a:r>
-            <a:r>
-              <a:rPr lang="pt-BR" sz="1200" dirty="0">
-                <a:solidFill>
-                  <a:schemeClr val="bg1"/>
-                </a:solidFill>
-                <a:latin typeface="Arial" panose="020B0604020202020204" pitchFamily="34" charset="0"/>
-                <a:cs typeface="Arial" panose="020B0604020202020204" pitchFamily="34" charset="0"/>
-              </a:rPr>
-              <a:t> </a:t>
-            </a:r>
-            <a:r>
-              <a:rPr lang="pt-BR" sz="1200" dirty="0" err="1">
-                <a:solidFill>
-                  <a:schemeClr val="bg1"/>
-                </a:solidFill>
-                <a:latin typeface="Arial" panose="020B0604020202020204" pitchFamily="34" charset="0"/>
-                <a:cs typeface="Arial" panose="020B0604020202020204" pitchFamily="34" charset="0"/>
-              </a:rPr>
-              <a:t>sitamet</a:t>
-            </a:r>
-            <a:r>
-              <a:rPr lang="pt-BR" sz="1200" dirty="0">
-                <a:solidFill>
-                  <a:schemeClr val="bg1"/>
-                </a:solidFill>
-                <a:latin typeface="Arial" panose="020B0604020202020204" pitchFamily="34" charset="0"/>
-                <a:cs typeface="Arial" panose="020B0604020202020204" pitchFamily="34" charset="0"/>
-              </a:rPr>
-              <a:t>, </a:t>
-            </a:r>
-            <a:r>
-              <a:rPr lang="pt-BR" sz="1200" dirty="0" err="1">
-                <a:solidFill>
-                  <a:schemeClr val="bg1"/>
-                </a:solidFill>
-                <a:latin typeface="Arial" panose="020B0604020202020204" pitchFamily="34" charset="0"/>
-                <a:cs typeface="Arial" panose="020B0604020202020204" pitchFamily="34" charset="0"/>
-              </a:rPr>
-              <a:t>consectetur</a:t>
-            </a:r>
-            <a:r>
-              <a:rPr lang="pt-BR" sz="1200" dirty="0">
-                <a:solidFill>
-                  <a:schemeClr val="bg1"/>
-                </a:solidFill>
-                <a:latin typeface="Arial" panose="020B0604020202020204" pitchFamily="34" charset="0"/>
-                <a:cs typeface="Arial" panose="020B0604020202020204" pitchFamily="34" charset="0"/>
-              </a:rPr>
-              <a:t> </a:t>
-            </a:r>
-            <a:r>
-              <a:rPr lang="pt-BR" sz="1200" dirty="0" err="1">
-                <a:solidFill>
-                  <a:schemeClr val="bg1"/>
-                </a:solidFill>
-                <a:latin typeface="Arial" panose="020B0604020202020204" pitchFamily="34" charset="0"/>
-                <a:cs typeface="Arial" panose="020B0604020202020204" pitchFamily="34" charset="0"/>
-              </a:rPr>
-              <a:t>adipiscing</a:t>
-            </a:r>
-            <a:r>
-              <a:rPr lang="pt-BR" sz="1200" dirty="0">
-                <a:solidFill>
-                  <a:schemeClr val="bg1"/>
-                </a:solidFill>
-                <a:latin typeface="Arial" panose="020B0604020202020204" pitchFamily="34" charset="0"/>
-                <a:cs typeface="Arial" panose="020B0604020202020204" pitchFamily="34" charset="0"/>
-              </a:rPr>
-              <a:t> </a:t>
-            </a:r>
-            <a:r>
-              <a:rPr lang="pt-BR" sz="1200" dirty="0" err="1">
-                <a:solidFill>
-                  <a:schemeClr val="bg1"/>
-                </a:solidFill>
-                <a:latin typeface="Arial" panose="020B0604020202020204" pitchFamily="34" charset="0"/>
-                <a:cs typeface="Arial" panose="020B0604020202020204" pitchFamily="34" charset="0"/>
-              </a:rPr>
-              <a:t>elit</a:t>
-            </a:r>
-            <a:r>
-              <a:rPr lang="pt-BR" sz="1200" dirty="0">
-                <a:solidFill>
-                  <a:schemeClr val="bg1"/>
-                </a:solidFill>
-                <a:latin typeface="Arial" panose="020B0604020202020204" pitchFamily="34" charset="0"/>
-                <a:cs typeface="Arial" panose="020B0604020202020204" pitchFamily="34" charset="0"/>
-              </a:rPr>
-              <a:t>, </a:t>
-            </a:r>
-            <a:r>
-              <a:rPr lang="pt-BR" sz="1200" dirty="0" err="1">
-                <a:solidFill>
-                  <a:schemeClr val="bg1"/>
-                </a:solidFill>
-                <a:latin typeface="Arial" panose="020B0604020202020204" pitchFamily="34" charset="0"/>
-                <a:cs typeface="Arial" panose="020B0604020202020204" pitchFamily="34" charset="0"/>
-              </a:rPr>
-              <a:t>sed</a:t>
-            </a:r>
-            <a:r>
-              <a:rPr lang="pt-BR" sz="1200" dirty="0">
-                <a:solidFill>
-                  <a:schemeClr val="bg1"/>
-                </a:solidFill>
-                <a:latin typeface="Arial" panose="020B0604020202020204" pitchFamily="34" charset="0"/>
-                <a:cs typeface="Arial" panose="020B0604020202020204" pitchFamily="34" charset="0"/>
-              </a:rPr>
-              <a:t> do.</a:t>
+              <a:t>O sistema irá ser rodado em uma aplicação Web</a:t>
             </a:r>
             <a:endParaRPr lang="pt-BR" sz="900" dirty="0">
               <a:solidFill>
@@ -13994,7 +13614,7 @@
         <p:spPr>
           <a:xfrm>
             <a:off x="7621176" y="3554606"/>
-            <a:ext cx="1851558" cy="646331"/>
+            <a:ext cx="1851558" cy="830997"/>
           </a:xfrm>
           <a:prstGeom prst="rect">
             <a:avLst/>
@@ -14009,144 +13629,14 @@
           <a:p>
             <a:pPr algn="ctr"/>
             <a:r>
-              <a:rPr lang="pt-BR" sz="1200" dirty="0" err="1">
+              <a:rPr lang="pt-BR" sz="1200" dirty="0">
                 <a:solidFill>
                   <a:schemeClr val="bg1"/>
                 </a:solidFill>
                 <a:latin typeface="Arial" panose="020B0604020202020204" pitchFamily="34" charset="0"/>
                 <a:cs typeface="Arial" panose="020B0604020202020204" pitchFamily="34" charset="0"/>
               </a:rPr>
-              <a:t>Lorem</a:t>
-            </a:r>
-            <a:r>
-              <a:rPr lang="pt-BR" sz="1200" dirty="0">
-                <a:solidFill>
-                  <a:schemeClr val="bg1"/>
-                </a:solidFill>
-                <a:latin typeface="Arial" panose="020B0604020202020204" pitchFamily="34" charset="0"/>
-                <a:cs typeface="Arial" panose="020B0604020202020204" pitchFamily="34" charset="0"/>
-              </a:rPr>
-              <a:t> ipsum </a:t>
-            </a:r>
-            <a:r>
-              <a:rPr lang="pt-BR" sz="1200" dirty="0" err="1">
-                <a:solidFill>
-                  <a:schemeClr val="bg1"/>
-                </a:solidFill>
-                <a:latin typeface="Arial" panose="020B0604020202020204" pitchFamily="34" charset="0"/>
-                <a:cs typeface="Arial" panose="020B0604020202020204" pitchFamily="34" charset="0"/>
-              </a:rPr>
-              <a:t>dolor</a:t>
-            </a:r>
-            <a:r>
-              <a:rPr lang="pt-BR" sz="1200" dirty="0">
-                <a:solidFill>
-                  <a:schemeClr val="bg1"/>
-                </a:solidFill>
-                <a:latin typeface="Arial" panose="020B0604020202020204" pitchFamily="34" charset="0"/>
-                <a:cs typeface="Arial" panose="020B0604020202020204" pitchFamily="34" charset="0"/>
-              </a:rPr>
-              <a:t> </a:t>
-            </a:r>
-            <a:r>
-              <a:rPr lang="pt-BR" sz="1200" dirty="0" err="1">
-                <a:solidFill>
-                  <a:schemeClr val="bg1"/>
-                </a:solidFill>
-                <a:latin typeface="Arial" panose="020B0604020202020204" pitchFamily="34" charset="0"/>
-                <a:cs typeface="Arial" panose="020B0604020202020204" pitchFamily="34" charset="0"/>
-              </a:rPr>
-              <a:t>sitamet</a:t>
-            </a:r>
-            <a:r>
-              <a:rPr lang="pt-BR" sz="1200" dirty="0">
-                <a:solidFill>
-                  <a:schemeClr val="bg1"/>
-                </a:solidFill>
-                <a:latin typeface="Arial" panose="020B0604020202020204" pitchFamily="34" charset="0"/>
-                <a:cs typeface="Arial" panose="020B0604020202020204" pitchFamily="34" charset="0"/>
-              </a:rPr>
-              <a:t>, </a:t>
-            </a:r>
-            <a:r>
-              <a:rPr lang="pt-BR" sz="1200" dirty="0" err="1">
-                <a:solidFill>
-                  <a:schemeClr val="bg1"/>
-                </a:solidFill>
-                <a:latin typeface="Arial" panose="020B0604020202020204" pitchFamily="34" charset="0"/>
-                <a:cs typeface="Arial" panose="020B0604020202020204" pitchFamily="34" charset="0"/>
-              </a:rPr>
-              <a:t>consectetur</a:t>
-            </a:r>
-            <a:r>
-              <a:rPr lang="pt-BR" sz="1200" dirty="0">
-                <a:solidFill>
-                  <a:schemeClr val="bg1"/>
-                </a:solidFill>
-                <a:latin typeface="Arial" panose="020B0604020202020204" pitchFamily="34" charset="0"/>
-                <a:cs typeface="Arial" panose="020B0604020202020204" pitchFamily="34" charset="0"/>
-              </a:rPr>
-              <a:t> </a:t>
-            </a:r>
-            <a:r>
-              <a:rPr lang="pt-BR" sz="1200" dirty="0" err="1">
-                <a:solidFill>
-                  <a:schemeClr val="bg1"/>
-                </a:solidFill>
-                <a:latin typeface="Arial" panose="020B0604020202020204" pitchFamily="34" charset="0"/>
-                <a:cs typeface="Arial" panose="020B0604020202020204" pitchFamily="34" charset="0"/>
-              </a:rPr>
-              <a:t>adipiscing</a:t>
-            </a:r>
-            <a:r>
-              <a:rPr lang="pt-BR" sz="1200" dirty="0">
-                <a:solidFill>
-                  <a:schemeClr val="bg1"/>
-                </a:solidFill>
-                <a:latin typeface="Arial" panose="020B0604020202020204" pitchFamily="34" charset="0"/>
-                <a:cs typeface="Arial" panose="020B0604020202020204" pitchFamily="34" charset="0"/>
-              </a:rPr>
-              <a:t> </a:t>
-            </a:r>
-            <a:r>
-              <a:rPr lang="pt-BR" sz="1200" dirty="0" err="1">
-                <a:solidFill>
-                  <a:schemeClr val="bg1"/>
-                </a:solidFill>
-                <a:latin typeface="Arial" panose="020B0604020202020204" pitchFamily="34" charset="0"/>
-                <a:cs typeface="Arial" panose="020B0604020202020204" pitchFamily="34" charset="0"/>
-              </a:rPr>
-              <a:t>elit</a:t>
-            </a:r>
-            <a:r>
-              <a:rPr lang="pt-BR" sz="1200" dirty="0">
-                <a:solidFill>
-                  <a:schemeClr val="bg1"/>
-                </a:solidFill>
-                <a:latin typeface="Arial" panose="020B0604020202020204" pitchFamily="34" charset="0"/>
-                <a:cs typeface="Arial" panose="020B0604020202020204" pitchFamily="34" charset="0"/>
-              </a:rPr>
-              <a:t>, </a:t>
-            </a:r>
-            <a:r>
-              <a:rPr lang="pt-BR" sz="1200" dirty="0" err="1">
-                <a:solidFill>
-                  <a:schemeClr val="bg1"/>
-                </a:solidFill>
-                <a:latin typeface="Arial" panose="020B0604020202020204" pitchFamily="34" charset="0"/>
-                <a:cs typeface="Arial" panose="020B0604020202020204" pitchFamily="34" charset="0"/>
-              </a:rPr>
-              <a:t>sed</a:t>
-            </a:r>
-            <a:r>
-              <a:rPr lang="pt-BR" sz="1200" dirty="0">
-                <a:solidFill>
-                  <a:schemeClr val="bg1"/>
-                </a:solidFill>
-                <a:latin typeface="Arial" panose="020B0604020202020204" pitchFamily="34" charset="0"/>
-                <a:cs typeface="Arial" panose="020B0604020202020204" pitchFamily="34" charset="0"/>
-              </a:rPr>
-              <a:t> do.</a:t>
+              <a:t>No final do mês o psicólogo poderá emitir um relatório dos seus recebimentos</a:t>
             </a:r>
             <a:endParaRPr lang="pt-BR" sz="900" dirty="0">
               <a:solidFill>
@@ -14188,144 +13678,14 @@
           <a:p>
             <a:pPr algn="ctr"/>
             <a:r>
-              <a:rPr lang="pt-BR" sz="1200" dirty="0" err="1">
+              <a:rPr lang="pt-BR" sz="1200" dirty="0">
                 <a:solidFill>
                   <a:schemeClr val="bg1"/>
                 </a:solidFill>
                 <a:latin typeface="Arial" panose="020B0604020202020204" pitchFamily="34" charset="0"/>
                 <a:cs typeface="Arial" panose="020B0604020202020204" pitchFamily="34" charset="0"/>
               </a:rPr>
-              <a:t>Lorem</a:t>
-            </a:r>
-            <a:r>
-              <a:rPr lang="pt-BR" sz="1200" dirty="0">
-                <a:solidFill>
-                  <a:schemeClr val="bg1"/>
-                </a:solidFill>
-                <a:latin typeface="Arial" panose="020B0604020202020204" pitchFamily="34" charset="0"/>
-                <a:cs typeface="Arial" panose="020B0604020202020204" pitchFamily="34" charset="0"/>
-              </a:rPr>
-              <a:t> ipsum </a:t>
-            </a:r>
-            <a:r>
-              <a:rPr lang="pt-BR" sz="1200" dirty="0" err="1">
-                <a:solidFill>
-                  <a:schemeClr val="bg1"/>
-                </a:solidFill>
-                <a:latin typeface="Arial" panose="020B0604020202020204" pitchFamily="34" charset="0"/>
-                <a:cs typeface="Arial" panose="020B0604020202020204" pitchFamily="34" charset="0"/>
-              </a:rPr>
-              <a:t>dolor</a:t>
-            </a:r>
-            <a:r>
-              <a:rPr lang="pt-BR" sz="1200" dirty="0">
-                <a:solidFill>
-                  <a:schemeClr val="bg1"/>
-                </a:solidFill>
-                <a:latin typeface="Arial" panose="020B0604020202020204" pitchFamily="34" charset="0"/>
-                <a:cs typeface="Arial" panose="020B0604020202020204" pitchFamily="34" charset="0"/>
-              </a:rPr>
-              <a:t> </a:t>
-            </a:r>
-            <a:r>
-              <a:rPr lang="pt-BR" sz="1200" dirty="0" err="1">
-                <a:solidFill>
-                  <a:schemeClr val="bg1"/>
-                </a:solidFill>
-                <a:latin typeface="Arial" panose="020B0604020202020204" pitchFamily="34" charset="0"/>
-                <a:cs typeface="Arial" panose="020B0604020202020204" pitchFamily="34" charset="0"/>
-              </a:rPr>
-              <a:t>sitamet</a:t>
-            </a:r>
-            <a:r>
-              <a:rPr lang="pt-BR" sz="1200" dirty="0">
-                <a:solidFill>
-                  <a:schemeClr val="bg1"/>
-                </a:solidFill>
-                <a:latin typeface="Arial" panose="020B0604020202020204" pitchFamily="34" charset="0"/>
-                <a:cs typeface="Arial" panose="020B0604020202020204" pitchFamily="34" charset="0"/>
-              </a:rPr>
-              <a:t>, </a:t>
-            </a:r>
-            <a:r>
-              <a:rPr lang="pt-BR" sz="1200" dirty="0" err="1">
-                <a:solidFill>
-                  <a:schemeClr val="bg1"/>
-                </a:solidFill>
-                <a:latin typeface="Arial" panose="020B0604020202020204" pitchFamily="34" charset="0"/>
-                <a:cs typeface="Arial" panose="020B0604020202020204" pitchFamily="34" charset="0"/>
-              </a:rPr>
-              <a:t>consectetur</a:t>
-            </a:r>
-            <a:r>
-              <a:rPr lang="pt-BR" sz="1200" dirty="0">
-                <a:solidFill>
-                  <a:schemeClr val="bg1"/>
-                </a:solidFill>
-                <a:latin typeface="Arial" panose="020B0604020202020204" pitchFamily="34" charset="0"/>
-                <a:cs typeface="Arial" panose="020B0604020202020204" pitchFamily="34" charset="0"/>
-              </a:rPr>
-              <a:t> </a:t>
-            </a:r>
-            <a:r>
-              <a:rPr lang="pt-BR" sz="1200" dirty="0" err="1">
-                <a:solidFill>
-                  <a:schemeClr val="bg1"/>
-                </a:solidFill>
-                <a:latin typeface="Arial" panose="020B0604020202020204" pitchFamily="34" charset="0"/>
-                <a:cs typeface="Arial" panose="020B0604020202020204" pitchFamily="34" charset="0"/>
-              </a:rPr>
-              <a:t>adipiscing</a:t>
-            </a:r>
-            <a:r>
-              <a:rPr lang="pt-BR" sz="1200" dirty="0">
-                <a:solidFill>
-                  <a:schemeClr val="bg1"/>
-                </a:solidFill>
-                <a:latin typeface="Arial" panose="020B0604020202020204" pitchFamily="34" charset="0"/>
-                <a:cs typeface="Arial" panose="020B0604020202020204" pitchFamily="34" charset="0"/>
-              </a:rPr>
-              <a:t> </a:t>
-            </a:r>
-            <a:r>
-              <a:rPr lang="pt-BR" sz="1200" dirty="0" err="1">
-                <a:solidFill>
-                  <a:schemeClr val="bg1"/>
-                </a:solidFill>
-                <a:latin typeface="Arial" panose="020B0604020202020204" pitchFamily="34" charset="0"/>
-                <a:cs typeface="Arial" panose="020B0604020202020204" pitchFamily="34" charset="0"/>
-              </a:rPr>
-              <a:t>elit</a:t>
-            </a:r>
-            <a:r>
-              <a:rPr lang="pt-BR" sz="1200" dirty="0">
-                <a:solidFill>
-                  <a:schemeClr val="bg1"/>
-                </a:solidFill>
-                <a:latin typeface="Arial" panose="020B0604020202020204" pitchFamily="34" charset="0"/>
-                <a:cs typeface="Arial" panose="020B0604020202020204" pitchFamily="34" charset="0"/>
-              </a:rPr>
-              <a:t>, </a:t>
-            </a:r>
-            <a:r>
-              <a:rPr lang="pt-BR" sz="1200" dirty="0" err="1">
-                <a:solidFill>
-                  <a:schemeClr val="bg1"/>
-                </a:solidFill>
-                <a:latin typeface="Arial" panose="020B0604020202020204" pitchFamily="34" charset="0"/>
-                <a:cs typeface="Arial" panose="020B0604020202020204" pitchFamily="34" charset="0"/>
-              </a:rPr>
-              <a:t>sed</a:t>
-            </a:r>
-            <a:r>
-              <a:rPr lang="pt-BR" sz="1200" dirty="0">
-                <a:solidFill>
-                  <a:schemeClr val="bg1"/>
-                </a:solidFill>
-                <a:latin typeface="Arial" panose="020B0604020202020204" pitchFamily="34" charset="0"/>
-                <a:cs typeface="Arial" panose="020B0604020202020204" pitchFamily="34" charset="0"/>
-              </a:rPr>
-              <a:t> do.</a:t>
+              <a:t>Agenda de sessões e valores financeiros do profissional</a:t>
             </a:r>
             <a:endParaRPr lang="pt-BR" sz="900" dirty="0">
               <a:solidFill>
@@ -14352,7 +13712,7 @@
         <p:spPr>
           <a:xfrm>
             <a:off x="929639" y="5122832"/>
-            <a:ext cx="4584395" cy="1169551"/>
+            <a:ext cx="4584395" cy="954107"/>
           </a:xfrm>
           <a:prstGeom prst="rect">
             <a:avLst/>
@@ -14365,421 +13725,33 @@
           </a:bodyPr>
           <a:lstStyle/>
           <a:p>
-            <a:r>
-              <a:rPr lang="pt-BR" sz="1400" dirty="0" err="1">
-                <a:solidFill>
-                  <a:schemeClr val="bg1"/>
-                </a:solidFill>
-              </a:rPr>
-              <a:t>Lorem</a:t>
-            </a:r>
+            <a:pPr marL="285750" indent="-285750">
+              <a:buFont typeface="Arial" panose="020B0604020202020204" pitchFamily="34" charset="0"/>
+              <a:buChar char="•"/>
+            </a:pPr>
             <a:r>
               <a:rPr lang="pt-BR" sz="1400" dirty="0">
                 <a:solidFill>
                   <a:schemeClr val="bg1"/>
                 </a:solidFill>
               </a:rPr>
-              <a:t> ipsum </a:t>
-            </a:r>
-            <a:r>
-              <a:rPr lang="pt-BR" sz="1400" dirty="0" err="1">
-                <a:solidFill>
-                  <a:schemeClr val="bg1"/>
-                </a:solidFill>
-              </a:rPr>
-              <a:t>dolor</a:t>
-            </a:r>
+              <a:t>Sem relação de registro de sessão com valor financeiro</a:t>
+            </a:r>
+          </a:p>
+          <a:p>
+            <a:pPr marL="285750" indent="-285750">
+              <a:buFont typeface="Arial" panose="020B0604020202020204" pitchFamily="34" charset="0"/>
+              <a:buChar char="•"/>
+            </a:pPr>
             <a:r>
               <a:rPr lang="pt-BR" sz="1400" dirty="0">
                 <a:solidFill>
                   <a:schemeClr val="bg1"/>
                 </a:solidFill>
-              </a:rPr>
-              <a:t> </a:t>
-            </a:r>
-            <a:r>
-              <a:rPr lang="pt-BR" sz="1400" dirty="0" err="1">
-                <a:solidFill>
-                  <a:schemeClr val="bg1"/>
-                </a:solidFill>
-              </a:rPr>
-              <a:t>sit</a:t>
-            </a:r>
-            <a:r>
-              <a:rPr lang="pt-BR" sz="1400" dirty="0">
-                <a:solidFill>
-                  <a:schemeClr val="bg1"/>
-                </a:solidFill>
-              </a:rPr>
-              <a:t> </a:t>
-            </a:r>
-            <a:r>
-              <a:rPr lang="pt-BR" sz="1400" dirty="0" err="1">
-                <a:solidFill>
-                  <a:schemeClr val="bg1"/>
-                </a:solidFill>
-              </a:rPr>
-              <a:t>amet</a:t>
-            </a:r>
-            <a:r>
-              <a:rPr lang="pt-BR" sz="1400" dirty="0">
-                <a:solidFill>
-                  <a:schemeClr val="bg1"/>
-                </a:solidFill>
-              </a:rPr>
-              <a:t>, </a:t>
-            </a:r>
-            <a:r>
-              <a:rPr lang="pt-BR" sz="1400" dirty="0" err="1">
-                <a:solidFill>
-                  <a:schemeClr val="bg1"/>
-                </a:solidFill>
-              </a:rPr>
-              <a:t>consectetur</a:t>
-            </a:r>
-            <a:r>
-              <a:rPr lang="pt-BR" sz="1400" dirty="0">
-                <a:solidFill>
-                  <a:schemeClr val="bg1"/>
-                </a:solidFill>
-              </a:rPr>
-              <a:t> </a:t>
-            </a:r>
-            <a:r>
-              <a:rPr lang="pt-BR" sz="1400" dirty="0" err="1">
-                <a:solidFill>
-                  <a:schemeClr val="bg1"/>
-                </a:solidFill>
-              </a:rPr>
-              <a:t>adipiscing</a:t>
-            </a:r>
-            <a:r>
-              <a:rPr lang="pt-BR" sz="1400" dirty="0">
-                <a:solidFill>
-                  <a:schemeClr val="bg1"/>
-                </a:solidFill>
-              </a:rPr>
-              <a:t> </a:t>
-            </a:r>
-            <a:r>
-              <a:rPr lang="pt-BR" sz="1400" dirty="0" err="1">
-                <a:solidFill>
-                  <a:schemeClr val="bg1"/>
-                </a:solidFill>
-              </a:rPr>
-              <a:t>elit</a:t>
-            </a:r>
-            <a:r>
-              <a:rPr lang="pt-BR" sz="1400" dirty="0">
-                <a:solidFill>
-                  <a:schemeClr val="bg1"/>
-                </a:solidFill>
-              </a:rPr>
-              <a:t>, </a:t>
-            </a:r>
-            <a:r>
-              <a:rPr lang="pt-BR" sz="1400" dirty="0" err="1">
-                <a:solidFill>
-                  <a:schemeClr val="bg1"/>
-                </a:solidFill>
-              </a:rPr>
-              <a:t>sed</a:t>
-            </a:r>
-            <a:r>
-              <a:rPr lang="pt-BR" sz="1400" dirty="0">
-                <a:solidFill>
-                  <a:schemeClr val="bg1"/>
-                </a:solidFill>
-              </a:rPr>
-              <a:t> do </a:t>
-            </a:r>
-            <a:r>
-              <a:rPr lang="pt-BR" sz="1400" dirty="0" err="1">
-                <a:solidFill>
-                  <a:schemeClr val="bg1"/>
-                </a:solidFill>
-              </a:rPr>
-              <a:t>eiusmod</a:t>
-            </a:r>
-            <a:r>
-              <a:rPr lang="pt-BR" sz="1400" dirty="0">
-                <a:solidFill>
-                  <a:schemeClr val="bg1"/>
-                </a:solidFill>
-              </a:rPr>
-              <a:t> </a:t>
-            </a:r>
-            <a:r>
-              <a:rPr lang="pt-BR" sz="1400" dirty="0" err="1">
-                <a:solidFill>
-                  <a:schemeClr val="bg1"/>
-                </a:solidFill>
-              </a:rPr>
-              <a:t>tempor</a:t>
-            </a:r>
-            <a:r>
-              <a:rPr lang="pt-BR" sz="1400" dirty="0">
-                <a:solidFill>
-                  <a:schemeClr val="bg1"/>
-                </a:solidFill>
-              </a:rPr>
-              <a:t> </a:t>
-            </a:r>
-            <a:r>
-              <a:rPr lang="pt-BR" sz="1400" dirty="0" err="1">
-                <a:solidFill>
-                  <a:schemeClr val="bg1"/>
-                </a:solidFill>
-              </a:rPr>
-              <a:t>incididunt</a:t>
-            </a:r>
-            <a:r>
-              <a:rPr lang="pt-BR" sz="1400" dirty="0">
-                <a:solidFill>
-                  <a:schemeClr val="bg1"/>
-                </a:solidFill>
-              </a:rPr>
-              <a:t> ut labore et </a:t>
-            </a:r>
-            <a:r>
-              <a:rPr lang="pt-BR" sz="1400" dirty="0" err="1">
-                <a:solidFill>
-                  <a:schemeClr val="bg1"/>
-                </a:solidFill>
-              </a:rPr>
-              <a:t>dolore</a:t>
-            </a:r>
-            <a:r>
-              <a:rPr lang="pt-BR" sz="1400" dirty="0">
-                <a:solidFill>
-                  <a:schemeClr val="bg1"/>
-                </a:solidFill>
-              </a:rPr>
-              <a:t> magna </a:t>
-            </a:r>
-            <a:r>
-              <a:rPr lang="pt-BR" sz="1400" dirty="0" err="1">
-                <a:solidFill>
-                  <a:schemeClr val="bg1"/>
-                </a:solidFill>
-              </a:rPr>
-              <a:t>aliqua</a:t>
-            </a:r>
-            <a:r>
-              <a:rPr lang="pt-BR" sz="1400" dirty="0">
-                <a:solidFill>
-                  <a:schemeClr val="bg1"/>
-                </a:solidFill>
-              </a:rPr>
-              <a:t>. Ut </a:t>
-            </a:r>
-            <a:r>
-              <a:rPr lang="pt-BR" sz="1400" dirty="0" err="1">
-                <a:solidFill>
-                  <a:schemeClr val="bg1"/>
-                </a:solidFill>
-              </a:rPr>
-              <a:t>enim</a:t>
-            </a:r>
-            <a:r>
-              <a:rPr lang="pt-BR" sz="1400" dirty="0">
-                <a:solidFill>
-                  <a:schemeClr val="bg1"/>
-                </a:solidFill>
-              </a:rPr>
-              <a:t> ad </a:t>
-            </a:r>
-            <a:r>
-              <a:rPr lang="pt-BR" sz="1400" dirty="0" err="1">
-                <a:solidFill>
-                  <a:schemeClr val="bg1"/>
-                </a:solidFill>
-              </a:rPr>
-              <a:t>minim</a:t>
-            </a:r>
-            <a:r>
-              <a:rPr lang="pt-BR" sz="1400" dirty="0">
-                <a:solidFill>
-                  <a:schemeClr val="bg1"/>
-                </a:solidFill>
-              </a:rPr>
-              <a:t> </a:t>
-            </a:r>
-            <a:r>
-              <a:rPr lang="pt-BR" sz="1400" dirty="0" err="1">
-                <a:solidFill>
-                  <a:schemeClr val="bg1"/>
-                </a:solidFill>
-              </a:rPr>
-              <a:t>veniam</a:t>
-            </a:r>
-            <a:r>
-              <a:rPr lang="pt-BR" sz="1400" dirty="0">
-                <a:solidFill>
-                  <a:schemeClr val="bg1"/>
-                </a:solidFill>
-              </a:rPr>
-              <a:t>, quis </a:t>
-            </a:r>
-            <a:r>
-              <a:rPr lang="pt-BR" sz="1400" dirty="0" err="1">
-                <a:solidFill>
-                  <a:schemeClr val="bg1"/>
-                </a:solidFill>
-              </a:rPr>
-              <a:t>nostrud</a:t>
-            </a:r>
-            <a:r>
-              <a:rPr lang="pt-BR" sz="1400" dirty="0">
-                <a:solidFill>
-                  <a:schemeClr val="bg1"/>
-                </a:solidFill>
-              </a:rPr>
-              <a:t> </a:t>
-            </a:r>
-            <a:r>
-              <a:rPr lang="pt-BR" sz="1400" dirty="0" err="1">
-                <a:solidFill>
-                  <a:schemeClr val="bg1"/>
-                </a:solidFill>
-              </a:rPr>
-              <a:t>exercitation</a:t>
-            </a:r>
-            <a:r>
-              <a:rPr lang="pt-BR" sz="1400" dirty="0">
-                <a:solidFill>
-                  <a:schemeClr val="bg1"/>
-                </a:solidFill>
-              </a:rPr>
-              <a:t> </a:t>
-            </a:r>
-            <a:r>
-              <a:rPr lang="pt-BR" sz="1400" dirty="0" err="1">
-                <a:solidFill>
-                  <a:schemeClr val="bg1"/>
-                </a:solidFill>
-              </a:rPr>
-              <a:t>ullamco</a:t>
-            </a:r>
-            <a:r>
-              <a:rPr lang="pt-BR" sz="1400" dirty="0">
-                <a:solidFill>
-                  <a:schemeClr val="bg1"/>
-                </a:solidFill>
-              </a:rPr>
-              <a:t> </a:t>
-            </a:r>
-            <a:r>
-              <a:rPr lang="pt-BR" sz="1400" dirty="0" err="1">
-                <a:solidFill>
-                  <a:schemeClr val="bg1"/>
-                </a:solidFill>
-              </a:rPr>
-              <a:t>laboris</a:t>
-            </a:r>
-            <a:r>
-              <a:rPr lang="pt-BR" sz="1400" dirty="0">
-                <a:solidFill>
-                  <a:schemeClr val="bg1"/>
-                </a:solidFill>
-              </a:rPr>
-              <a:t> </a:t>
-            </a:r>
-            <a:r>
-              <a:rPr lang="pt-BR" sz="1400" dirty="0" err="1">
-                <a:solidFill>
-                  <a:schemeClr val="bg1"/>
-                </a:solidFill>
-              </a:rPr>
-              <a:t>nisi</a:t>
-            </a:r>
-            <a:r>
-              <a:rPr lang="pt-BR" sz="1400" dirty="0">
-                <a:solidFill>
-                  <a:schemeClr val="bg1"/>
-                </a:solidFill>
-              </a:rPr>
-              <a:t> ut </a:t>
-            </a:r>
-            <a:r>
-              <a:rPr lang="pt-BR" sz="1400" dirty="0" err="1">
-                <a:solidFill>
-                  <a:schemeClr val="bg1"/>
-                </a:solidFill>
-              </a:rPr>
-              <a:t>aliquip</a:t>
-            </a:r>
-            <a:r>
-              <a:rPr lang="pt-BR" sz="1400" dirty="0">
-                <a:solidFill>
-                  <a:schemeClr val="bg1"/>
-                </a:solidFill>
-              </a:rPr>
-              <a:t> </a:t>
-            </a:r>
-            <a:r>
-              <a:rPr lang="pt-BR" sz="1400" dirty="0" err="1">
-                <a:solidFill>
-                  <a:schemeClr val="bg1"/>
-                </a:solidFill>
-              </a:rPr>
-              <a:t>ex</a:t>
-            </a:r>
-            <a:r>
-              <a:rPr lang="pt-BR" sz="1400" dirty="0">
-                <a:solidFill>
-                  <a:schemeClr val="bg1"/>
-                </a:solidFill>
-              </a:rPr>
-              <a:t> </a:t>
-            </a:r>
-            <a:r>
-              <a:rPr lang="pt-BR" sz="1400" dirty="0" err="1">
-                <a:solidFill>
-                  <a:schemeClr val="bg1"/>
-                </a:solidFill>
-              </a:rPr>
-              <a:t>ea</a:t>
-            </a:r>
-            <a:r>
-              <a:rPr lang="pt-BR" sz="1400" dirty="0">
-                <a:solidFill>
-                  <a:schemeClr val="bg1"/>
-                </a:solidFill>
-              </a:rPr>
-              <a:t> </a:t>
-            </a:r>
-            <a:r>
-              <a:rPr lang="pt-BR" sz="1400" dirty="0" err="1">
-                <a:solidFill>
-                  <a:schemeClr val="bg1"/>
-                </a:solidFill>
-              </a:rPr>
-              <a:t>commodo</a:t>
-            </a:r>
-            <a:r>
-              <a:rPr lang="pt-BR" sz="1400" dirty="0">
-                <a:solidFill>
-                  <a:schemeClr val="bg1"/>
-                </a:solidFill>
-              </a:rPr>
-              <a:t> </a:t>
-            </a:r>
-            <a:r>
-              <a:rPr lang="pt-BR" sz="1400" dirty="0" err="1">
-                <a:solidFill>
-                  <a:schemeClr val="bg1"/>
-                </a:solidFill>
-              </a:rPr>
-              <a:t>consequat</a:t>
-            </a:r>
-            <a:r>
-              <a:rPr lang="pt-BR" sz="1400" dirty="0">
-                <a:solidFill>
-                  <a:schemeClr val="bg1"/>
-                </a:solidFill>
-              </a:rPr>
-              <a:t>.</a:t>
+                <a:latin typeface="Arial" panose="020B0604020202020204" pitchFamily="34" charset="0"/>
+                <a:cs typeface="Arial" panose="020B0604020202020204" pitchFamily="34" charset="0"/>
+              </a:rPr>
+              <a:t>Difícil análise por parte do profissional com relação aos seus ganhos</a:t>
             </a:r>
             <a:endParaRPr lang="pt-BR" sz="800" dirty="0">
               <a:solidFill>
@@ -14806,7 +13778,7 @@
         <p:spPr>
           <a:xfrm>
             <a:off x="6903719" y="5122832"/>
-            <a:ext cx="4625659" cy="1169551"/>
+            <a:ext cx="4625659" cy="738664"/>
           </a:xfrm>
           <a:prstGeom prst="rect">
             <a:avLst/>
@@ -14819,429 +13791,46 @@
           </a:bodyPr>
           <a:lstStyle/>
           <a:p>
-            <a:r>
-              <a:rPr lang="pt-BR" sz="1400" dirty="0" err="1">
-                <a:solidFill>
-                  <a:schemeClr val="bg1"/>
-                </a:solidFill>
-              </a:rPr>
-              <a:t>Lorem</a:t>
-            </a:r>
+            <a:pPr marL="285750" indent="-285750">
+              <a:buFont typeface="Arial" panose="020B0604020202020204" pitchFamily="34" charset="0"/>
+              <a:buChar char="•"/>
+            </a:pPr>
             <a:r>
               <a:rPr lang="pt-BR" sz="1400" dirty="0">
                 <a:solidFill>
                   <a:schemeClr val="bg1"/>
                 </a:solidFill>
               </a:rPr>
-              <a:t> ipsum </a:t>
-            </a:r>
-            <a:r>
-              <a:rPr lang="pt-BR" sz="1400" dirty="0" err="1">
-                <a:solidFill>
-                  <a:schemeClr val="bg1"/>
-                </a:solidFill>
-              </a:rPr>
-              <a:t>dolor</a:t>
-            </a:r>
+              <a:t>Criação de um sistema que:</a:t>
+            </a:r>
+          </a:p>
+          <a:p>
+            <a:pPr marL="742950" lvl="1" indent="-285750">
+              <a:buFont typeface="Arial" panose="020B0604020202020204" pitchFamily="34" charset="0"/>
+              <a:buChar char="•"/>
+            </a:pPr>
             <a:r>
               <a:rPr lang="pt-BR" sz="1400" dirty="0">
                 <a:solidFill>
                   <a:schemeClr val="bg1"/>
                 </a:solidFill>
               </a:rPr>
-              <a:t> </a:t>
-            </a:r>
-            <a:r>
-              <a:rPr lang="pt-BR" sz="1400" dirty="0" err="1">
-                <a:solidFill>
-                  <a:schemeClr val="bg1"/>
-                </a:solidFill>
-              </a:rPr>
-              <a:t>sit</a:t>
-            </a:r>
+              <a:t>Auxilia no agendamento dos pacientes;</a:t>
+            </a:r>
+          </a:p>
+          <a:p>
+            <a:pPr marL="742950" lvl="1" indent="-285750">
+              <a:buFont typeface="Arial" panose="020B0604020202020204" pitchFamily="34" charset="0"/>
+              <a:buChar char="•"/>
+            </a:pPr>
             <a:r>
               <a:rPr lang="pt-BR" sz="1400" dirty="0">
                 <a:solidFill>
                   <a:schemeClr val="bg1"/>
                 </a:solidFill>
               </a:rPr>
-              <a:t> </a:t>
-            </a:r>
-            <a:r>
-              <a:rPr lang="pt-BR" sz="1400" dirty="0" err="1">
-                <a:solidFill>
-                  <a:schemeClr val="bg1"/>
-                </a:solidFill>
-              </a:rPr>
-              <a:t>amet</a:t>
-            </a:r>
-            <a:r>
-              <a:rPr lang="pt-BR" sz="1400" dirty="0">
-                <a:solidFill>
-                  <a:schemeClr val="bg1"/>
-                </a:solidFill>
-              </a:rPr>
-              <a:t>, </a:t>
-            </a:r>
-            <a:r>
-              <a:rPr lang="pt-BR" sz="1400" dirty="0" err="1">
-                <a:solidFill>
-                  <a:schemeClr val="bg1"/>
-                </a:solidFill>
-              </a:rPr>
-              <a:t>consectetur</a:t>
-            </a:r>
-            <a:r>
-              <a:rPr lang="pt-BR" sz="1400" dirty="0">
-                <a:solidFill>
-                  <a:schemeClr val="bg1"/>
-                </a:solidFill>
-              </a:rPr>
-              <a:t> </a:t>
-            </a:r>
-            <a:r>
-              <a:rPr lang="pt-BR" sz="1400" dirty="0" err="1">
-                <a:solidFill>
-                  <a:schemeClr val="bg1"/>
-                </a:solidFill>
-              </a:rPr>
-              <a:t>adipiscing</a:t>
-            </a:r>
-            <a:r>
-              <a:rPr lang="pt-BR" sz="1400" dirty="0">
-                <a:solidFill>
-                  <a:schemeClr val="bg1"/>
-                </a:solidFill>
-              </a:rPr>
-              <a:t> </a:t>
-            </a:r>
-            <a:r>
-              <a:rPr lang="pt-BR" sz="1400" dirty="0" err="1">
-                <a:solidFill>
-                  <a:schemeClr val="bg1"/>
-                </a:solidFill>
-              </a:rPr>
-              <a:t>elit</a:t>
-            </a:r>
-            <a:r>
-              <a:rPr lang="pt-BR" sz="1400" dirty="0">
-                <a:solidFill>
-                  <a:schemeClr val="bg1"/>
-                </a:solidFill>
-              </a:rPr>
-              <a:t>, </a:t>
-            </a:r>
-            <a:r>
-              <a:rPr lang="pt-BR" sz="1400" dirty="0" err="1">
-                <a:solidFill>
-                  <a:schemeClr val="bg1"/>
-                </a:solidFill>
-              </a:rPr>
-              <a:t>sed</a:t>
-            </a:r>
-            <a:r>
-              <a:rPr lang="pt-BR" sz="1400" dirty="0">
-                <a:solidFill>
-                  <a:schemeClr val="bg1"/>
-                </a:solidFill>
-              </a:rPr>
-              <a:t> do </a:t>
-            </a:r>
-            <a:r>
-              <a:rPr lang="pt-BR" sz="1400" dirty="0" err="1">
-                <a:solidFill>
-                  <a:schemeClr val="bg1"/>
-                </a:solidFill>
-              </a:rPr>
-              <a:t>eiusmod</a:t>
-            </a:r>
-            <a:r>
-              <a:rPr lang="pt-BR" sz="1400" dirty="0">
-                <a:solidFill>
-                  <a:schemeClr val="bg1"/>
-                </a:solidFill>
-              </a:rPr>
-              <a:t> </a:t>
-            </a:r>
-            <a:r>
-              <a:rPr lang="pt-BR" sz="1400" dirty="0" err="1">
-                <a:solidFill>
-                  <a:schemeClr val="bg1"/>
-                </a:solidFill>
-              </a:rPr>
-              <a:t>tempor</a:t>
-            </a:r>
-            <a:r>
-              <a:rPr lang="pt-BR" sz="1400" dirty="0">
-                <a:solidFill>
-                  <a:schemeClr val="bg1"/>
-                </a:solidFill>
-              </a:rPr>
-              <a:t> </a:t>
-            </a:r>
-            <a:r>
-              <a:rPr lang="pt-BR" sz="1400" dirty="0" err="1">
-                <a:solidFill>
-                  <a:schemeClr val="bg1"/>
-                </a:solidFill>
-              </a:rPr>
-              <a:t>incididunt</a:t>
-            </a:r>
-            <a:r>
-              <a:rPr lang="pt-BR" sz="1400" dirty="0">
-                <a:solidFill>
-                  <a:schemeClr val="bg1"/>
-                </a:solidFill>
-              </a:rPr>
-              <a:t> ut labore et </a:t>
-            </a:r>
-            <a:r>
-              <a:rPr lang="pt-BR" sz="1400" dirty="0" err="1">
-                <a:solidFill>
-                  <a:schemeClr val="bg1"/>
-                </a:solidFill>
-              </a:rPr>
-              <a:t>dolore</a:t>
-            </a:r>
-            <a:r>
-              <a:rPr lang="pt-BR" sz="1400" dirty="0">
-                <a:solidFill>
-                  <a:schemeClr val="bg1"/>
-                </a:solidFill>
-              </a:rPr>
-              <a:t> magna </a:t>
-            </a:r>
-            <a:r>
-              <a:rPr lang="pt-BR" sz="1400" dirty="0" err="1">
-                <a:solidFill>
-                  <a:schemeClr val="bg1"/>
-                </a:solidFill>
-              </a:rPr>
-              <a:t>aliqua</a:t>
-            </a:r>
-            <a:r>
-              <a:rPr lang="pt-BR" sz="1400" dirty="0">
-                <a:solidFill>
-                  <a:schemeClr val="bg1"/>
-                </a:solidFill>
-              </a:rPr>
-              <a:t>. Ut </a:t>
-            </a:r>
-            <a:r>
-              <a:rPr lang="pt-BR" sz="1400" dirty="0" err="1">
-                <a:solidFill>
-                  <a:schemeClr val="bg1"/>
-                </a:solidFill>
-              </a:rPr>
-              <a:t>enim</a:t>
-            </a:r>
-            <a:r>
-              <a:rPr lang="pt-BR" sz="1400" dirty="0">
-                <a:solidFill>
-                  <a:schemeClr val="bg1"/>
-                </a:solidFill>
-              </a:rPr>
-              <a:t> ad </a:t>
-            </a:r>
-            <a:r>
-              <a:rPr lang="pt-BR" sz="1400" dirty="0" err="1">
-                <a:solidFill>
-                  <a:schemeClr val="bg1"/>
-                </a:solidFill>
-              </a:rPr>
-              <a:t>minim</a:t>
-            </a:r>
-            <a:r>
-              <a:rPr lang="pt-BR" sz="1400" dirty="0">
-                <a:solidFill>
-                  <a:schemeClr val="bg1"/>
-                </a:solidFill>
-              </a:rPr>
-              <a:t> </a:t>
-            </a:r>
-            <a:r>
-              <a:rPr lang="pt-BR" sz="1400" dirty="0" err="1">
-                <a:solidFill>
-                  <a:schemeClr val="bg1"/>
-                </a:solidFill>
-              </a:rPr>
-              <a:t>veniam</a:t>
-            </a:r>
-            <a:r>
-              <a:rPr lang="pt-BR" sz="1400" dirty="0">
-                <a:solidFill>
-                  <a:schemeClr val="bg1"/>
-                </a:solidFill>
-              </a:rPr>
-              <a:t>, quis </a:t>
-            </a:r>
-            <a:r>
-              <a:rPr lang="pt-BR" sz="1400" dirty="0" err="1">
-                <a:solidFill>
-                  <a:schemeClr val="bg1"/>
-                </a:solidFill>
-              </a:rPr>
-              <a:t>nostrud</a:t>
-            </a:r>
-            <a:r>
-              <a:rPr lang="pt-BR" sz="1400" dirty="0">
-                <a:solidFill>
-                  <a:schemeClr val="bg1"/>
-                </a:solidFill>
-              </a:rPr>
-              <a:t> </a:t>
-            </a:r>
-            <a:r>
-              <a:rPr lang="pt-BR" sz="1400" dirty="0" err="1">
-                <a:solidFill>
-                  <a:schemeClr val="bg1"/>
-                </a:solidFill>
-              </a:rPr>
-              <a:t>exercitation</a:t>
-            </a:r>
-            <a:r>
-              <a:rPr lang="pt-BR" sz="1400" dirty="0">
-                <a:solidFill>
-                  <a:schemeClr val="bg1"/>
-                </a:solidFill>
-              </a:rPr>
-              <a:t> </a:t>
-            </a:r>
-            <a:r>
-              <a:rPr lang="pt-BR" sz="1400" dirty="0" err="1">
-                <a:solidFill>
-                  <a:schemeClr val="bg1"/>
-                </a:solidFill>
-              </a:rPr>
-              <a:t>ullamco</a:t>
-            </a:r>
-            <a:r>
-              <a:rPr lang="pt-BR" sz="1400" dirty="0">
-                <a:solidFill>
-                  <a:schemeClr val="bg1"/>
-                </a:solidFill>
-              </a:rPr>
-              <a:t> </a:t>
-            </a:r>
-            <a:r>
-              <a:rPr lang="pt-BR" sz="1400" dirty="0" err="1">
-                <a:solidFill>
-                  <a:schemeClr val="bg1"/>
-                </a:solidFill>
-              </a:rPr>
-              <a:t>laboris</a:t>
-            </a:r>
-            <a:r>
-              <a:rPr lang="pt-BR" sz="1400" dirty="0">
-                <a:solidFill>
-                  <a:schemeClr val="bg1"/>
-                </a:solidFill>
-              </a:rPr>
-              <a:t> </a:t>
-            </a:r>
-            <a:r>
-              <a:rPr lang="pt-BR" sz="1400" dirty="0" err="1">
-                <a:solidFill>
-                  <a:schemeClr val="bg1"/>
-                </a:solidFill>
-              </a:rPr>
-              <a:t>nisi</a:t>
-            </a:r>
-            <a:r>
-              <a:rPr lang="pt-BR" sz="1400" dirty="0">
-                <a:solidFill>
-                  <a:schemeClr val="bg1"/>
-                </a:solidFill>
-              </a:rPr>
-              <a:t> ut </a:t>
-            </a:r>
-            <a:r>
-              <a:rPr lang="pt-BR" sz="1400" dirty="0" err="1">
-                <a:solidFill>
-                  <a:schemeClr val="bg1"/>
-                </a:solidFill>
-              </a:rPr>
-              <a:t>aliquip</a:t>
-            </a:r>
-            <a:r>
-              <a:rPr lang="pt-BR" sz="1400" dirty="0">
-                <a:solidFill>
-                  <a:schemeClr val="bg1"/>
-                </a:solidFill>
-              </a:rPr>
-              <a:t> </a:t>
-            </a:r>
-            <a:r>
-              <a:rPr lang="pt-BR" sz="1400" dirty="0" err="1">
-                <a:solidFill>
-                  <a:schemeClr val="bg1"/>
-                </a:solidFill>
-              </a:rPr>
-              <a:t>ex</a:t>
-            </a:r>
-            <a:r>
-              <a:rPr lang="pt-BR" sz="1400" dirty="0">
-                <a:solidFill>
-                  <a:schemeClr val="bg1"/>
-                </a:solidFill>
-              </a:rPr>
-              <a:t> </a:t>
-            </a:r>
-            <a:r>
-              <a:rPr lang="pt-BR" sz="1400" dirty="0" err="1">
-                <a:solidFill>
-                  <a:schemeClr val="bg1"/>
-                </a:solidFill>
-              </a:rPr>
-              <a:t>ea</a:t>
-            </a:r>
-            <a:r>
-              <a:rPr lang="pt-BR" sz="1400" dirty="0">
-                <a:solidFill>
-                  <a:schemeClr val="bg1"/>
-                </a:solidFill>
-              </a:rPr>
-              <a:t> </a:t>
-            </a:r>
-            <a:r>
-              <a:rPr lang="pt-BR" sz="1400" dirty="0" err="1">
-                <a:solidFill>
-                  <a:schemeClr val="bg1"/>
-                </a:solidFill>
-              </a:rPr>
-              <a:t>commodo</a:t>
-            </a:r>
-            <a:r>
-              <a:rPr lang="pt-BR" sz="1400" dirty="0">
-                <a:solidFill>
-                  <a:schemeClr val="bg1"/>
-                </a:solidFill>
-              </a:rPr>
-              <a:t> </a:t>
-            </a:r>
-            <a:r>
-              <a:rPr lang="pt-BR" sz="1400" dirty="0" err="1">
-                <a:solidFill>
-                  <a:schemeClr val="bg1"/>
-                </a:solidFill>
-              </a:rPr>
-              <a:t>consequat</a:t>
-            </a:r>
-            <a:r>
-              <a:rPr lang="pt-BR" sz="1400" dirty="0">
-                <a:solidFill>
-                  <a:schemeClr val="bg1"/>
-                </a:solidFill>
-              </a:rPr>
-              <a:t>.</a:t>
-            </a:r>
-            <a:endParaRPr lang="pt-BR" sz="800" dirty="0">
-              <a:solidFill>
-                <a:schemeClr val="bg1"/>
-              </a:solidFill>
-              <a:latin typeface="Arial" panose="020B0604020202020204" pitchFamily="34" charset="0"/>
-              <a:cs typeface="Arial" panose="020B0604020202020204" pitchFamily="34" charset="0"/>
-            </a:endParaRPr>
+              <a:t>Gerencia os recebimentos dos pacientes;</a:t>
+            </a:r>
           </a:p>
         </p:txBody>
       </p:sp>
@@ -16259,144 +14848,14 @@
           <a:p>
             <a:pPr algn="ctr"/>
             <a:r>
-              <a:rPr lang="pt-BR" sz="1200" dirty="0" err="1">
+              <a:rPr lang="pt-BR" sz="1200" dirty="0">
                 <a:solidFill>
                   <a:schemeClr val="bg1"/>
                 </a:solidFill>
                 <a:latin typeface="Arial" panose="020B0604020202020204" pitchFamily="34" charset="0"/>
                 <a:cs typeface="Arial" panose="020B0604020202020204" pitchFamily="34" charset="0"/>
               </a:rPr>
-              <a:t>Lorem</a:t>
-            </a:r>
-            <a:r>
-              <a:rPr lang="pt-BR" sz="1200" dirty="0">
-                <a:solidFill>
-                  <a:schemeClr val="bg1"/>
-                </a:solidFill>
-                <a:latin typeface="Arial" panose="020B0604020202020204" pitchFamily="34" charset="0"/>
-                <a:cs typeface="Arial" panose="020B0604020202020204" pitchFamily="34" charset="0"/>
-              </a:rPr>
-              <a:t> ipsum </a:t>
-            </a:r>
-            <a:r>
-              <a:rPr lang="pt-BR" sz="1200" dirty="0" err="1">
-                <a:solidFill>
-                  <a:schemeClr val="bg1"/>
-                </a:solidFill>
-                <a:latin typeface="Arial" panose="020B0604020202020204" pitchFamily="34" charset="0"/>
-                <a:cs typeface="Arial" panose="020B0604020202020204" pitchFamily="34" charset="0"/>
-              </a:rPr>
-              <a:t>dolor</a:t>
-            </a:r>
-            <a:r>
-              <a:rPr lang="pt-BR" sz="1200" dirty="0">
-                <a:solidFill>
-                  <a:schemeClr val="bg1"/>
-                </a:solidFill>
-                <a:latin typeface="Arial" panose="020B0604020202020204" pitchFamily="34" charset="0"/>
-                <a:cs typeface="Arial" panose="020B0604020202020204" pitchFamily="34" charset="0"/>
-              </a:rPr>
-              <a:t> </a:t>
-            </a:r>
-            <a:r>
-              <a:rPr lang="pt-BR" sz="1200" dirty="0" err="1">
-                <a:solidFill>
-                  <a:schemeClr val="bg1"/>
-                </a:solidFill>
-                <a:latin typeface="Arial" panose="020B0604020202020204" pitchFamily="34" charset="0"/>
-                <a:cs typeface="Arial" panose="020B0604020202020204" pitchFamily="34" charset="0"/>
-              </a:rPr>
-              <a:t>sitamet</a:t>
-            </a:r>
-            <a:r>
-              <a:rPr lang="pt-BR" sz="1200" dirty="0">
-                <a:solidFill>
-                  <a:schemeClr val="bg1"/>
-                </a:solidFill>
-                <a:latin typeface="Arial" panose="020B0604020202020204" pitchFamily="34" charset="0"/>
-                <a:cs typeface="Arial" panose="020B0604020202020204" pitchFamily="34" charset="0"/>
-              </a:rPr>
-              <a:t>, </a:t>
-            </a:r>
-            <a:r>
-              <a:rPr lang="pt-BR" sz="1200" dirty="0" err="1">
-                <a:solidFill>
-                  <a:schemeClr val="bg1"/>
-                </a:solidFill>
-                <a:latin typeface="Arial" panose="020B0604020202020204" pitchFamily="34" charset="0"/>
-                <a:cs typeface="Arial" panose="020B0604020202020204" pitchFamily="34" charset="0"/>
-              </a:rPr>
-              <a:t>consectetur</a:t>
-            </a:r>
-            <a:r>
-              <a:rPr lang="pt-BR" sz="1200" dirty="0">
-                <a:solidFill>
-                  <a:schemeClr val="bg1"/>
-                </a:solidFill>
-                <a:latin typeface="Arial" panose="020B0604020202020204" pitchFamily="34" charset="0"/>
-                <a:cs typeface="Arial" panose="020B0604020202020204" pitchFamily="34" charset="0"/>
-              </a:rPr>
-              <a:t> </a:t>
-            </a:r>
-            <a:r>
-              <a:rPr lang="pt-BR" sz="1200" dirty="0" err="1">
-                <a:solidFill>
-                  <a:schemeClr val="bg1"/>
-                </a:solidFill>
-                <a:latin typeface="Arial" panose="020B0604020202020204" pitchFamily="34" charset="0"/>
-                <a:cs typeface="Arial" panose="020B0604020202020204" pitchFamily="34" charset="0"/>
-              </a:rPr>
-              <a:t>adipiscing</a:t>
-            </a:r>
-            <a:r>
-              <a:rPr lang="pt-BR" sz="1200" dirty="0">
-                <a:solidFill>
-                  <a:schemeClr val="bg1"/>
-                </a:solidFill>
-                <a:latin typeface="Arial" panose="020B0604020202020204" pitchFamily="34" charset="0"/>
-                <a:cs typeface="Arial" panose="020B0604020202020204" pitchFamily="34" charset="0"/>
-              </a:rPr>
-              <a:t> </a:t>
-            </a:r>
-            <a:r>
-              <a:rPr lang="pt-BR" sz="1200" dirty="0" err="1">
-                <a:solidFill>
-                  <a:schemeClr val="bg1"/>
-                </a:solidFill>
-                <a:latin typeface="Arial" panose="020B0604020202020204" pitchFamily="34" charset="0"/>
-                <a:cs typeface="Arial" panose="020B0604020202020204" pitchFamily="34" charset="0"/>
-              </a:rPr>
-              <a:t>elit</a:t>
-            </a:r>
-            <a:r>
-              <a:rPr lang="pt-BR" sz="1200" dirty="0">
-                <a:solidFill>
-                  <a:schemeClr val="bg1"/>
-                </a:solidFill>
-                <a:latin typeface="Arial" panose="020B0604020202020204" pitchFamily="34" charset="0"/>
-                <a:cs typeface="Arial" panose="020B0604020202020204" pitchFamily="34" charset="0"/>
-              </a:rPr>
-              <a:t>, </a:t>
-            </a:r>
-            <a:r>
-              <a:rPr lang="pt-BR" sz="1200" dirty="0" err="1">
-                <a:solidFill>
-                  <a:schemeClr val="bg1"/>
-                </a:solidFill>
-                <a:latin typeface="Arial" panose="020B0604020202020204" pitchFamily="34" charset="0"/>
-                <a:cs typeface="Arial" panose="020B0604020202020204" pitchFamily="34" charset="0"/>
-              </a:rPr>
-              <a:t>sed</a:t>
-            </a:r>
-            <a:r>
-              <a:rPr lang="pt-BR" sz="1200" dirty="0">
-                <a:solidFill>
-                  <a:schemeClr val="bg1"/>
-                </a:solidFill>
-                <a:latin typeface="Arial" panose="020B0604020202020204" pitchFamily="34" charset="0"/>
-                <a:cs typeface="Arial" panose="020B0604020202020204" pitchFamily="34" charset="0"/>
-              </a:rPr>
-              <a:t> do.</a:t>
+              <a:t>Vários sistemas não torna o gerenciamento unificado.</a:t>
             </a:r>
             <a:endParaRPr lang="pt-BR" sz="900" dirty="0">
               <a:solidFill>
@@ -16422,8 +14881,8 @@
         </p:nvSpPr>
         <p:spPr>
           <a:xfrm>
-            <a:off x="6741307" y="3786100"/>
-            <a:ext cx="1851558" cy="646331"/>
+            <a:off x="6741307" y="3735766"/>
+            <a:ext cx="1851558" cy="830997"/>
           </a:xfrm>
           <a:prstGeom prst="rect">
             <a:avLst/>
@@ -16438,323 +14897,14 @@
           <a:p>
             <a:pPr algn="ctr"/>
             <a:r>
-              <a:rPr lang="pt-BR" sz="1200" dirty="0" err="1">
+              <a:rPr lang="pt-BR" sz="1200" dirty="0">
                 <a:solidFill>
                   <a:schemeClr val="bg1"/>
                 </a:solidFill>
                 <a:latin typeface="Arial" panose="020B0604020202020204" pitchFamily="34" charset="0"/>
                 <a:cs typeface="Arial" panose="020B0604020202020204" pitchFamily="34" charset="0"/>
               </a:rPr>
-              <a:t>Lorem</a:t>
-            </a:r>
-            <a:r>
-              <a:rPr lang="pt-BR" sz="1200" dirty="0">
-                <a:solidFill>
-                  <a:schemeClr val="bg1"/>
-                </a:solidFill>
-                <a:latin typeface="Arial" panose="020B0604020202020204" pitchFamily="34" charset="0"/>
-                <a:cs typeface="Arial" panose="020B0604020202020204" pitchFamily="34" charset="0"/>
-              </a:rPr>
-              <a:t> ipsum </a:t>
-            </a:r>
-            <a:r>
-              <a:rPr lang="pt-BR" sz="1200" dirty="0" err="1">
-                <a:solidFill>
-                  <a:schemeClr val="bg1"/>
-                </a:solidFill>
-                <a:latin typeface="Arial" panose="020B0604020202020204" pitchFamily="34" charset="0"/>
-                <a:cs typeface="Arial" panose="020B0604020202020204" pitchFamily="34" charset="0"/>
-              </a:rPr>
-              <a:t>dolor</a:t>
-            </a:r>
-            <a:r>
-              <a:rPr lang="pt-BR" sz="1200" dirty="0">
-                <a:solidFill>
-                  <a:schemeClr val="bg1"/>
-                </a:solidFill>
-                <a:latin typeface="Arial" panose="020B0604020202020204" pitchFamily="34" charset="0"/>
-                <a:cs typeface="Arial" panose="020B0604020202020204" pitchFamily="34" charset="0"/>
-              </a:rPr>
-              <a:t> </a:t>
-            </a:r>
-            <a:r>
-              <a:rPr lang="pt-BR" sz="1200" dirty="0" err="1">
-                <a:solidFill>
-                  <a:schemeClr val="bg1"/>
-                </a:solidFill>
-                <a:latin typeface="Arial" panose="020B0604020202020204" pitchFamily="34" charset="0"/>
-                <a:cs typeface="Arial" panose="020B0604020202020204" pitchFamily="34" charset="0"/>
-              </a:rPr>
-              <a:t>sitamet</a:t>
-            </a:r>
-            <a:r>
-              <a:rPr lang="pt-BR" sz="1200" dirty="0">
-                <a:solidFill>
-                  <a:schemeClr val="bg1"/>
-                </a:solidFill>
-                <a:latin typeface="Arial" panose="020B0604020202020204" pitchFamily="34" charset="0"/>
-                <a:cs typeface="Arial" panose="020B0604020202020204" pitchFamily="34" charset="0"/>
-              </a:rPr>
-              <a:t>, </a:t>
-            </a:r>
-            <a:r>
-              <a:rPr lang="pt-BR" sz="1200" dirty="0" err="1">
-                <a:solidFill>
-                  <a:schemeClr val="bg1"/>
-                </a:solidFill>
-                <a:latin typeface="Arial" panose="020B0604020202020204" pitchFamily="34" charset="0"/>
-                <a:cs typeface="Arial" panose="020B0604020202020204" pitchFamily="34" charset="0"/>
-              </a:rPr>
-              <a:t>consectetur</a:t>
-            </a:r>
-            <a:r>
-              <a:rPr lang="pt-BR" sz="1200" dirty="0">
-                <a:solidFill>
-                  <a:schemeClr val="bg1"/>
-                </a:solidFill>
-                <a:latin typeface="Arial" panose="020B0604020202020204" pitchFamily="34" charset="0"/>
-                <a:cs typeface="Arial" panose="020B0604020202020204" pitchFamily="34" charset="0"/>
-              </a:rPr>
-              <a:t> </a:t>
-            </a:r>
-            <a:r>
-              <a:rPr lang="pt-BR" sz="1200" dirty="0" err="1">
-                <a:solidFill>
-                  <a:schemeClr val="bg1"/>
-                </a:solidFill>
-                <a:latin typeface="Arial" panose="020B0604020202020204" pitchFamily="34" charset="0"/>
-                <a:cs typeface="Arial" panose="020B0604020202020204" pitchFamily="34" charset="0"/>
-              </a:rPr>
-              <a:t>adipiscing</a:t>
-            </a:r>
-            <a:r>
-              <a:rPr lang="pt-BR" sz="1200" dirty="0">
-                <a:solidFill>
-                  <a:schemeClr val="bg1"/>
-                </a:solidFill>
-                <a:latin typeface="Arial" panose="020B0604020202020204" pitchFamily="34" charset="0"/>
-                <a:cs typeface="Arial" panose="020B0604020202020204" pitchFamily="34" charset="0"/>
-              </a:rPr>
-              <a:t> </a:t>
-            </a:r>
-            <a:r>
-              <a:rPr lang="pt-BR" sz="1200" dirty="0" err="1">
-                <a:solidFill>
-                  <a:schemeClr val="bg1"/>
-                </a:solidFill>
-                <a:latin typeface="Arial" panose="020B0604020202020204" pitchFamily="34" charset="0"/>
-                <a:cs typeface="Arial" panose="020B0604020202020204" pitchFamily="34" charset="0"/>
-              </a:rPr>
-              <a:t>elit</a:t>
-            </a:r>
-            <a:r>
-              <a:rPr lang="pt-BR" sz="1200" dirty="0">
-                <a:solidFill>
-                  <a:schemeClr val="bg1"/>
-                </a:solidFill>
-                <a:latin typeface="Arial" panose="020B0604020202020204" pitchFamily="34" charset="0"/>
-                <a:cs typeface="Arial" panose="020B0604020202020204" pitchFamily="34" charset="0"/>
-              </a:rPr>
-              <a:t>, </a:t>
-            </a:r>
-            <a:r>
-              <a:rPr lang="pt-BR" sz="1200" dirty="0" err="1">
-                <a:solidFill>
-                  <a:schemeClr val="bg1"/>
-                </a:solidFill>
-                <a:latin typeface="Arial" panose="020B0604020202020204" pitchFamily="34" charset="0"/>
-                <a:cs typeface="Arial" panose="020B0604020202020204" pitchFamily="34" charset="0"/>
-              </a:rPr>
-              <a:t>sed</a:t>
-            </a:r>
-            <a:r>
-              <a:rPr lang="pt-BR" sz="1200" dirty="0">
-                <a:solidFill>
-                  <a:schemeClr val="bg1"/>
-                </a:solidFill>
-                <a:latin typeface="Arial" panose="020B0604020202020204" pitchFamily="34" charset="0"/>
-                <a:cs typeface="Arial" panose="020B0604020202020204" pitchFamily="34" charset="0"/>
-              </a:rPr>
-              <a:t> do.</a:t>
-            </a:r>
-            <a:endParaRPr lang="pt-BR" sz="900" dirty="0">
-              <a:solidFill>
-                <a:schemeClr val="bg1"/>
-              </a:solidFill>
-              <a:latin typeface="Arial" panose="020B0604020202020204" pitchFamily="34" charset="0"/>
-              <a:cs typeface="Arial" panose="020B0604020202020204" pitchFamily="34" charset="0"/>
-            </a:endParaRPr>
-          </a:p>
-        </p:txBody>
-      </p:sp>
-      <p:sp>
-        <p:nvSpPr>
-          <p:cNvPr id="106" name="CaixaDeTexto 105">
-            <a:extLst>
-              <a:ext uri="{FF2B5EF4-FFF2-40B4-BE49-F238E27FC236}">
-                <a16:creationId xmlns:a16="http://schemas.microsoft.com/office/drawing/2014/main" id="{6C926DB9-83B8-44A1-AA7F-93A13959826B}"/>
-              </a:ext>
-            </a:extLst>
-          </p:cNvPr>
-          <p:cNvSpPr txBox="1"/>
-          <p:nvPr/>
-        </p:nvSpPr>
-        <p:spPr>
-          <a:xfrm>
-            <a:off x="9085276" y="3786100"/>
-            <a:ext cx="1851558" cy="646331"/>
-          </a:xfrm>
-          <a:prstGeom prst="rect">
-            <a:avLst/>
-          </a:prstGeom>
-          <a:noFill/>
-        </p:spPr>
-        <p:txBody>
-          <a:bodyPr wrap="square" rtlCol="0">
-            <a:spAutoFit/>
-          </a:bodyPr>
-          <a:lstStyle/>
-          <a:p>
-            <a:pPr algn="ctr"/>
-            <a:r>
-              <a:rPr lang="pt-BR" sz="1200" dirty="0" err="1">
-                <a:solidFill>
-                  <a:schemeClr val="bg1"/>
-                </a:solidFill>
-                <a:latin typeface="Arial" panose="020B0604020202020204" pitchFamily="34" charset="0"/>
-                <a:cs typeface="Arial" panose="020B0604020202020204" pitchFamily="34" charset="0"/>
-              </a:rPr>
-              <a:t>Lorem</a:t>
-            </a:r>
-            <a:r>
-              <a:rPr lang="pt-BR" sz="1200" dirty="0">
-                <a:solidFill>
-                  <a:schemeClr val="bg1"/>
-                </a:solidFill>
-                <a:latin typeface="Arial" panose="020B0604020202020204" pitchFamily="34" charset="0"/>
-                <a:cs typeface="Arial" panose="020B0604020202020204" pitchFamily="34" charset="0"/>
-              </a:rPr>
-              <a:t> ipsum </a:t>
-            </a:r>
-            <a:r>
-              <a:rPr lang="pt-BR" sz="1200" dirty="0" err="1">
-                <a:solidFill>
-                  <a:schemeClr val="bg1"/>
-                </a:solidFill>
-                <a:latin typeface="Arial" panose="020B0604020202020204" pitchFamily="34" charset="0"/>
-                <a:cs typeface="Arial" panose="020B0604020202020204" pitchFamily="34" charset="0"/>
-              </a:rPr>
-              <a:t>dolor</a:t>
-            </a:r>
-            <a:r>
-              <a:rPr lang="pt-BR" sz="1200" dirty="0">
-                <a:solidFill>
-                  <a:schemeClr val="bg1"/>
-                </a:solidFill>
-                <a:latin typeface="Arial" panose="020B0604020202020204" pitchFamily="34" charset="0"/>
-                <a:cs typeface="Arial" panose="020B0604020202020204" pitchFamily="34" charset="0"/>
-              </a:rPr>
-              <a:t> </a:t>
-            </a:r>
-            <a:r>
-              <a:rPr lang="pt-BR" sz="1200" dirty="0" err="1">
-                <a:solidFill>
-                  <a:schemeClr val="bg1"/>
-                </a:solidFill>
-                <a:latin typeface="Arial" panose="020B0604020202020204" pitchFamily="34" charset="0"/>
-                <a:cs typeface="Arial" panose="020B0604020202020204" pitchFamily="34" charset="0"/>
-              </a:rPr>
-              <a:t>sitamet</a:t>
-            </a:r>
-            <a:r>
-              <a:rPr lang="pt-BR" sz="1200" dirty="0">
-                <a:solidFill>
-                  <a:schemeClr val="bg1"/>
-                </a:solidFill>
-                <a:latin typeface="Arial" panose="020B0604020202020204" pitchFamily="34" charset="0"/>
-                <a:cs typeface="Arial" panose="020B0604020202020204" pitchFamily="34" charset="0"/>
-              </a:rPr>
-              <a:t>, </a:t>
-            </a:r>
-            <a:r>
-              <a:rPr lang="pt-BR" sz="1200" dirty="0" err="1">
-                <a:solidFill>
-                  <a:schemeClr val="bg1"/>
-                </a:solidFill>
-                <a:latin typeface="Arial" panose="020B0604020202020204" pitchFamily="34" charset="0"/>
-                <a:cs typeface="Arial" panose="020B0604020202020204" pitchFamily="34" charset="0"/>
-              </a:rPr>
-              <a:t>consectetur</a:t>
-            </a:r>
-            <a:r>
-              <a:rPr lang="pt-BR" sz="1200" dirty="0">
-                <a:solidFill>
-                  <a:schemeClr val="bg1"/>
-                </a:solidFill>
-                <a:latin typeface="Arial" panose="020B0604020202020204" pitchFamily="34" charset="0"/>
-                <a:cs typeface="Arial" panose="020B0604020202020204" pitchFamily="34" charset="0"/>
-              </a:rPr>
-              <a:t> </a:t>
-            </a:r>
-            <a:r>
-              <a:rPr lang="pt-BR" sz="1200" dirty="0" err="1">
-                <a:solidFill>
-                  <a:schemeClr val="bg1"/>
-                </a:solidFill>
-                <a:latin typeface="Arial" panose="020B0604020202020204" pitchFamily="34" charset="0"/>
-                <a:cs typeface="Arial" panose="020B0604020202020204" pitchFamily="34" charset="0"/>
-              </a:rPr>
-              <a:t>adipiscing</a:t>
-            </a:r>
-            <a:r>
-              <a:rPr lang="pt-BR" sz="1200" dirty="0">
-                <a:solidFill>
-                  <a:schemeClr val="bg1"/>
-                </a:solidFill>
-                <a:latin typeface="Arial" panose="020B0604020202020204" pitchFamily="34" charset="0"/>
-                <a:cs typeface="Arial" panose="020B0604020202020204" pitchFamily="34" charset="0"/>
-              </a:rPr>
-              <a:t> </a:t>
-            </a:r>
-            <a:r>
-              <a:rPr lang="pt-BR" sz="1200" dirty="0" err="1">
-                <a:solidFill>
-                  <a:schemeClr val="bg1"/>
-                </a:solidFill>
-                <a:latin typeface="Arial" panose="020B0604020202020204" pitchFamily="34" charset="0"/>
-                <a:cs typeface="Arial" panose="020B0604020202020204" pitchFamily="34" charset="0"/>
-              </a:rPr>
-              <a:t>elit</a:t>
-            </a:r>
-            <a:r>
-              <a:rPr lang="pt-BR" sz="1200" dirty="0">
-                <a:solidFill>
-                  <a:schemeClr val="bg1"/>
-                </a:solidFill>
-                <a:latin typeface="Arial" panose="020B0604020202020204" pitchFamily="34" charset="0"/>
-                <a:cs typeface="Arial" panose="020B0604020202020204" pitchFamily="34" charset="0"/>
-              </a:rPr>
-              <a:t>, </a:t>
-            </a:r>
-            <a:r>
-              <a:rPr lang="pt-BR" sz="1200" dirty="0" err="1">
-                <a:solidFill>
-                  <a:schemeClr val="bg1"/>
-                </a:solidFill>
-                <a:latin typeface="Arial" panose="020B0604020202020204" pitchFamily="34" charset="0"/>
-                <a:cs typeface="Arial" panose="020B0604020202020204" pitchFamily="34" charset="0"/>
-              </a:rPr>
-              <a:t>sed</a:t>
-            </a:r>
-            <a:r>
-              <a:rPr lang="pt-BR" sz="1200" dirty="0">
-                <a:solidFill>
-                  <a:schemeClr val="bg1"/>
-                </a:solidFill>
-                <a:latin typeface="Arial" panose="020B0604020202020204" pitchFamily="34" charset="0"/>
-                <a:cs typeface="Arial" panose="020B0604020202020204" pitchFamily="34" charset="0"/>
-              </a:rPr>
-              <a:t> do.</a:t>
+              <a:t>Informações unificadas dentro de um mesmo aplicativo fica mais interessante</a:t>
             </a:r>
             <a:endParaRPr lang="pt-BR" sz="900" dirty="0">
               <a:solidFill>
@@ -16822,185 +14972,6 @@
       </p:sp>
       <p:sp>
         <p:nvSpPr>
-          <p:cNvPr id="39" name="CaixaDeTexto 38">
-            <a:extLst>
-              <a:ext uri="{FF2B5EF4-FFF2-40B4-BE49-F238E27FC236}">
-                <a16:creationId xmlns:a16="http://schemas.microsoft.com/office/drawing/2014/main" id="{3D216F71-1366-4B2B-92E8-0AF5AA862660}"/>
-              </a:ext>
-            </a:extLst>
-          </p:cNvPr>
-          <p:cNvSpPr txBox="1"/>
-          <p:nvPr/>
-        </p:nvSpPr>
-        <p:spPr>
-          <a:xfrm>
-            <a:off x="6741307" y="5109957"/>
-            <a:ext cx="1851558" cy="646331"/>
-          </a:xfrm>
-          <a:prstGeom prst="rect">
-            <a:avLst/>
-          </a:prstGeom>
-          <a:noFill/>
-        </p:spPr>
-        <p:txBody>
-          <a:bodyPr wrap="square" rtlCol="0">
-            <a:spAutoFit/>
-          </a:bodyPr>
-          <a:lstStyle/>
-          <a:p>
-            <a:pPr algn="ctr"/>
-            <a:r>
-              <a:rPr lang="pt-BR" sz="1200" dirty="0" err="1">
-                <a:solidFill>
-                  <a:schemeClr val="bg1"/>
-                </a:solidFill>
-                <a:latin typeface="Arial" panose="020B0604020202020204" pitchFamily="34" charset="0"/>
-                <a:cs typeface="Arial" panose="020B0604020202020204" pitchFamily="34" charset="0"/>
-              </a:rPr>
-              <a:t>Lorem</a:t>
-            </a:r>
-            <a:r>
-              <a:rPr lang="pt-BR" sz="1200" dirty="0">
-                <a:solidFill>
-                  <a:schemeClr val="bg1"/>
-                </a:solidFill>
-                <a:latin typeface="Arial" panose="020B0604020202020204" pitchFamily="34" charset="0"/>
-                <a:cs typeface="Arial" panose="020B0604020202020204" pitchFamily="34" charset="0"/>
-              </a:rPr>
-              <a:t> ipsum </a:t>
-            </a:r>
-            <a:r>
-              <a:rPr lang="pt-BR" sz="1200" dirty="0" err="1">
-                <a:solidFill>
-                  <a:schemeClr val="bg1"/>
-                </a:solidFill>
-                <a:latin typeface="Arial" panose="020B0604020202020204" pitchFamily="34" charset="0"/>
-                <a:cs typeface="Arial" panose="020B0604020202020204" pitchFamily="34" charset="0"/>
-              </a:rPr>
-              <a:t>dolor</a:t>
-            </a:r>
-            <a:r>
-              <a:rPr lang="pt-BR" sz="1200" dirty="0">
-                <a:solidFill>
-                  <a:schemeClr val="bg1"/>
-                </a:solidFill>
-                <a:latin typeface="Arial" panose="020B0604020202020204" pitchFamily="34" charset="0"/>
-                <a:cs typeface="Arial" panose="020B0604020202020204" pitchFamily="34" charset="0"/>
-              </a:rPr>
-              <a:t> </a:t>
-            </a:r>
-            <a:r>
-              <a:rPr lang="pt-BR" sz="1200" dirty="0" err="1">
-                <a:solidFill>
-                  <a:schemeClr val="bg1"/>
-                </a:solidFill>
-                <a:latin typeface="Arial" panose="020B0604020202020204" pitchFamily="34" charset="0"/>
-                <a:cs typeface="Arial" panose="020B0604020202020204" pitchFamily="34" charset="0"/>
-              </a:rPr>
-              <a:t>sitamet</a:t>
-            </a:r>
-            <a:r>
-              <a:rPr lang="pt-BR" sz="1200" dirty="0">
-                <a:solidFill>
-                  <a:schemeClr val="bg1"/>
-                </a:solidFill>
-                <a:latin typeface="Arial" panose="020B0604020202020204" pitchFamily="34" charset="0"/>
-                <a:cs typeface="Arial" panose="020B0604020202020204" pitchFamily="34" charset="0"/>
-              </a:rPr>
-              <a:t>, </a:t>
-            </a:r>
-            <a:r>
-              <a:rPr lang="pt-BR" sz="1200" dirty="0" err="1">
-                <a:solidFill>
-                  <a:schemeClr val="bg1"/>
-                </a:solidFill>
-                <a:latin typeface="Arial" panose="020B0604020202020204" pitchFamily="34" charset="0"/>
-                <a:cs typeface="Arial" panose="020B0604020202020204" pitchFamily="34" charset="0"/>
-              </a:rPr>
-              <a:t>consectetur</a:t>
-            </a:r>
-            <a:r>
-              <a:rPr lang="pt-BR" sz="1200" dirty="0">
-                <a:solidFill>
-                  <a:schemeClr val="bg1"/>
-                </a:solidFill>
-                <a:latin typeface="Arial" panose="020B0604020202020204" pitchFamily="34" charset="0"/>
-                <a:cs typeface="Arial" panose="020B0604020202020204" pitchFamily="34" charset="0"/>
-              </a:rPr>
-              <a:t> </a:t>
-            </a:r>
-            <a:r>
-              <a:rPr lang="pt-BR" sz="1200" dirty="0" err="1">
-                <a:solidFill>
-                  <a:schemeClr val="bg1"/>
-                </a:solidFill>
-                <a:latin typeface="Arial" panose="020B0604020202020204" pitchFamily="34" charset="0"/>
-                <a:cs typeface="Arial" panose="020B0604020202020204" pitchFamily="34" charset="0"/>
-              </a:rPr>
-              <a:t>adipiscing</a:t>
-            </a:r>
-            <a:r>
-              <a:rPr lang="pt-BR" sz="1200" dirty="0">
-                <a:solidFill>
-                  <a:schemeClr val="bg1"/>
-                </a:solidFill>
-                <a:latin typeface="Arial" panose="020B0604020202020204" pitchFamily="34" charset="0"/>
-                <a:cs typeface="Arial" panose="020B0604020202020204" pitchFamily="34" charset="0"/>
-              </a:rPr>
-              <a:t> </a:t>
-            </a:r>
-            <a:r>
-              <a:rPr lang="pt-BR" sz="1200" dirty="0" err="1">
-                <a:solidFill>
-                  <a:schemeClr val="bg1"/>
-                </a:solidFill>
-                <a:latin typeface="Arial" panose="020B0604020202020204" pitchFamily="34" charset="0"/>
-                <a:cs typeface="Arial" panose="020B0604020202020204" pitchFamily="34" charset="0"/>
-              </a:rPr>
-              <a:t>elit</a:t>
-            </a:r>
-            <a:r>
-              <a:rPr lang="pt-BR" sz="1200" dirty="0">
-                <a:solidFill>
-                  <a:schemeClr val="bg1"/>
-                </a:solidFill>
-                <a:latin typeface="Arial" panose="020B0604020202020204" pitchFamily="34" charset="0"/>
-                <a:cs typeface="Arial" panose="020B0604020202020204" pitchFamily="34" charset="0"/>
-              </a:rPr>
-              <a:t>, </a:t>
-            </a:r>
-            <a:r>
-              <a:rPr lang="pt-BR" sz="1200" dirty="0" err="1">
-                <a:solidFill>
-                  <a:schemeClr val="bg1"/>
-                </a:solidFill>
-                <a:latin typeface="Arial" panose="020B0604020202020204" pitchFamily="34" charset="0"/>
-                <a:cs typeface="Arial" panose="020B0604020202020204" pitchFamily="34" charset="0"/>
-              </a:rPr>
-              <a:t>sed</a:t>
-            </a:r>
-            <a:r>
-              <a:rPr lang="pt-BR" sz="1200" dirty="0">
-                <a:solidFill>
-                  <a:schemeClr val="bg1"/>
-                </a:solidFill>
-                <a:latin typeface="Arial" panose="020B0604020202020204" pitchFamily="34" charset="0"/>
-                <a:cs typeface="Arial" panose="020B0604020202020204" pitchFamily="34" charset="0"/>
-              </a:rPr>
-              <a:t> do.</a:t>
-            </a:r>
-            <a:endParaRPr lang="pt-BR" sz="900" dirty="0">
-              <a:solidFill>
-                <a:schemeClr val="bg1"/>
-              </a:solidFill>
-              <a:latin typeface="Arial" panose="020B0604020202020204" pitchFamily="34" charset="0"/>
-              <a:cs typeface="Arial" panose="020B0604020202020204" pitchFamily="34" charset="0"/>
-            </a:endParaRPr>
-          </a:p>
-        </p:txBody>
-      </p:sp>
-      <p:sp>
-        <p:nvSpPr>
           <p:cNvPr id="40" name="Retângulo: Cantos Arredondados 39">
             <a:extLst>
               <a:ext uri="{FF2B5EF4-FFF2-40B4-BE49-F238E27FC236}">
@@ -17055,185 +15026,6 @@
       </p:sp>
       <p:sp>
         <p:nvSpPr>
-          <p:cNvPr id="41" name="CaixaDeTexto 40">
-            <a:extLst>
-              <a:ext uri="{FF2B5EF4-FFF2-40B4-BE49-F238E27FC236}">
-                <a16:creationId xmlns:a16="http://schemas.microsoft.com/office/drawing/2014/main" id="{431410E0-E086-403D-BFA3-FD908D2D75D0}"/>
-              </a:ext>
-            </a:extLst>
-          </p:cNvPr>
-          <p:cNvSpPr txBox="1"/>
-          <p:nvPr/>
-        </p:nvSpPr>
-        <p:spPr>
-          <a:xfrm>
-            <a:off x="9085276" y="5113784"/>
-            <a:ext cx="1851558" cy="646331"/>
-          </a:xfrm>
-          <a:prstGeom prst="rect">
-            <a:avLst/>
-          </a:prstGeom>
-          <a:noFill/>
-        </p:spPr>
-        <p:txBody>
-          <a:bodyPr wrap="square" rtlCol="0">
-            <a:spAutoFit/>
-          </a:bodyPr>
-          <a:lstStyle/>
-          <a:p>
-            <a:pPr algn="ctr"/>
-            <a:r>
-              <a:rPr lang="pt-BR" sz="1200" dirty="0" err="1">
-                <a:solidFill>
-                  <a:schemeClr val="bg1"/>
-                </a:solidFill>
-                <a:latin typeface="Arial" panose="020B0604020202020204" pitchFamily="34" charset="0"/>
-                <a:cs typeface="Arial" panose="020B0604020202020204" pitchFamily="34" charset="0"/>
-              </a:rPr>
-              <a:t>Lorem</a:t>
-            </a:r>
-            <a:r>
-              <a:rPr lang="pt-BR" sz="1200" dirty="0">
-                <a:solidFill>
-                  <a:schemeClr val="bg1"/>
-                </a:solidFill>
-                <a:latin typeface="Arial" panose="020B0604020202020204" pitchFamily="34" charset="0"/>
-                <a:cs typeface="Arial" panose="020B0604020202020204" pitchFamily="34" charset="0"/>
-              </a:rPr>
-              <a:t> ipsum </a:t>
-            </a:r>
-            <a:r>
-              <a:rPr lang="pt-BR" sz="1200" dirty="0" err="1">
-                <a:solidFill>
-                  <a:schemeClr val="bg1"/>
-                </a:solidFill>
-                <a:latin typeface="Arial" panose="020B0604020202020204" pitchFamily="34" charset="0"/>
-                <a:cs typeface="Arial" panose="020B0604020202020204" pitchFamily="34" charset="0"/>
-              </a:rPr>
-              <a:t>dolor</a:t>
-            </a:r>
-            <a:r>
-              <a:rPr lang="pt-BR" sz="1200" dirty="0">
-                <a:solidFill>
-                  <a:schemeClr val="bg1"/>
-                </a:solidFill>
-                <a:latin typeface="Arial" panose="020B0604020202020204" pitchFamily="34" charset="0"/>
-                <a:cs typeface="Arial" panose="020B0604020202020204" pitchFamily="34" charset="0"/>
-              </a:rPr>
-              <a:t> </a:t>
-            </a:r>
-            <a:r>
-              <a:rPr lang="pt-BR" sz="1200" dirty="0" err="1">
-                <a:solidFill>
-                  <a:schemeClr val="bg1"/>
-                </a:solidFill>
-                <a:latin typeface="Arial" panose="020B0604020202020204" pitchFamily="34" charset="0"/>
-                <a:cs typeface="Arial" panose="020B0604020202020204" pitchFamily="34" charset="0"/>
-              </a:rPr>
-              <a:t>sitamet</a:t>
-            </a:r>
-            <a:r>
-              <a:rPr lang="pt-BR" sz="1200" dirty="0">
-                <a:solidFill>
-                  <a:schemeClr val="bg1"/>
-                </a:solidFill>
-                <a:latin typeface="Arial" panose="020B0604020202020204" pitchFamily="34" charset="0"/>
-                <a:cs typeface="Arial" panose="020B0604020202020204" pitchFamily="34" charset="0"/>
-              </a:rPr>
-              <a:t>, </a:t>
-            </a:r>
-            <a:r>
-              <a:rPr lang="pt-BR" sz="1200" dirty="0" err="1">
-                <a:solidFill>
-                  <a:schemeClr val="bg1"/>
-                </a:solidFill>
-                <a:latin typeface="Arial" panose="020B0604020202020204" pitchFamily="34" charset="0"/>
-                <a:cs typeface="Arial" panose="020B0604020202020204" pitchFamily="34" charset="0"/>
-              </a:rPr>
-              <a:t>consectetur</a:t>
-            </a:r>
-            <a:r>
-              <a:rPr lang="pt-BR" sz="1200" dirty="0">
-                <a:solidFill>
-                  <a:schemeClr val="bg1"/>
-                </a:solidFill>
-                <a:latin typeface="Arial" panose="020B0604020202020204" pitchFamily="34" charset="0"/>
-                <a:cs typeface="Arial" panose="020B0604020202020204" pitchFamily="34" charset="0"/>
-              </a:rPr>
-              <a:t> </a:t>
-            </a:r>
-            <a:r>
-              <a:rPr lang="pt-BR" sz="1200" dirty="0" err="1">
-                <a:solidFill>
-                  <a:schemeClr val="bg1"/>
-                </a:solidFill>
-                <a:latin typeface="Arial" panose="020B0604020202020204" pitchFamily="34" charset="0"/>
-                <a:cs typeface="Arial" panose="020B0604020202020204" pitchFamily="34" charset="0"/>
-              </a:rPr>
-              <a:t>adipiscing</a:t>
-            </a:r>
-            <a:r>
-              <a:rPr lang="pt-BR" sz="1200" dirty="0">
-                <a:solidFill>
-                  <a:schemeClr val="bg1"/>
-                </a:solidFill>
-                <a:latin typeface="Arial" panose="020B0604020202020204" pitchFamily="34" charset="0"/>
-                <a:cs typeface="Arial" panose="020B0604020202020204" pitchFamily="34" charset="0"/>
-              </a:rPr>
-              <a:t> </a:t>
-            </a:r>
-            <a:r>
-              <a:rPr lang="pt-BR" sz="1200" dirty="0" err="1">
-                <a:solidFill>
-                  <a:schemeClr val="bg1"/>
-                </a:solidFill>
-                <a:latin typeface="Arial" panose="020B0604020202020204" pitchFamily="34" charset="0"/>
-                <a:cs typeface="Arial" panose="020B0604020202020204" pitchFamily="34" charset="0"/>
-              </a:rPr>
-              <a:t>elit</a:t>
-            </a:r>
-            <a:r>
-              <a:rPr lang="pt-BR" sz="1200" dirty="0">
-                <a:solidFill>
-                  <a:schemeClr val="bg1"/>
-                </a:solidFill>
-                <a:latin typeface="Arial" panose="020B0604020202020204" pitchFamily="34" charset="0"/>
-                <a:cs typeface="Arial" panose="020B0604020202020204" pitchFamily="34" charset="0"/>
-              </a:rPr>
-              <a:t>, </a:t>
-            </a:r>
-            <a:r>
-              <a:rPr lang="pt-BR" sz="1200" dirty="0" err="1">
-                <a:solidFill>
-                  <a:schemeClr val="bg1"/>
-                </a:solidFill>
-                <a:latin typeface="Arial" panose="020B0604020202020204" pitchFamily="34" charset="0"/>
-                <a:cs typeface="Arial" panose="020B0604020202020204" pitchFamily="34" charset="0"/>
-              </a:rPr>
-              <a:t>sed</a:t>
-            </a:r>
-            <a:r>
-              <a:rPr lang="pt-BR" sz="1200" dirty="0">
-                <a:solidFill>
-                  <a:schemeClr val="bg1"/>
-                </a:solidFill>
-                <a:latin typeface="Arial" panose="020B0604020202020204" pitchFamily="34" charset="0"/>
-                <a:cs typeface="Arial" panose="020B0604020202020204" pitchFamily="34" charset="0"/>
-              </a:rPr>
-              <a:t> do.</a:t>
-            </a:r>
-            <a:endParaRPr lang="pt-BR" sz="900" dirty="0">
-              <a:solidFill>
-                <a:schemeClr val="bg1"/>
-              </a:solidFill>
-              <a:latin typeface="Arial" panose="020B0604020202020204" pitchFamily="34" charset="0"/>
-              <a:cs typeface="Arial" panose="020B0604020202020204" pitchFamily="34" charset="0"/>
-            </a:endParaRPr>
-          </a:p>
-        </p:txBody>
-      </p:sp>
-      <p:sp>
-        <p:nvSpPr>
           <p:cNvPr id="42" name="Retângulo: Cantos Arredondados 41">
             <a:extLst>
               <a:ext uri="{FF2B5EF4-FFF2-40B4-BE49-F238E27FC236}">
@@ -17301,7 +15093,7 @@
         <p:spPr>
           <a:xfrm>
             <a:off x="4397337" y="5109957"/>
-            <a:ext cx="1851558" cy="646331"/>
+            <a:ext cx="1851558" cy="830997"/>
           </a:xfrm>
           <a:prstGeom prst="rect">
             <a:avLst/>
@@ -17316,144 +15108,14 @@
           <a:p>
             <a:pPr algn="ctr"/>
             <a:r>
-              <a:rPr lang="pt-BR" sz="1200" dirty="0" err="1">
+              <a:rPr lang="pt-BR" sz="1200" dirty="0">
                 <a:solidFill>
                   <a:schemeClr val="bg1"/>
                 </a:solidFill>
                 <a:latin typeface="Arial" panose="020B0604020202020204" pitchFamily="34" charset="0"/>
                 <a:cs typeface="Arial" panose="020B0604020202020204" pitchFamily="34" charset="0"/>
               </a:rPr>
-              <a:t>Lorem</a:t>
-            </a:r>
-            <a:r>
-              <a:rPr lang="pt-BR" sz="1200" dirty="0">
-                <a:solidFill>
-                  <a:schemeClr val="bg1"/>
-                </a:solidFill>
-                <a:latin typeface="Arial" panose="020B0604020202020204" pitchFamily="34" charset="0"/>
-                <a:cs typeface="Arial" panose="020B0604020202020204" pitchFamily="34" charset="0"/>
-              </a:rPr>
-              <a:t> ipsum </a:t>
-            </a:r>
-            <a:r>
-              <a:rPr lang="pt-BR" sz="1200" dirty="0" err="1">
-                <a:solidFill>
-                  <a:schemeClr val="bg1"/>
-                </a:solidFill>
-                <a:latin typeface="Arial" panose="020B0604020202020204" pitchFamily="34" charset="0"/>
-                <a:cs typeface="Arial" panose="020B0604020202020204" pitchFamily="34" charset="0"/>
-              </a:rPr>
-              <a:t>dolor</a:t>
-            </a:r>
-            <a:r>
-              <a:rPr lang="pt-BR" sz="1200" dirty="0">
-                <a:solidFill>
-                  <a:schemeClr val="bg1"/>
-                </a:solidFill>
-                <a:latin typeface="Arial" panose="020B0604020202020204" pitchFamily="34" charset="0"/>
-                <a:cs typeface="Arial" panose="020B0604020202020204" pitchFamily="34" charset="0"/>
-              </a:rPr>
-              <a:t> </a:t>
-            </a:r>
-            <a:r>
-              <a:rPr lang="pt-BR" sz="1200" dirty="0" err="1">
-                <a:solidFill>
-                  <a:schemeClr val="bg1"/>
-                </a:solidFill>
-                <a:latin typeface="Arial" panose="020B0604020202020204" pitchFamily="34" charset="0"/>
-                <a:cs typeface="Arial" panose="020B0604020202020204" pitchFamily="34" charset="0"/>
-              </a:rPr>
-              <a:t>sitamet</a:t>
-            </a:r>
-            <a:r>
-              <a:rPr lang="pt-BR" sz="1200" dirty="0">
-                <a:solidFill>
-                  <a:schemeClr val="bg1"/>
-                </a:solidFill>
-                <a:latin typeface="Arial" panose="020B0604020202020204" pitchFamily="34" charset="0"/>
-                <a:cs typeface="Arial" panose="020B0604020202020204" pitchFamily="34" charset="0"/>
-              </a:rPr>
-              <a:t>, </a:t>
-            </a:r>
-            <a:r>
-              <a:rPr lang="pt-BR" sz="1200" dirty="0" err="1">
-                <a:solidFill>
-                  <a:schemeClr val="bg1"/>
-                </a:solidFill>
-                <a:latin typeface="Arial" panose="020B0604020202020204" pitchFamily="34" charset="0"/>
-                <a:cs typeface="Arial" panose="020B0604020202020204" pitchFamily="34" charset="0"/>
-              </a:rPr>
-              <a:t>consectetur</a:t>
-            </a:r>
-            <a:r>
-              <a:rPr lang="pt-BR" sz="1200" dirty="0">
-                <a:solidFill>
-                  <a:schemeClr val="bg1"/>
-                </a:solidFill>
-                <a:latin typeface="Arial" panose="020B0604020202020204" pitchFamily="34" charset="0"/>
-                <a:cs typeface="Arial" panose="020B0604020202020204" pitchFamily="34" charset="0"/>
-              </a:rPr>
-              <a:t> </a:t>
-            </a:r>
-            <a:r>
-              <a:rPr lang="pt-BR" sz="1200" dirty="0" err="1">
-                <a:solidFill>
-                  <a:schemeClr val="bg1"/>
-                </a:solidFill>
-                <a:latin typeface="Arial" panose="020B0604020202020204" pitchFamily="34" charset="0"/>
-                <a:cs typeface="Arial" panose="020B0604020202020204" pitchFamily="34" charset="0"/>
-              </a:rPr>
-              <a:t>adipiscing</a:t>
-            </a:r>
-            <a:r>
-              <a:rPr lang="pt-BR" sz="1200" dirty="0">
-                <a:solidFill>
-                  <a:schemeClr val="bg1"/>
-                </a:solidFill>
-                <a:latin typeface="Arial" panose="020B0604020202020204" pitchFamily="34" charset="0"/>
-                <a:cs typeface="Arial" panose="020B0604020202020204" pitchFamily="34" charset="0"/>
-              </a:rPr>
-              <a:t> </a:t>
-            </a:r>
-            <a:r>
-              <a:rPr lang="pt-BR" sz="1200" dirty="0" err="1">
-                <a:solidFill>
-                  <a:schemeClr val="bg1"/>
-                </a:solidFill>
-                <a:latin typeface="Arial" panose="020B0604020202020204" pitchFamily="34" charset="0"/>
-                <a:cs typeface="Arial" panose="020B0604020202020204" pitchFamily="34" charset="0"/>
-              </a:rPr>
-              <a:t>elit</a:t>
-            </a:r>
-            <a:r>
-              <a:rPr lang="pt-BR" sz="1200" dirty="0">
-                <a:solidFill>
-                  <a:schemeClr val="bg1"/>
-                </a:solidFill>
-                <a:latin typeface="Arial" panose="020B0604020202020204" pitchFamily="34" charset="0"/>
-                <a:cs typeface="Arial" panose="020B0604020202020204" pitchFamily="34" charset="0"/>
-              </a:rPr>
-              <a:t>, </a:t>
-            </a:r>
-            <a:r>
-              <a:rPr lang="pt-BR" sz="1200" dirty="0" err="1">
-                <a:solidFill>
-                  <a:schemeClr val="bg1"/>
-                </a:solidFill>
-                <a:latin typeface="Arial" panose="020B0604020202020204" pitchFamily="34" charset="0"/>
-                <a:cs typeface="Arial" panose="020B0604020202020204" pitchFamily="34" charset="0"/>
-              </a:rPr>
-              <a:t>sed</a:t>
-            </a:r>
-            <a:r>
-              <a:rPr lang="pt-BR" sz="1200" dirty="0">
-                <a:solidFill>
-                  <a:schemeClr val="bg1"/>
-                </a:solidFill>
-                <a:latin typeface="Arial" panose="020B0604020202020204" pitchFamily="34" charset="0"/>
-                <a:cs typeface="Arial" panose="020B0604020202020204" pitchFamily="34" charset="0"/>
-              </a:rPr>
-              <a:t> do.</a:t>
+              <a:t>Manter os valores recebidos de acordos com as sessões realizadas.</a:t>
             </a:r>
             <a:endParaRPr lang="pt-BR" sz="900" dirty="0">
               <a:solidFill>
@@ -17657,144 +15319,14 @@
           <a:p>
             <a:pPr algn="ctr"/>
             <a:r>
-              <a:rPr lang="pt-BR" sz="1200" dirty="0" err="1">
+              <a:rPr lang="pt-BR" sz="1200" dirty="0">
                 <a:solidFill>
                   <a:schemeClr val="bg1"/>
                 </a:solidFill>
                 <a:latin typeface="Arial" panose="020B0604020202020204" pitchFamily="34" charset="0"/>
                 <a:cs typeface="Arial" panose="020B0604020202020204" pitchFamily="34" charset="0"/>
               </a:rPr>
-              <a:t>Lorem</a:t>
-            </a:r>
-            <a:r>
-              <a:rPr lang="pt-BR" sz="1200" dirty="0">
-                <a:solidFill>
-                  <a:schemeClr val="bg1"/>
-                </a:solidFill>
-                <a:latin typeface="Arial" panose="020B0604020202020204" pitchFamily="34" charset="0"/>
-                <a:cs typeface="Arial" panose="020B0604020202020204" pitchFamily="34" charset="0"/>
-              </a:rPr>
-              <a:t> ipsum </a:t>
-            </a:r>
-            <a:r>
-              <a:rPr lang="pt-BR" sz="1200" dirty="0" err="1">
-                <a:solidFill>
-                  <a:schemeClr val="bg1"/>
-                </a:solidFill>
-                <a:latin typeface="Arial" panose="020B0604020202020204" pitchFamily="34" charset="0"/>
-                <a:cs typeface="Arial" panose="020B0604020202020204" pitchFamily="34" charset="0"/>
-              </a:rPr>
-              <a:t>dolor</a:t>
-            </a:r>
-            <a:r>
-              <a:rPr lang="pt-BR" sz="1200" dirty="0">
-                <a:solidFill>
-                  <a:schemeClr val="bg1"/>
-                </a:solidFill>
-                <a:latin typeface="Arial" panose="020B0604020202020204" pitchFamily="34" charset="0"/>
-                <a:cs typeface="Arial" panose="020B0604020202020204" pitchFamily="34" charset="0"/>
-              </a:rPr>
-              <a:t> </a:t>
-            </a:r>
-            <a:r>
-              <a:rPr lang="pt-BR" sz="1200" dirty="0" err="1">
-                <a:solidFill>
-                  <a:schemeClr val="bg1"/>
-                </a:solidFill>
-                <a:latin typeface="Arial" panose="020B0604020202020204" pitchFamily="34" charset="0"/>
-                <a:cs typeface="Arial" panose="020B0604020202020204" pitchFamily="34" charset="0"/>
-              </a:rPr>
-              <a:t>sitamet</a:t>
-            </a:r>
-            <a:r>
-              <a:rPr lang="pt-BR" sz="1200" dirty="0">
-                <a:solidFill>
-                  <a:schemeClr val="bg1"/>
-                </a:solidFill>
-                <a:latin typeface="Arial" panose="020B0604020202020204" pitchFamily="34" charset="0"/>
-                <a:cs typeface="Arial" panose="020B0604020202020204" pitchFamily="34" charset="0"/>
-              </a:rPr>
-              <a:t>, </a:t>
-            </a:r>
-            <a:r>
-              <a:rPr lang="pt-BR" sz="1200" dirty="0" err="1">
-                <a:solidFill>
-                  <a:schemeClr val="bg1"/>
-                </a:solidFill>
-                <a:latin typeface="Arial" panose="020B0604020202020204" pitchFamily="34" charset="0"/>
-                <a:cs typeface="Arial" panose="020B0604020202020204" pitchFamily="34" charset="0"/>
-              </a:rPr>
-              <a:t>consectetur</a:t>
-            </a:r>
-            <a:r>
-              <a:rPr lang="pt-BR" sz="1200" dirty="0">
-                <a:solidFill>
-                  <a:schemeClr val="bg1"/>
-                </a:solidFill>
-                <a:latin typeface="Arial" panose="020B0604020202020204" pitchFamily="34" charset="0"/>
-                <a:cs typeface="Arial" panose="020B0604020202020204" pitchFamily="34" charset="0"/>
-              </a:rPr>
-              <a:t> </a:t>
-            </a:r>
-            <a:r>
-              <a:rPr lang="pt-BR" sz="1200" dirty="0" err="1">
-                <a:solidFill>
-                  <a:schemeClr val="bg1"/>
-                </a:solidFill>
-                <a:latin typeface="Arial" panose="020B0604020202020204" pitchFamily="34" charset="0"/>
-                <a:cs typeface="Arial" panose="020B0604020202020204" pitchFamily="34" charset="0"/>
-              </a:rPr>
-              <a:t>adipiscing</a:t>
-            </a:r>
-            <a:r>
-              <a:rPr lang="pt-BR" sz="1200" dirty="0">
-                <a:solidFill>
-                  <a:schemeClr val="bg1"/>
-                </a:solidFill>
-                <a:latin typeface="Arial" panose="020B0604020202020204" pitchFamily="34" charset="0"/>
-                <a:cs typeface="Arial" panose="020B0604020202020204" pitchFamily="34" charset="0"/>
-              </a:rPr>
-              <a:t> </a:t>
-            </a:r>
-            <a:r>
-              <a:rPr lang="pt-BR" sz="1200" dirty="0" err="1">
-                <a:solidFill>
-                  <a:schemeClr val="bg1"/>
-                </a:solidFill>
-                <a:latin typeface="Arial" panose="020B0604020202020204" pitchFamily="34" charset="0"/>
-                <a:cs typeface="Arial" panose="020B0604020202020204" pitchFamily="34" charset="0"/>
-              </a:rPr>
-              <a:t>elit</a:t>
-            </a:r>
-            <a:r>
-              <a:rPr lang="pt-BR" sz="1200" dirty="0">
-                <a:solidFill>
-                  <a:schemeClr val="bg1"/>
-                </a:solidFill>
-                <a:latin typeface="Arial" panose="020B0604020202020204" pitchFamily="34" charset="0"/>
-                <a:cs typeface="Arial" panose="020B0604020202020204" pitchFamily="34" charset="0"/>
-              </a:rPr>
-              <a:t>, </a:t>
-            </a:r>
-            <a:r>
-              <a:rPr lang="pt-BR" sz="1200" dirty="0" err="1">
-                <a:solidFill>
-                  <a:schemeClr val="bg1"/>
-                </a:solidFill>
-                <a:latin typeface="Arial" panose="020B0604020202020204" pitchFamily="34" charset="0"/>
-                <a:cs typeface="Arial" panose="020B0604020202020204" pitchFamily="34" charset="0"/>
-              </a:rPr>
-              <a:t>sed</a:t>
-            </a:r>
-            <a:r>
-              <a:rPr lang="pt-BR" sz="1200" dirty="0">
-                <a:solidFill>
-                  <a:schemeClr val="bg1"/>
-                </a:solidFill>
-                <a:latin typeface="Arial" panose="020B0604020202020204" pitchFamily="34" charset="0"/>
-                <a:cs typeface="Arial" panose="020B0604020202020204" pitchFamily="34" charset="0"/>
-              </a:rPr>
-              <a:t> do.</a:t>
+              <a:t>Psicólogos querem gerenciar melhor suas sessões e recebimentos</a:t>
             </a:r>
             <a:endParaRPr lang="pt-BR" sz="900" dirty="0">
               <a:solidFill>
@@ -17808,10 +15340,10 @@
       </p:sp>
       <p:sp>
         <p:nvSpPr>
-          <p:cNvPr id="51" name="CaixaDeTexto 50">
-            <a:extLst>
-              <a:ext uri="{FF2B5EF4-FFF2-40B4-BE49-F238E27FC236}">
-                <a16:creationId xmlns:a16="http://schemas.microsoft.com/office/drawing/2014/main" id="{48FDBA0A-F74B-42B7-8EA2-F118F0A83150}"/>
+          <p:cNvPr id="52" name="CaixaDeTexto 51">
+            <a:extLst>
+              <a:ext uri="{FF2B5EF4-FFF2-40B4-BE49-F238E27FC236}">
+                <a16:creationId xmlns:a16="http://schemas.microsoft.com/office/drawing/2014/main" id="{C24AD8E2-EC0A-409A-91A9-7824643EAD62}"/>
               </a:ext>
             </a:extLst>
           </p:cNvPr>
@@ -17820,7 +15352,7 @@
         </p:nvSpPr>
         <p:spPr>
           <a:xfrm>
-            <a:off x="6741307" y="2626328"/>
+            <a:off x="9085276" y="2626328"/>
             <a:ext cx="1851558" cy="646331"/>
           </a:xfrm>
           <a:prstGeom prst="rect">
@@ -17836,323 +15368,14 @@
           <a:p>
             <a:pPr algn="ctr"/>
             <a:r>
-              <a:rPr lang="pt-BR" sz="1200" dirty="0" err="1">
+              <a:rPr lang="pt-BR" sz="1200" dirty="0">
                 <a:solidFill>
                   <a:schemeClr val="bg1"/>
                 </a:solidFill>
                 <a:latin typeface="Arial" panose="020B0604020202020204" pitchFamily="34" charset="0"/>
                 <a:cs typeface="Arial" panose="020B0604020202020204" pitchFamily="34" charset="0"/>
               </a:rPr>
-              <a:t>Lorem</a:t>
-            </a:r>
-            <a:r>
-              <a:rPr lang="pt-BR" sz="1200" dirty="0">
-                <a:solidFill>
-                  <a:schemeClr val="bg1"/>
-                </a:solidFill>
-                <a:latin typeface="Arial" panose="020B0604020202020204" pitchFamily="34" charset="0"/>
-                <a:cs typeface="Arial" panose="020B0604020202020204" pitchFamily="34" charset="0"/>
-              </a:rPr>
-              <a:t> ipsum </a:t>
-            </a:r>
-            <a:r>
-              <a:rPr lang="pt-BR" sz="1200" dirty="0" err="1">
-                <a:solidFill>
-                  <a:schemeClr val="bg1"/>
-                </a:solidFill>
-                <a:latin typeface="Arial" panose="020B0604020202020204" pitchFamily="34" charset="0"/>
-                <a:cs typeface="Arial" panose="020B0604020202020204" pitchFamily="34" charset="0"/>
-              </a:rPr>
-              <a:t>dolor</a:t>
-            </a:r>
-            <a:r>
-              <a:rPr lang="pt-BR" sz="1200" dirty="0">
-                <a:solidFill>
-                  <a:schemeClr val="bg1"/>
-                </a:solidFill>
-                <a:latin typeface="Arial" panose="020B0604020202020204" pitchFamily="34" charset="0"/>
-                <a:cs typeface="Arial" panose="020B0604020202020204" pitchFamily="34" charset="0"/>
-              </a:rPr>
-              <a:t> </a:t>
-            </a:r>
-            <a:r>
-              <a:rPr lang="pt-BR" sz="1200" dirty="0" err="1">
-                <a:solidFill>
-                  <a:schemeClr val="bg1"/>
-                </a:solidFill>
-                <a:latin typeface="Arial" panose="020B0604020202020204" pitchFamily="34" charset="0"/>
-                <a:cs typeface="Arial" panose="020B0604020202020204" pitchFamily="34" charset="0"/>
-              </a:rPr>
-              <a:t>sitamet</a:t>
-            </a:r>
-            <a:r>
-              <a:rPr lang="pt-BR" sz="1200" dirty="0">
-                <a:solidFill>
-                  <a:schemeClr val="bg1"/>
-                </a:solidFill>
-                <a:latin typeface="Arial" panose="020B0604020202020204" pitchFamily="34" charset="0"/>
-                <a:cs typeface="Arial" panose="020B0604020202020204" pitchFamily="34" charset="0"/>
-              </a:rPr>
-              <a:t>, </a:t>
-            </a:r>
-            <a:r>
-              <a:rPr lang="pt-BR" sz="1200" dirty="0" err="1">
-                <a:solidFill>
-                  <a:schemeClr val="bg1"/>
-                </a:solidFill>
-                <a:latin typeface="Arial" panose="020B0604020202020204" pitchFamily="34" charset="0"/>
-                <a:cs typeface="Arial" panose="020B0604020202020204" pitchFamily="34" charset="0"/>
-              </a:rPr>
-              <a:t>consectetur</a:t>
-            </a:r>
-            <a:r>
-              <a:rPr lang="pt-BR" sz="1200" dirty="0">
-                <a:solidFill>
-                  <a:schemeClr val="bg1"/>
-                </a:solidFill>
-                <a:latin typeface="Arial" panose="020B0604020202020204" pitchFamily="34" charset="0"/>
-                <a:cs typeface="Arial" panose="020B0604020202020204" pitchFamily="34" charset="0"/>
-              </a:rPr>
-              <a:t> </a:t>
-            </a:r>
-            <a:r>
-              <a:rPr lang="pt-BR" sz="1200" dirty="0" err="1">
-                <a:solidFill>
-                  <a:schemeClr val="bg1"/>
-                </a:solidFill>
-                <a:latin typeface="Arial" panose="020B0604020202020204" pitchFamily="34" charset="0"/>
-                <a:cs typeface="Arial" panose="020B0604020202020204" pitchFamily="34" charset="0"/>
-              </a:rPr>
-              <a:t>adipiscing</a:t>
-            </a:r>
-            <a:r>
-              <a:rPr lang="pt-BR" sz="1200" dirty="0">
-                <a:solidFill>
-                  <a:schemeClr val="bg1"/>
-                </a:solidFill>
-                <a:latin typeface="Arial" panose="020B0604020202020204" pitchFamily="34" charset="0"/>
-                <a:cs typeface="Arial" panose="020B0604020202020204" pitchFamily="34" charset="0"/>
-              </a:rPr>
-              <a:t> </a:t>
-            </a:r>
-            <a:r>
-              <a:rPr lang="pt-BR" sz="1200" dirty="0" err="1">
-                <a:solidFill>
-                  <a:schemeClr val="bg1"/>
-                </a:solidFill>
-                <a:latin typeface="Arial" panose="020B0604020202020204" pitchFamily="34" charset="0"/>
-                <a:cs typeface="Arial" panose="020B0604020202020204" pitchFamily="34" charset="0"/>
-              </a:rPr>
-              <a:t>elit</a:t>
-            </a:r>
-            <a:r>
-              <a:rPr lang="pt-BR" sz="1200" dirty="0">
-                <a:solidFill>
-                  <a:schemeClr val="bg1"/>
-                </a:solidFill>
-                <a:latin typeface="Arial" panose="020B0604020202020204" pitchFamily="34" charset="0"/>
-                <a:cs typeface="Arial" panose="020B0604020202020204" pitchFamily="34" charset="0"/>
-              </a:rPr>
-              <a:t>, </a:t>
-            </a:r>
-            <a:r>
-              <a:rPr lang="pt-BR" sz="1200" dirty="0" err="1">
-                <a:solidFill>
-                  <a:schemeClr val="bg1"/>
-                </a:solidFill>
-                <a:latin typeface="Arial" panose="020B0604020202020204" pitchFamily="34" charset="0"/>
-                <a:cs typeface="Arial" panose="020B0604020202020204" pitchFamily="34" charset="0"/>
-              </a:rPr>
-              <a:t>sed</a:t>
-            </a:r>
-            <a:r>
-              <a:rPr lang="pt-BR" sz="1200" dirty="0">
-                <a:solidFill>
-                  <a:schemeClr val="bg1"/>
-                </a:solidFill>
-                <a:latin typeface="Arial" panose="020B0604020202020204" pitchFamily="34" charset="0"/>
-                <a:cs typeface="Arial" panose="020B0604020202020204" pitchFamily="34" charset="0"/>
-              </a:rPr>
-              <a:t> do.</a:t>
-            </a:r>
-            <a:endParaRPr lang="pt-BR" sz="900" dirty="0">
-              <a:solidFill>
-                <a:schemeClr val="bg1"/>
-              </a:solidFill>
-              <a:latin typeface="Arial" panose="020B0604020202020204" pitchFamily="34" charset="0"/>
-              <a:cs typeface="Arial" panose="020B0604020202020204" pitchFamily="34" charset="0"/>
-            </a:endParaRPr>
-          </a:p>
-        </p:txBody>
-      </p:sp>
-      <p:sp>
-        <p:nvSpPr>
-          <p:cNvPr id="52" name="CaixaDeTexto 51">
-            <a:extLst>
-              <a:ext uri="{FF2B5EF4-FFF2-40B4-BE49-F238E27FC236}">
-                <a16:creationId xmlns:a16="http://schemas.microsoft.com/office/drawing/2014/main" id="{C24AD8E2-EC0A-409A-91A9-7824643EAD62}"/>
-              </a:ext>
-            </a:extLst>
-          </p:cNvPr>
-          <p:cNvSpPr txBox="1"/>
-          <p:nvPr/>
-        </p:nvSpPr>
-        <p:spPr>
-          <a:xfrm>
-            <a:off x="9085276" y="2626328"/>
-            <a:ext cx="1851558" cy="646331"/>
-          </a:xfrm>
-          <a:prstGeom prst="rect">
-            <a:avLst/>
-          </a:prstGeom>
-          <a:noFill/>
-        </p:spPr>
-        <p:txBody>
-          <a:bodyPr wrap="square" rtlCol="0">
-            <a:spAutoFit/>
-          </a:bodyPr>
-          <a:lstStyle/>
-          <a:p>
-            <a:pPr algn="ctr"/>
-            <a:r>
-              <a:rPr lang="pt-BR" sz="1200" dirty="0" err="1">
-                <a:solidFill>
-                  <a:schemeClr val="bg1"/>
-                </a:solidFill>
-                <a:latin typeface="Arial" panose="020B0604020202020204" pitchFamily="34" charset="0"/>
-                <a:cs typeface="Arial" panose="020B0604020202020204" pitchFamily="34" charset="0"/>
-              </a:rPr>
-              <a:t>Lorem</a:t>
-            </a:r>
-            <a:r>
-              <a:rPr lang="pt-BR" sz="1200" dirty="0">
-                <a:solidFill>
-                  <a:schemeClr val="bg1"/>
-                </a:solidFill>
-                <a:latin typeface="Arial" panose="020B0604020202020204" pitchFamily="34" charset="0"/>
-                <a:cs typeface="Arial" panose="020B0604020202020204" pitchFamily="34" charset="0"/>
-              </a:rPr>
-              <a:t> ipsum </a:t>
-            </a:r>
-            <a:r>
-              <a:rPr lang="pt-BR" sz="1200" dirty="0" err="1">
-                <a:solidFill>
-                  <a:schemeClr val="bg1"/>
-                </a:solidFill>
-                <a:latin typeface="Arial" panose="020B0604020202020204" pitchFamily="34" charset="0"/>
-                <a:cs typeface="Arial" panose="020B0604020202020204" pitchFamily="34" charset="0"/>
-              </a:rPr>
-              <a:t>dolor</a:t>
-            </a:r>
-            <a:r>
-              <a:rPr lang="pt-BR" sz="1200" dirty="0">
-                <a:solidFill>
-                  <a:schemeClr val="bg1"/>
-                </a:solidFill>
-                <a:latin typeface="Arial" panose="020B0604020202020204" pitchFamily="34" charset="0"/>
-                <a:cs typeface="Arial" panose="020B0604020202020204" pitchFamily="34" charset="0"/>
-              </a:rPr>
-              <a:t> </a:t>
-            </a:r>
-            <a:r>
-              <a:rPr lang="pt-BR" sz="1200" dirty="0" err="1">
-                <a:solidFill>
-                  <a:schemeClr val="bg1"/>
-                </a:solidFill>
-                <a:latin typeface="Arial" panose="020B0604020202020204" pitchFamily="34" charset="0"/>
-                <a:cs typeface="Arial" panose="020B0604020202020204" pitchFamily="34" charset="0"/>
-              </a:rPr>
-              <a:t>sitamet</a:t>
-            </a:r>
-            <a:r>
-              <a:rPr lang="pt-BR" sz="1200" dirty="0">
-                <a:solidFill>
-                  <a:schemeClr val="bg1"/>
-                </a:solidFill>
-                <a:latin typeface="Arial" panose="020B0604020202020204" pitchFamily="34" charset="0"/>
-                <a:cs typeface="Arial" panose="020B0604020202020204" pitchFamily="34" charset="0"/>
-              </a:rPr>
-              <a:t>, </a:t>
-            </a:r>
-            <a:r>
-              <a:rPr lang="pt-BR" sz="1200" dirty="0" err="1">
-                <a:solidFill>
-                  <a:schemeClr val="bg1"/>
-                </a:solidFill>
-                <a:latin typeface="Arial" panose="020B0604020202020204" pitchFamily="34" charset="0"/>
-                <a:cs typeface="Arial" panose="020B0604020202020204" pitchFamily="34" charset="0"/>
-              </a:rPr>
-              <a:t>consectetur</a:t>
-            </a:r>
-            <a:r>
-              <a:rPr lang="pt-BR" sz="1200" dirty="0">
-                <a:solidFill>
-                  <a:schemeClr val="bg1"/>
-                </a:solidFill>
-                <a:latin typeface="Arial" panose="020B0604020202020204" pitchFamily="34" charset="0"/>
-                <a:cs typeface="Arial" panose="020B0604020202020204" pitchFamily="34" charset="0"/>
-              </a:rPr>
-              <a:t> </a:t>
-            </a:r>
-            <a:r>
-              <a:rPr lang="pt-BR" sz="1200" dirty="0" err="1">
-                <a:solidFill>
-                  <a:schemeClr val="bg1"/>
-                </a:solidFill>
-                <a:latin typeface="Arial" panose="020B0604020202020204" pitchFamily="34" charset="0"/>
-                <a:cs typeface="Arial" panose="020B0604020202020204" pitchFamily="34" charset="0"/>
-              </a:rPr>
-              <a:t>adipiscing</a:t>
-            </a:r>
-            <a:r>
-              <a:rPr lang="pt-BR" sz="1200" dirty="0">
-                <a:solidFill>
-                  <a:schemeClr val="bg1"/>
-                </a:solidFill>
-                <a:latin typeface="Arial" panose="020B0604020202020204" pitchFamily="34" charset="0"/>
-                <a:cs typeface="Arial" panose="020B0604020202020204" pitchFamily="34" charset="0"/>
-              </a:rPr>
-              <a:t> </a:t>
-            </a:r>
-            <a:r>
-              <a:rPr lang="pt-BR" sz="1200" dirty="0" err="1">
-                <a:solidFill>
-                  <a:schemeClr val="bg1"/>
-                </a:solidFill>
-                <a:latin typeface="Arial" panose="020B0604020202020204" pitchFamily="34" charset="0"/>
-                <a:cs typeface="Arial" panose="020B0604020202020204" pitchFamily="34" charset="0"/>
-              </a:rPr>
-              <a:t>elit</a:t>
-            </a:r>
-            <a:r>
-              <a:rPr lang="pt-BR" sz="1200" dirty="0">
-                <a:solidFill>
-                  <a:schemeClr val="bg1"/>
-                </a:solidFill>
-                <a:latin typeface="Arial" panose="020B0604020202020204" pitchFamily="34" charset="0"/>
-                <a:cs typeface="Arial" panose="020B0604020202020204" pitchFamily="34" charset="0"/>
-              </a:rPr>
-              <a:t>, </a:t>
-            </a:r>
-            <a:r>
-              <a:rPr lang="pt-BR" sz="1200" dirty="0" err="1">
-                <a:solidFill>
-                  <a:schemeClr val="bg1"/>
-                </a:solidFill>
-                <a:latin typeface="Arial" panose="020B0604020202020204" pitchFamily="34" charset="0"/>
-                <a:cs typeface="Arial" panose="020B0604020202020204" pitchFamily="34" charset="0"/>
-              </a:rPr>
-              <a:t>sed</a:t>
-            </a:r>
-            <a:r>
-              <a:rPr lang="pt-BR" sz="1200" dirty="0">
-                <a:solidFill>
-                  <a:schemeClr val="bg1"/>
-                </a:solidFill>
-                <a:latin typeface="Arial" panose="020B0604020202020204" pitchFamily="34" charset="0"/>
-                <a:cs typeface="Arial" panose="020B0604020202020204" pitchFamily="34" charset="0"/>
-              </a:rPr>
-              <a:t> do.</a:t>
+              <a:t>Será que os psicólogos continuariam usando os aplicativos existentes?</a:t>
             </a:r>
             <a:endParaRPr lang="pt-BR" sz="900" dirty="0">
               <a:solidFill>
@@ -18746,8 +15969,8 @@
         </p:nvSpPr>
         <p:spPr>
           <a:xfrm>
-            <a:off x="5246090" y="2097434"/>
-            <a:ext cx="1690711" cy="590184"/>
+            <a:off x="5246090" y="1910164"/>
+            <a:ext cx="1690711" cy="1015663"/>
           </a:xfrm>
           <a:prstGeom prst="rect">
             <a:avLst/>
@@ -18762,144 +15985,14 @@
           <a:p>
             <a:pPr algn="ctr"/>
             <a:r>
-              <a:rPr lang="pt-BR" sz="1200" dirty="0" err="1">
+              <a:rPr lang="pt-BR" sz="1200" dirty="0">
                 <a:solidFill>
                   <a:schemeClr val="bg1"/>
                 </a:solidFill>
                 <a:latin typeface="Arial" panose="020B0604020202020204" pitchFamily="34" charset="0"/>
                 <a:cs typeface="Arial" panose="020B0604020202020204" pitchFamily="34" charset="0"/>
               </a:rPr>
-              <a:t>Lorem</a:t>
-            </a:r>
-            <a:r>
-              <a:rPr lang="pt-BR" sz="1200" dirty="0">
-                <a:solidFill>
-                  <a:schemeClr val="bg1"/>
-                </a:solidFill>
-                <a:latin typeface="Arial" panose="020B0604020202020204" pitchFamily="34" charset="0"/>
-                <a:cs typeface="Arial" panose="020B0604020202020204" pitchFamily="34" charset="0"/>
-              </a:rPr>
-              <a:t> ipsum </a:t>
-            </a:r>
-            <a:r>
-              <a:rPr lang="pt-BR" sz="1200" dirty="0" err="1">
-                <a:solidFill>
-                  <a:schemeClr val="bg1"/>
-                </a:solidFill>
-                <a:latin typeface="Arial" panose="020B0604020202020204" pitchFamily="34" charset="0"/>
-                <a:cs typeface="Arial" panose="020B0604020202020204" pitchFamily="34" charset="0"/>
-              </a:rPr>
-              <a:t>dolor</a:t>
-            </a:r>
-            <a:r>
-              <a:rPr lang="pt-BR" sz="1200" dirty="0">
-                <a:solidFill>
-                  <a:schemeClr val="bg1"/>
-                </a:solidFill>
-                <a:latin typeface="Arial" panose="020B0604020202020204" pitchFamily="34" charset="0"/>
-                <a:cs typeface="Arial" panose="020B0604020202020204" pitchFamily="34" charset="0"/>
-              </a:rPr>
-              <a:t> </a:t>
-            </a:r>
-            <a:r>
-              <a:rPr lang="pt-BR" sz="1200" dirty="0" err="1">
-                <a:solidFill>
-                  <a:schemeClr val="bg1"/>
-                </a:solidFill>
-                <a:latin typeface="Arial" panose="020B0604020202020204" pitchFamily="34" charset="0"/>
-                <a:cs typeface="Arial" panose="020B0604020202020204" pitchFamily="34" charset="0"/>
-              </a:rPr>
-              <a:t>sitamet</a:t>
-            </a:r>
-            <a:r>
-              <a:rPr lang="pt-BR" sz="1200" dirty="0">
-                <a:solidFill>
-                  <a:schemeClr val="bg1"/>
-                </a:solidFill>
-                <a:latin typeface="Arial" panose="020B0604020202020204" pitchFamily="34" charset="0"/>
-                <a:cs typeface="Arial" panose="020B0604020202020204" pitchFamily="34" charset="0"/>
-              </a:rPr>
-              <a:t>, </a:t>
-            </a:r>
-            <a:r>
-              <a:rPr lang="pt-BR" sz="1200" dirty="0" err="1">
-                <a:solidFill>
-                  <a:schemeClr val="bg1"/>
-                </a:solidFill>
-                <a:latin typeface="Arial" panose="020B0604020202020204" pitchFamily="34" charset="0"/>
-                <a:cs typeface="Arial" panose="020B0604020202020204" pitchFamily="34" charset="0"/>
-              </a:rPr>
-              <a:t>consectetur</a:t>
-            </a:r>
-            <a:r>
-              <a:rPr lang="pt-BR" sz="1200" dirty="0">
-                <a:solidFill>
-                  <a:schemeClr val="bg1"/>
-                </a:solidFill>
-                <a:latin typeface="Arial" panose="020B0604020202020204" pitchFamily="34" charset="0"/>
-                <a:cs typeface="Arial" panose="020B0604020202020204" pitchFamily="34" charset="0"/>
-              </a:rPr>
-              <a:t> </a:t>
-            </a:r>
-            <a:r>
-              <a:rPr lang="pt-BR" sz="1200" dirty="0" err="1">
-                <a:solidFill>
-                  <a:schemeClr val="bg1"/>
-                </a:solidFill>
-                <a:latin typeface="Arial" panose="020B0604020202020204" pitchFamily="34" charset="0"/>
-                <a:cs typeface="Arial" panose="020B0604020202020204" pitchFamily="34" charset="0"/>
-              </a:rPr>
-              <a:t>adipiscing</a:t>
-            </a:r>
-            <a:r>
-              <a:rPr lang="pt-BR" sz="1200" dirty="0">
-                <a:solidFill>
-                  <a:schemeClr val="bg1"/>
-                </a:solidFill>
-                <a:latin typeface="Arial" panose="020B0604020202020204" pitchFamily="34" charset="0"/>
-                <a:cs typeface="Arial" panose="020B0604020202020204" pitchFamily="34" charset="0"/>
-              </a:rPr>
-              <a:t> </a:t>
-            </a:r>
-            <a:r>
-              <a:rPr lang="pt-BR" sz="1200" dirty="0" err="1">
-                <a:solidFill>
-                  <a:schemeClr val="bg1"/>
-                </a:solidFill>
-                <a:latin typeface="Arial" panose="020B0604020202020204" pitchFamily="34" charset="0"/>
-                <a:cs typeface="Arial" panose="020B0604020202020204" pitchFamily="34" charset="0"/>
-              </a:rPr>
-              <a:t>elit</a:t>
-            </a:r>
-            <a:r>
-              <a:rPr lang="pt-BR" sz="1200" dirty="0">
-                <a:solidFill>
-                  <a:schemeClr val="bg1"/>
-                </a:solidFill>
-                <a:latin typeface="Arial" panose="020B0604020202020204" pitchFamily="34" charset="0"/>
-                <a:cs typeface="Arial" panose="020B0604020202020204" pitchFamily="34" charset="0"/>
-              </a:rPr>
-              <a:t>, </a:t>
-            </a:r>
-            <a:r>
-              <a:rPr lang="pt-BR" sz="1200" dirty="0" err="1">
-                <a:solidFill>
-                  <a:schemeClr val="bg1"/>
-                </a:solidFill>
-                <a:latin typeface="Arial" panose="020B0604020202020204" pitchFamily="34" charset="0"/>
-                <a:cs typeface="Arial" panose="020B0604020202020204" pitchFamily="34" charset="0"/>
-              </a:rPr>
-              <a:t>sed</a:t>
-            </a:r>
-            <a:r>
-              <a:rPr lang="pt-BR" sz="1200" dirty="0">
-                <a:solidFill>
-                  <a:schemeClr val="bg1"/>
-                </a:solidFill>
-                <a:latin typeface="Arial" panose="020B0604020202020204" pitchFamily="34" charset="0"/>
-                <a:cs typeface="Arial" panose="020B0604020202020204" pitchFamily="34" charset="0"/>
-              </a:rPr>
-              <a:t> do.</a:t>
+              <a:t>Quanto foi o meu ganho do mês passado com relação as sessões que houveram?</a:t>
             </a:r>
             <a:endParaRPr lang="pt-BR" sz="900" dirty="0">
               <a:solidFill>
@@ -18926,7 +16019,7 @@
         <p:spPr>
           <a:xfrm>
             <a:off x="5250644" y="4100877"/>
-            <a:ext cx="1690711" cy="590184"/>
+            <a:ext cx="1690711" cy="646331"/>
           </a:xfrm>
           <a:prstGeom prst="rect">
             <a:avLst/>
@@ -18941,144 +16034,14 @@
           <a:p>
             <a:pPr algn="ctr"/>
             <a:r>
-              <a:rPr lang="pt-BR" sz="1200" dirty="0" err="1">
+              <a:rPr lang="pt-BR" sz="1200" dirty="0">
                 <a:solidFill>
                   <a:schemeClr val="bg1"/>
                 </a:solidFill>
                 <a:latin typeface="Arial" panose="020B0604020202020204" pitchFamily="34" charset="0"/>
                 <a:cs typeface="Arial" panose="020B0604020202020204" pitchFamily="34" charset="0"/>
               </a:rPr>
-              <a:t>Lorem</a:t>
-            </a:r>
-            <a:r>
-              <a:rPr lang="pt-BR" sz="1200" dirty="0">
-                <a:solidFill>
-                  <a:schemeClr val="bg1"/>
-                </a:solidFill>
-                <a:latin typeface="Arial" panose="020B0604020202020204" pitchFamily="34" charset="0"/>
-                <a:cs typeface="Arial" panose="020B0604020202020204" pitchFamily="34" charset="0"/>
-              </a:rPr>
-              <a:t> ipsum </a:t>
-            </a:r>
-            <a:r>
-              <a:rPr lang="pt-BR" sz="1200" dirty="0" err="1">
-                <a:solidFill>
-                  <a:schemeClr val="bg1"/>
-                </a:solidFill>
-                <a:latin typeface="Arial" panose="020B0604020202020204" pitchFamily="34" charset="0"/>
-                <a:cs typeface="Arial" panose="020B0604020202020204" pitchFamily="34" charset="0"/>
-              </a:rPr>
-              <a:t>dolor</a:t>
-            </a:r>
-            <a:r>
-              <a:rPr lang="pt-BR" sz="1200" dirty="0">
-                <a:solidFill>
-                  <a:schemeClr val="bg1"/>
-                </a:solidFill>
-                <a:latin typeface="Arial" panose="020B0604020202020204" pitchFamily="34" charset="0"/>
-                <a:cs typeface="Arial" panose="020B0604020202020204" pitchFamily="34" charset="0"/>
-              </a:rPr>
-              <a:t> </a:t>
-            </a:r>
-            <a:r>
-              <a:rPr lang="pt-BR" sz="1200" dirty="0" err="1">
-                <a:solidFill>
-                  <a:schemeClr val="bg1"/>
-                </a:solidFill>
-                <a:latin typeface="Arial" panose="020B0604020202020204" pitchFamily="34" charset="0"/>
-                <a:cs typeface="Arial" panose="020B0604020202020204" pitchFamily="34" charset="0"/>
-              </a:rPr>
-              <a:t>sitamet</a:t>
-            </a:r>
-            <a:r>
-              <a:rPr lang="pt-BR" sz="1200" dirty="0">
-                <a:solidFill>
-                  <a:schemeClr val="bg1"/>
-                </a:solidFill>
-                <a:latin typeface="Arial" panose="020B0604020202020204" pitchFamily="34" charset="0"/>
-                <a:cs typeface="Arial" panose="020B0604020202020204" pitchFamily="34" charset="0"/>
-              </a:rPr>
-              <a:t>, </a:t>
-            </a:r>
-            <a:r>
-              <a:rPr lang="pt-BR" sz="1200" dirty="0" err="1">
-                <a:solidFill>
-                  <a:schemeClr val="bg1"/>
-                </a:solidFill>
-                <a:latin typeface="Arial" panose="020B0604020202020204" pitchFamily="34" charset="0"/>
-                <a:cs typeface="Arial" panose="020B0604020202020204" pitchFamily="34" charset="0"/>
-              </a:rPr>
-              <a:t>consectetur</a:t>
-            </a:r>
-            <a:r>
-              <a:rPr lang="pt-BR" sz="1200" dirty="0">
-                <a:solidFill>
-                  <a:schemeClr val="bg1"/>
-                </a:solidFill>
-                <a:latin typeface="Arial" panose="020B0604020202020204" pitchFamily="34" charset="0"/>
-                <a:cs typeface="Arial" panose="020B0604020202020204" pitchFamily="34" charset="0"/>
-              </a:rPr>
-              <a:t> </a:t>
-            </a:r>
-            <a:r>
-              <a:rPr lang="pt-BR" sz="1200" dirty="0" err="1">
-                <a:solidFill>
-                  <a:schemeClr val="bg1"/>
-                </a:solidFill>
-                <a:latin typeface="Arial" panose="020B0604020202020204" pitchFamily="34" charset="0"/>
-                <a:cs typeface="Arial" panose="020B0604020202020204" pitchFamily="34" charset="0"/>
-              </a:rPr>
-              <a:t>adipiscing</a:t>
-            </a:r>
-            <a:r>
-              <a:rPr lang="pt-BR" sz="1200" dirty="0">
-                <a:solidFill>
-                  <a:schemeClr val="bg1"/>
-                </a:solidFill>
-                <a:latin typeface="Arial" panose="020B0604020202020204" pitchFamily="34" charset="0"/>
-                <a:cs typeface="Arial" panose="020B0604020202020204" pitchFamily="34" charset="0"/>
-              </a:rPr>
-              <a:t> </a:t>
-            </a:r>
-            <a:r>
-              <a:rPr lang="pt-BR" sz="1200" dirty="0" err="1">
-                <a:solidFill>
-                  <a:schemeClr val="bg1"/>
-                </a:solidFill>
-                <a:latin typeface="Arial" panose="020B0604020202020204" pitchFamily="34" charset="0"/>
-                <a:cs typeface="Arial" panose="020B0604020202020204" pitchFamily="34" charset="0"/>
-              </a:rPr>
-              <a:t>elit</a:t>
-            </a:r>
-            <a:r>
-              <a:rPr lang="pt-BR" sz="1200" dirty="0">
-                <a:solidFill>
-                  <a:schemeClr val="bg1"/>
-                </a:solidFill>
-                <a:latin typeface="Arial" panose="020B0604020202020204" pitchFamily="34" charset="0"/>
-                <a:cs typeface="Arial" panose="020B0604020202020204" pitchFamily="34" charset="0"/>
-              </a:rPr>
-              <a:t>, </a:t>
-            </a:r>
-            <a:r>
-              <a:rPr lang="pt-BR" sz="1200" dirty="0" err="1">
-                <a:solidFill>
-                  <a:schemeClr val="bg1"/>
-                </a:solidFill>
-                <a:latin typeface="Arial" panose="020B0604020202020204" pitchFamily="34" charset="0"/>
-                <a:cs typeface="Arial" panose="020B0604020202020204" pitchFamily="34" charset="0"/>
-              </a:rPr>
-              <a:t>sed</a:t>
-            </a:r>
-            <a:r>
-              <a:rPr lang="pt-BR" sz="1200" dirty="0">
-                <a:solidFill>
-                  <a:schemeClr val="bg1"/>
-                </a:solidFill>
-                <a:latin typeface="Arial" panose="020B0604020202020204" pitchFamily="34" charset="0"/>
-                <a:cs typeface="Arial" panose="020B0604020202020204" pitchFamily="34" charset="0"/>
-              </a:rPr>
-              <a:t> do.</a:t>
+              <a:t>Atendem pacientes na forma presencial ou on-line</a:t>
             </a:r>
             <a:endParaRPr lang="pt-BR" sz="900" dirty="0">
               <a:solidFill>
@@ -19105,7 +16068,7 @@
         <p:spPr>
           <a:xfrm>
             <a:off x="6907994" y="3027077"/>
-            <a:ext cx="1690711" cy="590184"/>
+            <a:ext cx="1690711" cy="646331"/>
           </a:xfrm>
           <a:prstGeom prst="rect">
             <a:avLst/>
@@ -19120,144 +16083,14 @@
           <a:p>
             <a:pPr algn="ctr"/>
             <a:r>
-              <a:rPr lang="pt-BR" sz="1200" dirty="0" err="1">
+              <a:rPr lang="pt-BR" sz="1200" dirty="0">
                 <a:solidFill>
                   <a:schemeClr val="bg1"/>
                 </a:solidFill>
                 <a:latin typeface="Arial" panose="020B0604020202020204" pitchFamily="34" charset="0"/>
                 <a:cs typeface="Arial" panose="020B0604020202020204" pitchFamily="34" charset="0"/>
               </a:rPr>
-              <a:t>Lorem</a:t>
-            </a:r>
-            <a:r>
-              <a:rPr lang="pt-BR" sz="1200" dirty="0">
-                <a:solidFill>
-                  <a:schemeClr val="bg1"/>
-                </a:solidFill>
-                <a:latin typeface="Arial" panose="020B0604020202020204" pitchFamily="34" charset="0"/>
-                <a:cs typeface="Arial" panose="020B0604020202020204" pitchFamily="34" charset="0"/>
-              </a:rPr>
-              <a:t> ipsum </a:t>
-            </a:r>
-            <a:r>
-              <a:rPr lang="pt-BR" sz="1200" dirty="0" err="1">
-                <a:solidFill>
-                  <a:schemeClr val="bg1"/>
-                </a:solidFill>
-                <a:latin typeface="Arial" panose="020B0604020202020204" pitchFamily="34" charset="0"/>
-                <a:cs typeface="Arial" panose="020B0604020202020204" pitchFamily="34" charset="0"/>
-              </a:rPr>
-              <a:t>dolor</a:t>
-            </a:r>
-            <a:r>
-              <a:rPr lang="pt-BR" sz="1200" dirty="0">
-                <a:solidFill>
-                  <a:schemeClr val="bg1"/>
-                </a:solidFill>
-                <a:latin typeface="Arial" panose="020B0604020202020204" pitchFamily="34" charset="0"/>
-                <a:cs typeface="Arial" panose="020B0604020202020204" pitchFamily="34" charset="0"/>
-              </a:rPr>
-              <a:t> </a:t>
-            </a:r>
-            <a:r>
-              <a:rPr lang="pt-BR" sz="1200" dirty="0" err="1">
-                <a:solidFill>
-                  <a:schemeClr val="bg1"/>
-                </a:solidFill>
-                <a:latin typeface="Arial" panose="020B0604020202020204" pitchFamily="34" charset="0"/>
-                <a:cs typeface="Arial" panose="020B0604020202020204" pitchFamily="34" charset="0"/>
-              </a:rPr>
-              <a:t>sitamet</a:t>
-            </a:r>
-            <a:r>
-              <a:rPr lang="pt-BR" sz="1200" dirty="0">
-                <a:solidFill>
-                  <a:schemeClr val="bg1"/>
-                </a:solidFill>
-                <a:latin typeface="Arial" panose="020B0604020202020204" pitchFamily="34" charset="0"/>
-                <a:cs typeface="Arial" panose="020B0604020202020204" pitchFamily="34" charset="0"/>
-              </a:rPr>
-              <a:t>, </a:t>
-            </a:r>
-            <a:r>
-              <a:rPr lang="pt-BR" sz="1200" dirty="0" err="1">
-                <a:solidFill>
-                  <a:schemeClr val="bg1"/>
-                </a:solidFill>
-                <a:latin typeface="Arial" panose="020B0604020202020204" pitchFamily="34" charset="0"/>
-                <a:cs typeface="Arial" panose="020B0604020202020204" pitchFamily="34" charset="0"/>
-              </a:rPr>
-              <a:t>consectetur</a:t>
-            </a:r>
-            <a:r>
-              <a:rPr lang="pt-BR" sz="1200" dirty="0">
-                <a:solidFill>
-                  <a:schemeClr val="bg1"/>
-                </a:solidFill>
-                <a:latin typeface="Arial" panose="020B0604020202020204" pitchFamily="34" charset="0"/>
-                <a:cs typeface="Arial" panose="020B0604020202020204" pitchFamily="34" charset="0"/>
-              </a:rPr>
-              <a:t> </a:t>
-            </a:r>
-            <a:r>
-              <a:rPr lang="pt-BR" sz="1200" dirty="0" err="1">
-                <a:solidFill>
-                  <a:schemeClr val="bg1"/>
-                </a:solidFill>
-                <a:latin typeface="Arial" panose="020B0604020202020204" pitchFamily="34" charset="0"/>
-                <a:cs typeface="Arial" panose="020B0604020202020204" pitchFamily="34" charset="0"/>
-              </a:rPr>
-              <a:t>adipiscing</a:t>
-            </a:r>
-            <a:r>
-              <a:rPr lang="pt-BR" sz="1200" dirty="0">
-                <a:solidFill>
-                  <a:schemeClr val="bg1"/>
-                </a:solidFill>
-                <a:latin typeface="Arial" panose="020B0604020202020204" pitchFamily="34" charset="0"/>
-                <a:cs typeface="Arial" panose="020B0604020202020204" pitchFamily="34" charset="0"/>
-              </a:rPr>
-              <a:t> </a:t>
-            </a:r>
-            <a:r>
-              <a:rPr lang="pt-BR" sz="1200" dirty="0" err="1">
-                <a:solidFill>
-                  <a:schemeClr val="bg1"/>
-                </a:solidFill>
-                <a:latin typeface="Arial" panose="020B0604020202020204" pitchFamily="34" charset="0"/>
-                <a:cs typeface="Arial" panose="020B0604020202020204" pitchFamily="34" charset="0"/>
-              </a:rPr>
-              <a:t>elit</a:t>
-            </a:r>
-            <a:r>
-              <a:rPr lang="pt-BR" sz="1200" dirty="0">
-                <a:solidFill>
-                  <a:schemeClr val="bg1"/>
-                </a:solidFill>
-                <a:latin typeface="Arial" panose="020B0604020202020204" pitchFamily="34" charset="0"/>
-                <a:cs typeface="Arial" panose="020B0604020202020204" pitchFamily="34" charset="0"/>
-              </a:rPr>
-              <a:t>, </a:t>
-            </a:r>
-            <a:r>
-              <a:rPr lang="pt-BR" sz="1200" dirty="0" err="1">
-                <a:solidFill>
-                  <a:schemeClr val="bg1"/>
-                </a:solidFill>
-                <a:latin typeface="Arial" panose="020B0604020202020204" pitchFamily="34" charset="0"/>
-                <a:cs typeface="Arial" panose="020B0604020202020204" pitchFamily="34" charset="0"/>
-              </a:rPr>
-              <a:t>sed</a:t>
-            </a:r>
-            <a:r>
-              <a:rPr lang="pt-BR" sz="1200" dirty="0">
-                <a:solidFill>
-                  <a:schemeClr val="bg1"/>
-                </a:solidFill>
-                <a:latin typeface="Arial" panose="020B0604020202020204" pitchFamily="34" charset="0"/>
-                <a:cs typeface="Arial" panose="020B0604020202020204" pitchFamily="34" charset="0"/>
-              </a:rPr>
-              <a:t> do.</a:t>
+              <a:t>Valores recebidos do mês e as sessões que teve</a:t>
             </a:r>
             <a:endParaRPr lang="pt-BR" sz="900" dirty="0">
               <a:solidFill>
@@ -19284,7 +16117,7 @@
         <p:spPr>
           <a:xfrm>
             <a:off x="3420313" y="3027076"/>
-            <a:ext cx="1690711" cy="590184"/>
+            <a:ext cx="1690711" cy="830997"/>
           </a:xfrm>
           <a:prstGeom prst="rect">
             <a:avLst/>
@@ -19299,144 +16132,14 @@
           <a:p>
             <a:pPr algn="ctr"/>
             <a:r>
-              <a:rPr lang="pt-BR" sz="1200" dirty="0" err="1">
+              <a:rPr lang="pt-BR" sz="1200" dirty="0">
                 <a:solidFill>
                   <a:schemeClr val="bg1"/>
                 </a:solidFill>
                 <a:latin typeface="Arial" panose="020B0604020202020204" pitchFamily="34" charset="0"/>
                 <a:cs typeface="Arial" panose="020B0604020202020204" pitchFamily="34" charset="0"/>
               </a:rPr>
-              <a:t>Lorem</a:t>
-            </a:r>
-            <a:r>
-              <a:rPr lang="pt-BR" sz="1200" dirty="0">
-                <a:solidFill>
-                  <a:schemeClr val="bg1"/>
-                </a:solidFill>
-                <a:latin typeface="Arial" panose="020B0604020202020204" pitchFamily="34" charset="0"/>
-                <a:cs typeface="Arial" panose="020B0604020202020204" pitchFamily="34" charset="0"/>
-              </a:rPr>
-              <a:t> ipsum </a:t>
-            </a:r>
-            <a:r>
-              <a:rPr lang="pt-BR" sz="1200" dirty="0" err="1">
-                <a:solidFill>
-                  <a:schemeClr val="bg1"/>
-                </a:solidFill>
-                <a:latin typeface="Arial" panose="020B0604020202020204" pitchFamily="34" charset="0"/>
-                <a:cs typeface="Arial" panose="020B0604020202020204" pitchFamily="34" charset="0"/>
-              </a:rPr>
-              <a:t>dolor</a:t>
-            </a:r>
-            <a:r>
-              <a:rPr lang="pt-BR" sz="1200" dirty="0">
-                <a:solidFill>
-                  <a:schemeClr val="bg1"/>
-                </a:solidFill>
-                <a:latin typeface="Arial" panose="020B0604020202020204" pitchFamily="34" charset="0"/>
-                <a:cs typeface="Arial" panose="020B0604020202020204" pitchFamily="34" charset="0"/>
-              </a:rPr>
-              <a:t> </a:t>
-            </a:r>
-            <a:r>
-              <a:rPr lang="pt-BR" sz="1200" dirty="0" err="1">
-                <a:solidFill>
-                  <a:schemeClr val="bg1"/>
-                </a:solidFill>
-                <a:latin typeface="Arial" panose="020B0604020202020204" pitchFamily="34" charset="0"/>
-                <a:cs typeface="Arial" panose="020B0604020202020204" pitchFamily="34" charset="0"/>
-              </a:rPr>
-              <a:t>sitamet</a:t>
-            </a:r>
-            <a:r>
-              <a:rPr lang="pt-BR" sz="1200" dirty="0">
-                <a:solidFill>
-                  <a:schemeClr val="bg1"/>
-                </a:solidFill>
-                <a:latin typeface="Arial" panose="020B0604020202020204" pitchFamily="34" charset="0"/>
-                <a:cs typeface="Arial" panose="020B0604020202020204" pitchFamily="34" charset="0"/>
-              </a:rPr>
-              <a:t>, </a:t>
-            </a:r>
-            <a:r>
-              <a:rPr lang="pt-BR" sz="1200" dirty="0" err="1">
-                <a:solidFill>
-                  <a:schemeClr val="bg1"/>
-                </a:solidFill>
-                <a:latin typeface="Arial" panose="020B0604020202020204" pitchFamily="34" charset="0"/>
-                <a:cs typeface="Arial" panose="020B0604020202020204" pitchFamily="34" charset="0"/>
-              </a:rPr>
-              <a:t>consectetur</a:t>
-            </a:r>
-            <a:r>
-              <a:rPr lang="pt-BR" sz="1200" dirty="0">
-                <a:solidFill>
-                  <a:schemeClr val="bg1"/>
-                </a:solidFill>
-                <a:latin typeface="Arial" panose="020B0604020202020204" pitchFamily="34" charset="0"/>
-                <a:cs typeface="Arial" panose="020B0604020202020204" pitchFamily="34" charset="0"/>
-              </a:rPr>
-              <a:t> </a:t>
-            </a:r>
-            <a:r>
-              <a:rPr lang="pt-BR" sz="1200" dirty="0" err="1">
-                <a:solidFill>
-                  <a:schemeClr val="bg1"/>
-                </a:solidFill>
-                <a:latin typeface="Arial" panose="020B0604020202020204" pitchFamily="34" charset="0"/>
-                <a:cs typeface="Arial" panose="020B0604020202020204" pitchFamily="34" charset="0"/>
-              </a:rPr>
-              <a:t>adipiscing</a:t>
-            </a:r>
-            <a:r>
-              <a:rPr lang="pt-BR" sz="1200" dirty="0">
-                <a:solidFill>
-                  <a:schemeClr val="bg1"/>
-                </a:solidFill>
-                <a:latin typeface="Arial" panose="020B0604020202020204" pitchFamily="34" charset="0"/>
-                <a:cs typeface="Arial" panose="020B0604020202020204" pitchFamily="34" charset="0"/>
-              </a:rPr>
-              <a:t> </a:t>
-            </a:r>
-            <a:r>
-              <a:rPr lang="pt-BR" sz="1200" dirty="0" err="1">
-                <a:solidFill>
-                  <a:schemeClr val="bg1"/>
-                </a:solidFill>
-                <a:latin typeface="Arial" panose="020B0604020202020204" pitchFamily="34" charset="0"/>
-                <a:cs typeface="Arial" panose="020B0604020202020204" pitchFamily="34" charset="0"/>
-              </a:rPr>
-              <a:t>elit</a:t>
-            </a:r>
-            <a:r>
-              <a:rPr lang="pt-BR" sz="1200" dirty="0">
-                <a:solidFill>
-                  <a:schemeClr val="bg1"/>
-                </a:solidFill>
-                <a:latin typeface="Arial" panose="020B0604020202020204" pitchFamily="34" charset="0"/>
-                <a:cs typeface="Arial" panose="020B0604020202020204" pitchFamily="34" charset="0"/>
-              </a:rPr>
-              <a:t>, </a:t>
-            </a:r>
-            <a:r>
-              <a:rPr lang="pt-BR" sz="1200" dirty="0" err="1">
-                <a:solidFill>
-                  <a:schemeClr val="bg1"/>
-                </a:solidFill>
-                <a:latin typeface="Arial" panose="020B0604020202020204" pitchFamily="34" charset="0"/>
-                <a:cs typeface="Arial" panose="020B0604020202020204" pitchFamily="34" charset="0"/>
-              </a:rPr>
-              <a:t>sed</a:t>
-            </a:r>
-            <a:r>
-              <a:rPr lang="pt-BR" sz="1200" dirty="0">
-                <a:solidFill>
-                  <a:schemeClr val="bg1"/>
-                </a:solidFill>
-                <a:latin typeface="Arial" panose="020B0604020202020204" pitchFamily="34" charset="0"/>
-                <a:cs typeface="Arial" panose="020B0604020202020204" pitchFamily="34" charset="0"/>
-              </a:rPr>
-              <a:t> do.</a:t>
+              <a:t>Todos os pacientes do mês realizaram os pagamentos das sessões</a:t>
             </a:r>
             <a:endParaRPr lang="pt-BR" sz="900" dirty="0">
               <a:solidFill>
@@ -19638,8 +16341,8 @@
         </p:nvSpPr>
         <p:spPr>
           <a:xfrm>
-            <a:off x="3172377" y="5818227"/>
-            <a:ext cx="2510579" cy="461665"/>
+            <a:off x="3172377" y="5759504"/>
+            <a:ext cx="2510579" cy="646331"/>
           </a:xfrm>
           <a:prstGeom prst="rect">
             <a:avLst/>
@@ -19654,144 +16357,14 @@
           <a:p>
             <a:pPr algn="ctr"/>
             <a:r>
-              <a:rPr lang="pt-BR" sz="1200" dirty="0" err="1">
+              <a:rPr lang="pt-BR" sz="1200" dirty="0">
                 <a:solidFill>
                   <a:schemeClr val="bg1"/>
                 </a:solidFill>
                 <a:latin typeface="Arial" panose="020B0604020202020204" pitchFamily="34" charset="0"/>
                 <a:cs typeface="Arial" panose="020B0604020202020204" pitchFamily="34" charset="0"/>
               </a:rPr>
-              <a:t>Lorem</a:t>
-            </a:r>
-            <a:r>
-              <a:rPr lang="pt-BR" sz="1200" dirty="0">
-                <a:solidFill>
-                  <a:schemeClr val="bg1"/>
-                </a:solidFill>
-                <a:latin typeface="Arial" panose="020B0604020202020204" pitchFamily="34" charset="0"/>
-                <a:cs typeface="Arial" panose="020B0604020202020204" pitchFamily="34" charset="0"/>
-              </a:rPr>
-              <a:t> ipsum </a:t>
-            </a:r>
-            <a:r>
-              <a:rPr lang="pt-BR" sz="1200" dirty="0" err="1">
-                <a:solidFill>
-                  <a:schemeClr val="bg1"/>
-                </a:solidFill>
-                <a:latin typeface="Arial" panose="020B0604020202020204" pitchFamily="34" charset="0"/>
-                <a:cs typeface="Arial" panose="020B0604020202020204" pitchFamily="34" charset="0"/>
-              </a:rPr>
-              <a:t>dolor</a:t>
-            </a:r>
-            <a:r>
-              <a:rPr lang="pt-BR" sz="1200" dirty="0">
-                <a:solidFill>
-                  <a:schemeClr val="bg1"/>
-                </a:solidFill>
-                <a:latin typeface="Arial" panose="020B0604020202020204" pitchFamily="34" charset="0"/>
-                <a:cs typeface="Arial" panose="020B0604020202020204" pitchFamily="34" charset="0"/>
-              </a:rPr>
-              <a:t> </a:t>
-            </a:r>
-            <a:r>
-              <a:rPr lang="pt-BR" sz="1200" dirty="0" err="1">
-                <a:solidFill>
-                  <a:schemeClr val="bg1"/>
-                </a:solidFill>
-                <a:latin typeface="Arial" panose="020B0604020202020204" pitchFamily="34" charset="0"/>
-                <a:cs typeface="Arial" panose="020B0604020202020204" pitchFamily="34" charset="0"/>
-              </a:rPr>
-              <a:t>sitamet</a:t>
-            </a:r>
-            <a:r>
-              <a:rPr lang="pt-BR" sz="1200" dirty="0">
-                <a:solidFill>
-                  <a:schemeClr val="bg1"/>
-                </a:solidFill>
-                <a:latin typeface="Arial" panose="020B0604020202020204" pitchFamily="34" charset="0"/>
-                <a:cs typeface="Arial" panose="020B0604020202020204" pitchFamily="34" charset="0"/>
-              </a:rPr>
-              <a:t>, </a:t>
-            </a:r>
-            <a:r>
-              <a:rPr lang="pt-BR" sz="1200" dirty="0" err="1">
-                <a:solidFill>
-                  <a:schemeClr val="bg1"/>
-                </a:solidFill>
-                <a:latin typeface="Arial" panose="020B0604020202020204" pitchFamily="34" charset="0"/>
-                <a:cs typeface="Arial" panose="020B0604020202020204" pitchFamily="34" charset="0"/>
-              </a:rPr>
-              <a:t>consectetur</a:t>
-            </a:r>
-            <a:r>
-              <a:rPr lang="pt-BR" sz="1200" dirty="0">
-                <a:solidFill>
-                  <a:schemeClr val="bg1"/>
-                </a:solidFill>
-                <a:latin typeface="Arial" panose="020B0604020202020204" pitchFamily="34" charset="0"/>
-                <a:cs typeface="Arial" panose="020B0604020202020204" pitchFamily="34" charset="0"/>
-              </a:rPr>
-              <a:t> </a:t>
-            </a:r>
-            <a:r>
-              <a:rPr lang="pt-BR" sz="1200" dirty="0" err="1">
-                <a:solidFill>
-                  <a:schemeClr val="bg1"/>
-                </a:solidFill>
-                <a:latin typeface="Arial" panose="020B0604020202020204" pitchFamily="34" charset="0"/>
-                <a:cs typeface="Arial" panose="020B0604020202020204" pitchFamily="34" charset="0"/>
-              </a:rPr>
-              <a:t>adipiscing</a:t>
-            </a:r>
-            <a:r>
-              <a:rPr lang="pt-BR" sz="1200" dirty="0">
-                <a:solidFill>
-                  <a:schemeClr val="bg1"/>
-                </a:solidFill>
-                <a:latin typeface="Arial" panose="020B0604020202020204" pitchFamily="34" charset="0"/>
-                <a:cs typeface="Arial" panose="020B0604020202020204" pitchFamily="34" charset="0"/>
-              </a:rPr>
-              <a:t> </a:t>
-            </a:r>
-            <a:r>
-              <a:rPr lang="pt-BR" sz="1200" dirty="0" err="1">
-                <a:solidFill>
-                  <a:schemeClr val="bg1"/>
-                </a:solidFill>
-                <a:latin typeface="Arial" panose="020B0604020202020204" pitchFamily="34" charset="0"/>
-                <a:cs typeface="Arial" panose="020B0604020202020204" pitchFamily="34" charset="0"/>
-              </a:rPr>
-              <a:t>elit</a:t>
-            </a:r>
-            <a:r>
-              <a:rPr lang="pt-BR" sz="1200" dirty="0">
-                <a:solidFill>
-                  <a:schemeClr val="bg1"/>
-                </a:solidFill>
-                <a:latin typeface="Arial" panose="020B0604020202020204" pitchFamily="34" charset="0"/>
-                <a:cs typeface="Arial" panose="020B0604020202020204" pitchFamily="34" charset="0"/>
-              </a:rPr>
-              <a:t>, </a:t>
-            </a:r>
-            <a:r>
-              <a:rPr lang="pt-BR" sz="1200" dirty="0" err="1">
-                <a:solidFill>
-                  <a:schemeClr val="bg1"/>
-                </a:solidFill>
-                <a:latin typeface="Arial" panose="020B0604020202020204" pitchFamily="34" charset="0"/>
-                <a:cs typeface="Arial" panose="020B0604020202020204" pitchFamily="34" charset="0"/>
-              </a:rPr>
-              <a:t>sed</a:t>
-            </a:r>
-            <a:r>
-              <a:rPr lang="pt-BR" sz="1200" dirty="0">
-                <a:solidFill>
-                  <a:schemeClr val="bg1"/>
-                </a:solidFill>
-                <a:latin typeface="Arial" panose="020B0604020202020204" pitchFamily="34" charset="0"/>
-                <a:cs typeface="Arial" panose="020B0604020202020204" pitchFamily="34" charset="0"/>
-              </a:rPr>
-              <a:t> do.</a:t>
+              <a:t>Não consegue ter um controle das sessões e recebidos dos pacientes</a:t>
             </a:r>
             <a:endParaRPr lang="pt-BR" sz="900" dirty="0">
               <a:solidFill>
@@ -19833,144 +16406,14 @@
           <a:p>
             <a:pPr algn="ctr"/>
             <a:r>
-              <a:rPr lang="pt-BR" sz="1200" dirty="0" err="1">
+              <a:rPr lang="pt-BR" sz="1200" dirty="0">
                 <a:solidFill>
                   <a:schemeClr val="bg1"/>
                 </a:solidFill>
                 <a:latin typeface="Arial" panose="020B0604020202020204" pitchFamily="34" charset="0"/>
                 <a:cs typeface="Arial" panose="020B0604020202020204" pitchFamily="34" charset="0"/>
               </a:rPr>
-              <a:t>Lorem</a:t>
-            </a:r>
-            <a:r>
-              <a:rPr lang="pt-BR" sz="1200" dirty="0">
-                <a:solidFill>
-                  <a:schemeClr val="bg1"/>
-                </a:solidFill>
-                <a:latin typeface="Arial" panose="020B0604020202020204" pitchFamily="34" charset="0"/>
-                <a:cs typeface="Arial" panose="020B0604020202020204" pitchFamily="34" charset="0"/>
-              </a:rPr>
-              <a:t> ipsum </a:t>
-            </a:r>
-            <a:r>
-              <a:rPr lang="pt-BR" sz="1200" dirty="0" err="1">
-                <a:solidFill>
-                  <a:schemeClr val="bg1"/>
-                </a:solidFill>
-                <a:latin typeface="Arial" panose="020B0604020202020204" pitchFamily="34" charset="0"/>
-                <a:cs typeface="Arial" panose="020B0604020202020204" pitchFamily="34" charset="0"/>
-              </a:rPr>
-              <a:t>dolor</a:t>
-            </a:r>
-            <a:r>
-              <a:rPr lang="pt-BR" sz="1200" dirty="0">
-                <a:solidFill>
-                  <a:schemeClr val="bg1"/>
-                </a:solidFill>
-                <a:latin typeface="Arial" panose="020B0604020202020204" pitchFamily="34" charset="0"/>
-                <a:cs typeface="Arial" panose="020B0604020202020204" pitchFamily="34" charset="0"/>
-              </a:rPr>
-              <a:t> </a:t>
-            </a:r>
-            <a:r>
-              <a:rPr lang="pt-BR" sz="1200" dirty="0" err="1">
-                <a:solidFill>
-                  <a:schemeClr val="bg1"/>
-                </a:solidFill>
-                <a:latin typeface="Arial" panose="020B0604020202020204" pitchFamily="34" charset="0"/>
-                <a:cs typeface="Arial" panose="020B0604020202020204" pitchFamily="34" charset="0"/>
-              </a:rPr>
-              <a:t>sitamet</a:t>
-            </a:r>
-            <a:r>
-              <a:rPr lang="pt-BR" sz="1200" dirty="0">
-                <a:solidFill>
-                  <a:schemeClr val="bg1"/>
-                </a:solidFill>
-                <a:latin typeface="Arial" panose="020B0604020202020204" pitchFamily="34" charset="0"/>
-                <a:cs typeface="Arial" panose="020B0604020202020204" pitchFamily="34" charset="0"/>
-              </a:rPr>
-              <a:t>, </a:t>
-            </a:r>
-            <a:r>
-              <a:rPr lang="pt-BR" sz="1200" dirty="0" err="1">
-                <a:solidFill>
-                  <a:schemeClr val="bg1"/>
-                </a:solidFill>
-                <a:latin typeface="Arial" panose="020B0604020202020204" pitchFamily="34" charset="0"/>
-                <a:cs typeface="Arial" panose="020B0604020202020204" pitchFamily="34" charset="0"/>
-              </a:rPr>
-              <a:t>consectetur</a:t>
-            </a:r>
-            <a:r>
-              <a:rPr lang="pt-BR" sz="1200" dirty="0">
-                <a:solidFill>
-                  <a:schemeClr val="bg1"/>
-                </a:solidFill>
-                <a:latin typeface="Arial" panose="020B0604020202020204" pitchFamily="34" charset="0"/>
-                <a:cs typeface="Arial" panose="020B0604020202020204" pitchFamily="34" charset="0"/>
-              </a:rPr>
-              <a:t> </a:t>
-            </a:r>
-            <a:r>
-              <a:rPr lang="pt-BR" sz="1200" dirty="0" err="1">
-                <a:solidFill>
-                  <a:schemeClr val="bg1"/>
-                </a:solidFill>
-                <a:latin typeface="Arial" panose="020B0604020202020204" pitchFamily="34" charset="0"/>
-                <a:cs typeface="Arial" panose="020B0604020202020204" pitchFamily="34" charset="0"/>
-              </a:rPr>
-              <a:t>adipiscing</a:t>
-            </a:r>
-            <a:r>
-              <a:rPr lang="pt-BR" sz="1200" dirty="0">
-                <a:solidFill>
-                  <a:schemeClr val="bg1"/>
-                </a:solidFill>
-                <a:latin typeface="Arial" panose="020B0604020202020204" pitchFamily="34" charset="0"/>
-                <a:cs typeface="Arial" panose="020B0604020202020204" pitchFamily="34" charset="0"/>
-              </a:rPr>
-              <a:t> </a:t>
-            </a:r>
-            <a:r>
-              <a:rPr lang="pt-BR" sz="1200" dirty="0" err="1">
-                <a:solidFill>
-                  <a:schemeClr val="bg1"/>
-                </a:solidFill>
-                <a:latin typeface="Arial" panose="020B0604020202020204" pitchFamily="34" charset="0"/>
-                <a:cs typeface="Arial" panose="020B0604020202020204" pitchFamily="34" charset="0"/>
-              </a:rPr>
-              <a:t>elit</a:t>
-            </a:r>
-            <a:r>
-              <a:rPr lang="pt-BR" sz="1200" dirty="0">
-                <a:solidFill>
-                  <a:schemeClr val="bg1"/>
-                </a:solidFill>
-                <a:latin typeface="Arial" panose="020B0604020202020204" pitchFamily="34" charset="0"/>
-                <a:cs typeface="Arial" panose="020B0604020202020204" pitchFamily="34" charset="0"/>
-              </a:rPr>
-              <a:t>, </a:t>
-            </a:r>
-            <a:r>
-              <a:rPr lang="pt-BR" sz="1200" dirty="0" err="1">
-                <a:solidFill>
-                  <a:schemeClr val="bg1"/>
-                </a:solidFill>
-                <a:latin typeface="Arial" panose="020B0604020202020204" pitchFamily="34" charset="0"/>
-                <a:cs typeface="Arial" panose="020B0604020202020204" pitchFamily="34" charset="0"/>
-              </a:rPr>
-              <a:t>sed</a:t>
-            </a:r>
-            <a:r>
-              <a:rPr lang="pt-BR" sz="1200" dirty="0">
-                <a:solidFill>
-                  <a:schemeClr val="bg1"/>
-                </a:solidFill>
-                <a:latin typeface="Arial" panose="020B0604020202020204" pitchFamily="34" charset="0"/>
-                <a:cs typeface="Arial" panose="020B0604020202020204" pitchFamily="34" charset="0"/>
-              </a:rPr>
-              <a:t> do.</a:t>
+              <a:t>Sistema unificado para gerenciar todas as informações</a:t>
             </a:r>
             <a:endParaRPr lang="pt-BR" sz="900" dirty="0">
               <a:solidFill>
@@ -20739,7 +17182,7 @@
         <p:spPr>
           <a:xfrm>
             <a:off x="4048508" y="2158196"/>
-            <a:ext cx="1746941" cy="646331"/>
+            <a:ext cx="1746941" cy="830997"/>
           </a:xfrm>
           <a:prstGeom prst="rect">
             <a:avLst/>
@@ -20753,144 +17196,14 @@
           <a:lstStyle/>
           <a:p>
             <a:r>
-              <a:rPr lang="pt-BR" sz="1200" dirty="0" err="1">
+              <a:rPr lang="pt-BR" sz="1200" dirty="0">
                 <a:solidFill>
                   <a:schemeClr val="bg1"/>
                 </a:solidFill>
                 <a:latin typeface="Arial" panose="020B0604020202020204" pitchFamily="34" charset="0"/>
                 <a:cs typeface="Arial" panose="020B0604020202020204" pitchFamily="34" charset="0"/>
               </a:rPr>
-              <a:t>Lorem</a:t>
-            </a:r>
-            <a:r>
-              <a:rPr lang="pt-BR" sz="1200" dirty="0">
-                <a:solidFill>
-                  <a:schemeClr val="bg1"/>
-                </a:solidFill>
-                <a:latin typeface="Arial" panose="020B0604020202020204" pitchFamily="34" charset="0"/>
-                <a:cs typeface="Arial" panose="020B0604020202020204" pitchFamily="34" charset="0"/>
-              </a:rPr>
-              <a:t> ipsum </a:t>
-            </a:r>
-            <a:r>
-              <a:rPr lang="pt-BR" sz="1200" dirty="0" err="1">
-                <a:solidFill>
-                  <a:schemeClr val="bg1"/>
-                </a:solidFill>
-                <a:latin typeface="Arial" panose="020B0604020202020204" pitchFamily="34" charset="0"/>
-                <a:cs typeface="Arial" panose="020B0604020202020204" pitchFamily="34" charset="0"/>
-              </a:rPr>
-              <a:t>dolor</a:t>
-            </a:r>
-            <a:r>
-              <a:rPr lang="pt-BR" sz="1200" dirty="0">
-                <a:solidFill>
-                  <a:schemeClr val="bg1"/>
-                </a:solidFill>
-                <a:latin typeface="Arial" panose="020B0604020202020204" pitchFamily="34" charset="0"/>
-                <a:cs typeface="Arial" panose="020B0604020202020204" pitchFamily="34" charset="0"/>
-              </a:rPr>
-              <a:t> </a:t>
-            </a:r>
-            <a:r>
-              <a:rPr lang="pt-BR" sz="1200" dirty="0" err="1">
-                <a:solidFill>
-                  <a:schemeClr val="bg1"/>
-                </a:solidFill>
-                <a:latin typeface="Arial" panose="020B0604020202020204" pitchFamily="34" charset="0"/>
-                <a:cs typeface="Arial" panose="020B0604020202020204" pitchFamily="34" charset="0"/>
-              </a:rPr>
-              <a:t>sitamet</a:t>
-            </a:r>
-            <a:r>
-              <a:rPr lang="pt-BR" sz="1200" dirty="0">
-                <a:solidFill>
-                  <a:schemeClr val="bg1"/>
-                </a:solidFill>
-                <a:latin typeface="Arial" panose="020B0604020202020204" pitchFamily="34" charset="0"/>
-                <a:cs typeface="Arial" panose="020B0604020202020204" pitchFamily="34" charset="0"/>
-              </a:rPr>
-              <a:t>, </a:t>
-            </a:r>
-            <a:r>
-              <a:rPr lang="pt-BR" sz="1200" dirty="0" err="1">
-                <a:solidFill>
-                  <a:schemeClr val="bg1"/>
-                </a:solidFill>
-                <a:latin typeface="Arial" panose="020B0604020202020204" pitchFamily="34" charset="0"/>
-                <a:cs typeface="Arial" panose="020B0604020202020204" pitchFamily="34" charset="0"/>
-              </a:rPr>
-              <a:t>consectetur</a:t>
-            </a:r>
-            <a:r>
-              <a:rPr lang="pt-BR" sz="1200" dirty="0">
-                <a:solidFill>
-                  <a:schemeClr val="bg1"/>
-                </a:solidFill>
-                <a:latin typeface="Arial" panose="020B0604020202020204" pitchFamily="34" charset="0"/>
-                <a:cs typeface="Arial" panose="020B0604020202020204" pitchFamily="34" charset="0"/>
-              </a:rPr>
-              <a:t> </a:t>
-            </a:r>
-            <a:r>
-              <a:rPr lang="pt-BR" sz="1200" dirty="0" err="1">
-                <a:solidFill>
-                  <a:schemeClr val="bg1"/>
-                </a:solidFill>
-                <a:latin typeface="Arial" panose="020B0604020202020204" pitchFamily="34" charset="0"/>
-                <a:cs typeface="Arial" panose="020B0604020202020204" pitchFamily="34" charset="0"/>
-              </a:rPr>
-              <a:t>adipiscing</a:t>
-            </a:r>
-            <a:r>
-              <a:rPr lang="pt-BR" sz="1200" dirty="0">
-                <a:solidFill>
-                  <a:schemeClr val="bg1"/>
-                </a:solidFill>
-                <a:latin typeface="Arial" panose="020B0604020202020204" pitchFamily="34" charset="0"/>
-                <a:cs typeface="Arial" panose="020B0604020202020204" pitchFamily="34" charset="0"/>
-              </a:rPr>
-              <a:t> </a:t>
-            </a:r>
-            <a:r>
-              <a:rPr lang="pt-BR" sz="1200" dirty="0" err="1">
-                <a:solidFill>
-                  <a:schemeClr val="bg1"/>
-                </a:solidFill>
-                <a:latin typeface="Arial" panose="020B0604020202020204" pitchFamily="34" charset="0"/>
-                <a:cs typeface="Arial" panose="020B0604020202020204" pitchFamily="34" charset="0"/>
-              </a:rPr>
-              <a:t>elit</a:t>
-            </a:r>
-            <a:r>
-              <a:rPr lang="pt-BR" sz="1200" dirty="0">
-                <a:solidFill>
-                  <a:schemeClr val="bg1"/>
-                </a:solidFill>
-                <a:latin typeface="Arial" panose="020B0604020202020204" pitchFamily="34" charset="0"/>
-                <a:cs typeface="Arial" panose="020B0604020202020204" pitchFamily="34" charset="0"/>
-              </a:rPr>
-              <a:t>, </a:t>
-            </a:r>
-            <a:r>
-              <a:rPr lang="pt-BR" sz="1200" dirty="0" err="1">
-                <a:solidFill>
-                  <a:schemeClr val="bg1"/>
-                </a:solidFill>
-                <a:latin typeface="Arial" panose="020B0604020202020204" pitchFamily="34" charset="0"/>
-                <a:cs typeface="Arial" panose="020B0604020202020204" pitchFamily="34" charset="0"/>
-              </a:rPr>
-              <a:t>sed</a:t>
-            </a:r>
-            <a:r>
-              <a:rPr lang="pt-BR" sz="1200" dirty="0">
-                <a:solidFill>
-                  <a:schemeClr val="bg1"/>
-                </a:solidFill>
-                <a:latin typeface="Arial" panose="020B0604020202020204" pitchFamily="34" charset="0"/>
-                <a:cs typeface="Arial" panose="020B0604020202020204" pitchFamily="34" charset="0"/>
-              </a:rPr>
-              <a:t> do.</a:t>
+              <a:t>Melhor controle das informações das sessões pelo psicólogo.</a:t>
             </a:r>
             <a:endParaRPr lang="pt-BR" sz="900" dirty="0">
               <a:solidFill>
@@ -20931,144 +17244,14 @@
           <a:lstStyle/>
           <a:p>
             <a:r>
-              <a:rPr lang="pt-BR" sz="1200" dirty="0" err="1">
+              <a:rPr lang="pt-BR" sz="1200" dirty="0">
                 <a:solidFill>
                   <a:schemeClr val="bg1"/>
                 </a:solidFill>
                 <a:latin typeface="Arial" panose="020B0604020202020204" pitchFamily="34" charset="0"/>
                 <a:cs typeface="Arial" panose="020B0604020202020204" pitchFamily="34" charset="0"/>
               </a:rPr>
-              <a:t>Lorem</a:t>
-            </a:r>
-            <a:r>
-              <a:rPr lang="pt-BR" sz="1200" dirty="0">
-                <a:solidFill>
-                  <a:schemeClr val="bg1"/>
-                </a:solidFill>
-                <a:latin typeface="Arial" panose="020B0604020202020204" pitchFamily="34" charset="0"/>
-                <a:cs typeface="Arial" panose="020B0604020202020204" pitchFamily="34" charset="0"/>
-              </a:rPr>
-              <a:t> ipsum </a:t>
-            </a:r>
-            <a:r>
-              <a:rPr lang="pt-BR" sz="1200" dirty="0" err="1">
-                <a:solidFill>
-                  <a:schemeClr val="bg1"/>
-                </a:solidFill>
-                <a:latin typeface="Arial" panose="020B0604020202020204" pitchFamily="34" charset="0"/>
-                <a:cs typeface="Arial" panose="020B0604020202020204" pitchFamily="34" charset="0"/>
-              </a:rPr>
-              <a:t>dolor</a:t>
-            </a:r>
-            <a:r>
-              <a:rPr lang="pt-BR" sz="1200" dirty="0">
-                <a:solidFill>
-                  <a:schemeClr val="bg1"/>
-                </a:solidFill>
-                <a:latin typeface="Arial" panose="020B0604020202020204" pitchFamily="34" charset="0"/>
-                <a:cs typeface="Arial" panose="020B0604020202020204" pitchFamily="34" charset="0"/>
-              </a:rPr>
-              <a:t> </a:t>
-            </a:r>
-            <a:r>
-              <a:rPr lang="pt-BR" sz="1200" dirty="0" err="1">
-                <a:solidFill>
-                  <a:schemeClr val="bg1"/>
-                </a:solidFill>
-                <a:latin typeface="Arial" panose="020B0604020202020204" pitchFamily="34" charset="0"/>
-                <a:cs typeface="Arial" panose="020B0604020202020204" pitchFamily="34" charset="0"/>
-              </a:rPr>
-              <a:t>sitamet</a:t>
-            </a:r>
-            <a:r>
-              <a:rPr lang="pt-BR" sz="1200" dirty="0">
-                <a:solidFill>
-                  <a:schemeClr val="bg1"/>
-                </a:solidFill>
-                <a:latin typeface="Arial" panose="020B0604020202020204" pitchFamily="34" charset="0"/>
-                <a:cs typeface="Arial" panose="020B0604020202020204" pitchFamily="34" charset="0"/>
-              </a:rPr>
-              <a:t>, </a:t>
-            </a:r>
-            <a:r>
-              <a:rPr lang="pt-BR" sz="1200" dirty="0" err="1">
-                <a:solidFill>
-                  <a:schemeClr val="bg1"/>
-                </a:solidFill>
-                <a:latin typeface="Arial" panose="020B0604020202020204" pitchFamily="34" charset="0"/>
-                <a:cs typeface="Arial" panose="020B0604020202020204" pitchFamily="34" charset="0"/>
-              </a:rPr>
-              <a:t>consectetur</a:t>
-            </a:r>
-            <a:r>
-              <a:rPr lang="pt-BR" sz="1200" dirty="0">
-                <a:solidFill>
-                  <a:schemeClr val="bg1"/>
-                </a:solidFill>
-                <a:latin typeface="Arial" panose="020B0604020202020204" pitchFamily="34" charset="0"/>
-                <a:cs typeface="Arial" panose="020B0604020202020204" pitchFamily="34" charset="0"/>
-              </a:rPr>
-              <a:t> </a:t>
-            </a:r>
-            <a:r>
-              <a:rPr lang="pt-BR" sz="1200" dirty="0" err="1">
-                <a:solidFill>
-                  <a:schemeClr val="bg1"/>
-                </a:solidFill>
-                <a:latin typeface="Arial" panose="020B0604020202020204" pitchFamily="34" charset="0"/>
-                <a:cs typeface="Arial" panose="020B0604020202020204" pitchFamily="34" charset="0"/>
-              </a:rPr>
-              <a:t>adipiscing</a:t>
-            </a:r>
-            <a:r>
-              <a:rPr lang="pt-BR" sz="1200" dirty="0">
-                <a:solidFill>
-                  <a:schemeClr val="bg1"/>
-                </a:solidFill>
-                <a:latin typeface="Arial" panose="020B0604020202020204" pitchFamily="34" charset="0"/>
-                <a:cs typeface="Arial" panose="020B0604020202020204" pitchFamily="34" charset="0"/>
-              </a:rPr>
-              <a:t> </a:t>
-            </a:r>
-            <a:r>
-              <a:rPr lang="pt-BR" sz="1200" dirty="0" err="1">
-                <a:solidFill>
-                  <a:schemeClr val="bg1"/>
-                </a:solidFill>
-                <a:latin typeface="Arial" panose="020B0604020202020204" pitchFamily="34" charset="0"/>
-                <a:cs typeface="Arial" panose="020B0604020202020204" pitchFamily="34" charset="0"/>
-              </a:rPr>
-              <a:t>elit</a:t>
-            </a:r>
-            <a:r>
-              <a:rPr lang="pt-BR" sz="1200" dirty="0">
-                <a:solidFill>
-                  <a:schemeClr val="bg1"/>
-                </a:solidFill>
-                <a:latin typeface="Arial" panose="020B0604020202020204" pitchFamily="34" charset="0"/>
-                <a:cs typeface="Arial" panose="020B0604020202020204" pitchFamily="34" charset="0"/>
-              </a:rPr>
-              <a:t>, </a:t>
-            </a:r>
-            <a:r>
-              <a:rPr lang="pt-BR" sz="1200" dirty="0" err="1">
-                <a:solidFill>
-                  <a:schemeClr val="bg1"/>
-                </a:solidFill>
-                <a:latin typeface="Arial" panose="020B0604020202020204" pitchFamily="34" charset="0"/>
-                <a:cs typeface="Arial" panose="020B0604020202020204" pitchFamily="34" charset="0"/>
-              </a:rPr>
-              <a:t>sed</a:t>
-            </a:r>
-            <a:r>
-              <a:rPr lang="pt-BR" sz="1200" dirty="0">
-                <a:solidFill>
-                  <a:schemeClr val="bg1"/>
-                </a:solidFill>
-                <a:latin typeface="Arial" panose="020B0604020202020204" pitchFamily="34" charset="0"/>
-                <a:cs typeface="Arial" panose="020B0604020202020204" pitchFamily="34" charset="0"/>
-              </a:rPr>
-              <a:t> do.</a:t>
+              <a:t>Unificação das informações para o psicólogo</a:t>
             </a:r>
             <a:endParaRPr lang="pt-BR" sz="900" dirty="0">
               <a:solidFill>
@@ -21095,7 +17278,7 @@
         <p:spPr>
           <a:xfrm>
             <a:off x="1574836" y="3826619"/>
-            <a:ext cx="1419926" cy="1015663"/>
+            <a:ext cx="1419926" cy="646331"/>
           </a:xfrm>
           <a:prstGeom prst="rect">
             <a:avLst/>
@@ -21116,7 +17299,7 @@
                 <a:latin typeface="Arial" panose="020B0604020202020204" pitchFamily="34" charset="0"/>
                 <a:cs typeface="Arial" panose="020B0604020202020204" pitchFamily="34" charset="0"/>
               </a:rPr>
-              <a:t>Lorem</a:t>
+              <a:t>Webapp</a:t>
             </a:r>
             <a:r>
               <a:rPr lang="pt-BR" sz="1200" dirty="0">
@@ -21126,127 +17309,7 @@
                 <a:latin typeface="Arial" panose="020B0604020202020204" pitchFamily="34" charset="0"/>
                 <a:cs typeface="Arial" panose="020B0604020202020204" pitchFamily="34" charset="0"/>
               </a:rPr>
-              <a:t> ipsum </a:t>
-            </a:r>
-            <a:r>
-              <a:rPr lang="pt-BR" sz="1200" dirty="0" err="1">
-                <a:solidFill>
-                  <a:schemeClr val="bg1"/>
-                </a:solidFill>
-                <a:latin typeface="Arial" panose="020B0604020202020204" pitchFamily="34" charset="0"/>
-                <a:cs typeface="Arial" panose="020B0604020202020204" pitchFamily="34" charset="0"/>
-              </a:rPr>
-              <a:t>dolor</a:t>
-            </a:r>
-            <a:r>
-              <a:rPr lang="pt-BR" sz="1200" dirty="0">
-                <a:solidFill>
-                  <a:schemeClr val="bg1"/>
-                </a:solidFill>
-                <a:latin typeface="Arial" panose="020B0604020202020204" pitchFamily="34" charset="0"/>
-                <a:cs typeface="Arial" panose="020B0604020202020204" pitchFamily="34" charset="0"/>
-              </a:rPr>
-              <a:t> </a:t>
-            </a:r>
-            <a:r>
-              <a:rPr lang="pt-BR" sz="1200" dirty="0" err="1">
-                <a:solidFill>
-                  <a:schemeClr val="bg1"/>
-                </a:solidFill>
-                <a:latin typeface="Arial" panose="020B0604020202020204" pitchFamily="34" charset="0"/>
-                <a:cs typeface="Arial" panose="020B0604020202020204" pitchFamily="34" charset="0"/>
-              </a:rPr>
-              <a:t>sitamet</a:t>
-            </a:r>
-            <a:r>
-              <a:rPr lang="pt-BR" sz="1200" dirty="0">
-                <a:solidFill>
-                  <a:schemeClr val="bg1"/>
-                </a:solidFill>
-                <a:latin typeface="Arial" panose="020B0604020202020204" pitchFamily="34" charset="0"/>
-                <a:cs typeface="Arial" panose="020B0604020202020204" pitchFamily="34" charset="0"/>
-              </a:rPr>
-              <a:t>, </a:t>
-            </a:r>
-            <a:r>
-              <a:rPr lang="pt-BR" sz="1200" dirty="0" err="1">
-                <a:solidFill>
-                  <a:schemeClr val="bg1"/>
-                </a:solidFill>
-                <a:latin typeface="Arial" panose="020B0604020202020204" pitchFamily="34" charset="0"/>
-                <a:cs typeface="Arial" panose="020B0604020202020204" pitchFamily="34" charset="0"/>
-              </a:rPr>
-              <a:t>consectetur</a:t>
-            </a:r>
-            <a:r>
-              <a:rPr lang="pt-BR" sz="1200" dirty="0">
-                <a:solidFill>
-                  <a:schemeClr val="bg1"/>
-                </a:solidFill>
-                <a:latin typeface="Arial" panose="020B0604020202020204" pitchFamily="34" charset="0"/>
-                <a:cs typeface="Arial" panose="020B0604020202020204" pitchFamily="34" charset="0"/>
-              </a:rPr>
-              <a:t> </a:t>
-            </a:r>
-            <a:r>
-              <a:rPr lang="pt-BR" sz="1200" dirty="0" err="1">
-                <a:solidFill>
-                  <a:schemeClr val="bg1"/>
-                </a:solidFill>
-                <a:latin typeface="Arial" panose="020B0604020202020204" pitchFamily="34" charset="0"/>
-                <a:cs typeface="Arial" panose="020B0604020202020204" pitchFamily="34" charset="0"/>
-              </a:rPr>
-              <a:t>adipiscing</a:t>
-            </a:r>
-            <a:r>
-              <a:rPr lang="pt-BR" sz="1200" dirty="0">
-                <a:solidFill>
-                  <a:schemeClr val="bg1"/>
-                </a:solidFill>
-                <a:latin typeface="Arial" panose="020B0604020202020204" pitchFamily="34" charset="0"/>
-                <a:cs typeface="Arial" panose="020B0604020202020204" pitchFamily="34" charset="0"/>
-              </a:rPr>
-              <a:t> </a:t>
-            </a:r>
-            <a:r>
-              <a:rPr lang="pt-BR" sz="1200" dirty="0" err="1">
-                <a:solidFill>
-                  <a:schemeClr val="bg1"/>
-                </a:solidFill>
-                <a:latin typeface="Arial" panose="020B0604020202020204" pitchFamily="34" charset="0"/>
-                <a:cs typeface="Arial" panose="020B0604020202020204" pitchFamily="34" charset="0"/>
-              </a:rPr>
-              <a:t>elit</a:t>
-            </a:r>
-            <a:r>
-              <a:rPr lang="pt-BR" sz="1200" dirty="0">
-                <a:solidFill>
-                  <a:schemeClr val="bg1"/>
-                </a:solidFill>
-                <a:latin typeface="Arial" panose="020B0604020202020204" pitchFamily="34" charset="0"/>
-                <a:cs typeface="Arial" panose="020B0604020202020204" pitchFamily="34" charset="0"/>
-              </a:rPr>
-              <a:t>, </a:t>
-            </a:r>
-            <a:r>
-              <a:rPr lang="pt-BR" sz="1200" dirty="0" err="1">
-                <a:solidFill>
-                  <a:schemeClr val="bg1"/>
-                </a:solidFill>
-                <a:latin typeface="Arial" panose="020B0604020202020204" pitchFamily="34" charset="0"/>
-                <a:cs typeface="Arial" panose="020B0604020202020204" pitchFamily="34" charset="0"/>
-              </a:rPr>
-              <a:t>sed</a:t>
-            </a:r>
-            <a:r>
-              <a:rPr lang="pt-BR" sz="1200" dirty="0">
-                <a:solidFill>
-                  <a:schemeClr val="bg1"/>
-                </a:solidFill>
-                <a:latin typeface="Arial" panose="020B0604020202020204" pitchFamily="34" charset="0"/>
-                <a:cs typeface="Arial" panose="020B0604020202020204" pitchFamily="34" charset="0"/>
-              </a:rPr>
-              <a:t> do.</a:t>
+              <a:t> para gerenciamento de psicólogos.</a:t>
             </a:r>
             <a:endParaRPr lang="pt-BR" sz="900" dirty="0">
               <a:solidFill>
@@ -21273,7 +17336,7 @@
         <p:spPr>
           <a:xfrm>
             <a:off x="7540197" y="2575835"/>
-            <a:ext cx="1816798" cy="646331"/>
+            <a:ext cx="1816798" cy="461665"/>
           </a:xfrm>
           <a:prstGeom prst="rect">
             <a:avLst/>
@@ -21287,144 +17350,14 @@
           <a:lstStyle/>
           <a:p>
             <a:r>
-              <a:rPr lang="pt-BR" sz="1200" dirty="0" err="1">
+              <a:rPr lang="pt-BR" sz="1200" dirty="0">
                 <a:solidFill>
                   <a:schemeClr val="bg1"/>
                 </a:solidFill>
                 <a:latin typeface="Arial" panose="020B0604020202020204" pitchFamily="34" charset="0"/>
                 <a:cs typeface="Arial" panose="020B0604020202020204" pitchFamily="34" charset="0"/>
               </a:rPr>
-              <a:t>Lorem</a:t>
-            </a:r>
-            <a:r>
-              <a:rPr lang="pt-BR" sz="1200" dirty="0">
-                <a:solidFill>
-                  <a:schemeClr val="bg1"/>
-                </a:solidFill>
-                <a:latin typeface="Arial" panose="020B0604020202020204" pitchFamily="34" charset="0"/>
-                <a:cs typeface="Arial" panose="020B0604020202020204" pitchFamily="34" charset="0"/>
-              </a:rPr>
-              <a:t> ipsum </a:t>
-            </a:r>
-            <a:r>
-              <a:rPr lang="pt-BR" sz="1200" dirty="0" err="1">
-                <a:solidFill>
-                  <a:schemeClr val="bg1"/>
-                </a:solidFill>
-                <a:latin typeface="Arial" panose="020B0604020202020204" pitchFamily="34" charset="0"/>
-                <a:cs typeface="Arial" panose="020B0604020202020204" pitchFamily="34" charset="0"/>
-              </a:rPr>
-              <a:t>dolor</a:t>
-            </a:r>
-            <a:r>
-              <a:rPr lang="pt-BR" sz="1200" dirty="0">
-                <a:solidFill>
-                  <a:schemeClr val="bg1"/>
-                </a:solidFill>
-                <a:latin typeface="Arial" panose="020B0604020202020204" pitchFamily="34" charset="0"/>
-                <a:cs typeface="Arial" panose="020B0604020202020204" pitchFamily="34" charset="0"/>
-              </a:rPr>
-              <a:t> </a:t>
-            </a:r>
-            <a:r>
-              <a:rPr lang="pt-BR" sz="1200" dirty="0" err="1">
-                <a:solidFill>
-                  <a:schemeClr val="bg1"/>
-                </a:solidFill>
-                <a:latin typeface="Arial" panose="020B0604020202020204" pitchFamily="34" charset="0"/>
-                <a:cs typeface="Arial" panose="020B0604020202020204" pitchFamily="34" charset="0"/>
-              </a:rPr>
-              <a:t>sitamet</a:t>
-            </a:r>
-            <a:r>
-              <a:rPr lang="pt-BR" sz="1200" dirty="0">
-                <a:solidFill>
-                  <a:schemeClr val="bg1"/>
-                </a:solidFill>
-                <a:latin typeface="Arial" panose="020B0604020202020204" pitchFamily="34" charset="0"/>
-                <a:cs typeface="Arial" panose="020B0604020202020204" pitchFamily="34" charset="0"/>
-              </a:rPr>
-              <a:t>, </a:t>
-            </a:r>
-            <a:r>
-              <a:rPr lang="pt-BR" sz="1200" dirty="0" err="1">
-                <a:solidFill>
-                  <a:schemeClr val="bg1"/>
-                </a:solidFill>
-                <a:latin typeface="Arial" panose="020B0604020202020204" pitchFamily="34" charset="0"/>
-                <a:cs typeface="Arial" panose="020B0604020202020204" pitchFamily="34" charset="0"/>
-              </a:rPr>
-              <a:t>consectetur</a:t>
-            </a:r>
-            <a:r>
-              <a:rPr lang="pt-BR" sz="1200" dirty="0">
-                <a:solidFill>
-                  <a:schemeClr val="bg1"/>
-                </a:solidFill>
-                <a:latin typeface="Arial" panose="020B0604020202020204" pitchFamily="34" charset="0"/>
-                <a:cs typeface="Arial" panose="020B0604020202020204" pitchFamily="34" charset="0"/>
-              </a:rPr>
-              <a:t> </a:t>
-            </a:r>
-            <a:r>
-              <a:rPr lang="pt-BR" sz="1200" dirty="0" err="1">
-                <a:solidFill>
-                  <a:schemeClr val="bg1"/>
-                </a:solidFill>
-                <a:latin typeface="Arial" panose="020B0604020202020204" pitchFamily="34" charset="0"/>
-                <a:cs typeface="Arial" panose="020B0604020202020204" pitchFamily="34" charset="0"/>
-              </a:rPr>
-              <a:t>adipiscing</a:t>
-            </a:r>
-            <a:r>
-              <a:rPr lang="pt-BR" sz="1200" dirty="0">
-                <a:solidFill>
-                  <a:schemeClr val="bg1"/>
-                </a:solidFill>
-                <a:latin typeface="Arial" panose="020B0604020202020204" pitchFamily="34" charset="0"/>
-                <a:cs typeface="Arial" panose="020B0604020202020204" pitchFamily="34" charset="0"/>
-              </a:rPr>
-              <a:t> </a:t>
-            </a:r>
-            <a:r>
-              <a:rPr lang="pt-BR" sz="1200" dirty="0" err="1">
-                <a:solidFill>
-                  <a:schemeClr val="bg1"/>
-                </a:solidFill>
-                <a:latin typeface="Arial" panose="020B0604020202020204" pitchFamily="34" charset="0"/>
-                <a:cs typeface="Arial" panose="020B0604020202020204" pitchFamily="34" charset="0"/>
-              </a:rPr>
-              <a:t>elit</a:t>
-            </a:r>
-            <a:r>
-              <a:rPr lang="pt-BR" sz="1200" dirty="0">
-                <a:solidFill>
-                  <a:schemeClr val="bg1"/>
-                </a:solidFill>
-                <a:latin typeface="Arial" panose="020B0604020202020204" pitchFamily="34" charset="0"/>
-                <a:cs typeface="Arial" panose="020B0604020202020204" pitchFamily="34" charset="0"/>
-              </a:rPr>
-              <a:t>, </a:t>
-            </a:r>
-            <a:r>
-              <a:rPr lang="pt-BR" sz="1200" dirty="0" err="1">
-                <a:solidFill>
-                  <a:schemeClr val="bg1"/>
-                </a:solidFill>
-                <a:latin typeface="Arial" panose="020B0604020202020204" pitchFamily="34" charset="0"/>
-                <a:cs typeface="Arial" panose="020B0604020202020204" pitchFamily="34" charset="0"/>
-              </a:rPr>
-              <a:t>sed</a:t>
-            </a:r>
-            <a:r>
-              <a:rPr lang="pt-BR" sz="1200" dirty="0">
-                <a:solidFill>
-                  <a:schemeClr val="bg1"/>
-                </a:solidFill>
-                <a:latin typeface="Arial" panose="020B0604020202020204" pitchFamily="34" charset="0"/>
-                <a:cs typeface="Arial" panose="020B0604020202020204" pitchFamily="34" charset="0"/>
-              </a:rPr>
-              <a:t> do.</a:t>
+              <a:t>Mas informações detalhadas das sessões</a:t>
             </a:r>
             <a:endParaRPr lang="pt-BR" sz="900" dirty="0">
               <a:solidFill>
@@ -21451,7 +17384,7 @@
         <p:spPr>
           <a:xfrm>
             <a:off x="7587554" y="4651640"/>
-            <a:ext cx="1816798" cy="646331"/>
+            <a:ext cx="1816798" cy="830997"/>
           </a:xfrm>
           <a:prstGeom prst="rect">
             <a:avLst/>
@@ -21464,145 +17397,19 @@
           </a:bodyPr>
           <a:lstStyle/>
           <a:p>
-            <a:r>
-              <a:rPr lang="pt-BR" sz="1200" dirty="0" err="1">
+            <a:pPr marL="171450" indent="-171450">
+              <a:buFont typeface="Arial" panose="020B0604020202020204" pitchFamily="34" charset="0"/>
+              <a:buChar char="•"/>
+            </a:pPr>
+            <a:r>
+              <a:rPr lang="pt-BR" sz="1200" dirty="0">
                 <a:solidFill>
                   <a:schemeClr val="bg1"/>
                 </a:solidFill>
                 <a:latin typeface="Arial" panose="020B0604020202020204" pitchFamily="34" charset="0"/>
                 <a:cs typeface="Arial" panose="020B0604020202020204" pitchFamily="34" charset="0"/>
               </a:rPr>
-              <a:t>Lorem</a:t>
-            </a:r>
-            <a:r>
-              <a:rPr lang="pt-BR" sz="1200" dirty="0">
-                <a:solidFill>
-                  <a:schemeClr val="bg1"/>
-                </a:solidFill>
-                <a:latin typeface="Arial" panose="020B0604020202020204" pitchFamily="34" charset="0"/>
-                <a:cs typeface="Arial" panose="020B0604020202020204" pitchFamily="34" charset="0"/>
-              </a:rPr>
-              <a:t> ipsum </a:t>
-            </a:r>
-            <a:r>
-              <a:rPr lang="pt-BR" sz="1200" dirty="0" err="1">
-                <a:solidFill>
-                  <a:schemeClr val="bg1"/>
-                </a:solidFill>
-                <a:latin typeface="Arial" panose="020B0604020202020204" pitchFamily="34" charset="0"/>
-                <a:cs typeface="Arial" panose="020B0604020202020204" pitchFamily="34" charset="0"/>
-              </a:rPr>
-              <a:t>dolor</a:t>
-            </a:r>
-            <a:r>
-              <a:rPr lang="pt-BR" sz="1200" dirty="0">
-                <a:solidFill>
-                  <a:schemeClr val="bg1"/>
-                </a:solidFill>
-                <a:latin typeface="Arial" panose="020B0604020202020204" pitchFamily="34" charset="0"/>
-                <a:cs typeface="Arial" panose="020B0604020202020204" pitchFamily="34" charset="0"/>
-              </a:rPr>
-              <a:t> </a:t>
-            </a:r>
-            <a:r>
-              <a:rPr lang="pt-BR" sz="1200" dirty="0" err="1">
-                <a:solidFill>
-                  <a:schemeClr val="bg1"/>
-                </a:solidFill>
-                <a:latin typeface="Arial" panose="020B0604020202020204" pitchFamily="34" charset="0"/>
-                <a:cs typeface="Arial" panose="020B0604020202020204" pitchFamily="34" charset="0"/>
-              </a:rPr>
-              <a:t>sitamet</a:t>
-            </a:r>
-            <a:r>
-              <a:rPr lang="pt-BR" sz="1200" dirty="0">
-                <a:solidFill>
-                  <a:schemeClr val="bg1"/>
-                </a:solidFill>
-                <a:latin typeface="Arial" panose="020B0604020202020204" pitchFamily="34" charset="0"/>
-                <a:cs typeface="Arial" panose="020B0604020202020204" pitchFamily="34" charset="0"/>
-              </a:rPr>
-              <a:t>, </a:t>
-            </a:r>
-            <a:r>
-              <a:rPr lang="pt-BR" sz="1200" dirty="0" err="1">
-                <a:solidFill>
-                  <a:schemeClr val="bg1"/>
-                </a:solidFill>
-                <a:latin typeface="Arial" panose="020B0604020202020204" pitchFamily="34" charset="0"/>
-                <a:cs typeface="Arial" panose="020B0604020202020204" pitchFamily="34" charset="0"/>
-              </a:rPr>
-              <a:t>consectetur</a:t>
-            </a:r>
-            <a:r>
-              <a:rPr lang="pt-BR" sz="1200" dirty="0">
-                <a:solidFill>
-                  <a:schemeClr val="bg1"/>
-                </a:solidFill>
-                <a:latin typeface="Arial" panose="020B0604020202020204" pitchFamily="34" charset="0"/>
-                <a:cs typeface="Arial" panose="020B0604020202020204" pitchFamily="34" charset="0"/>
-              </a:rPr>
-              <a:t> </a:t>
-            </a:r>
-            <a:r>
-              <a:rPr lang="pt-BR" sz="1200" dirty="0" err="1">
-                <a:solidFill>
-                  <a:schemeClr val="bg1"/>
-                </a:solidFill>
-                <a:latin typeface="Arial" panose="020B0604020202020204" pitchFamily="34" charset="0"/>
-                <a:cs typeface="Arial" panose="020B0604020202020204" pitchFamily="34" charset="0"/>
-              </a:rPr>
-              <a:t>adipiscing</a:t>
-            </a:r>
-            <a:r>
-              <a:rPr lang="pt-BR" sz="1200" dirty="0">
-                <a:solidFill>
-                  <a:schemeClr val="bg1"/>
-                </a:solidFill>
-                <a:latin typeface="Arial" panose="020B0604020202020204" pitchFamily="34" charset="0"/>
-                <a:cs typeface="Arial" panose="020B0604020202020204" pitchFamily="34" charset="0"/>
-              </a:rPr>
-              <a:t> </a:t>
-            </a:r>
-            <a:r>
-              <a:rPr lang="pt-BR" sz="1200" dirty="0" err="1">
-                <a:solidFill>
-                  <a:schemeClr val="bg1"/>
-                </a:solidFill>
-                <a:latin typeface="Arial" panose="020B0604020202020204" pitchFamily="34" charset="0"/>
-                <a:cs typeface="Arial" panose="020B0604020202020204" pitchFamily="34" charset="0"/>
-              </a:rPr>
-              <a:t>elit</a:t>
-            </a:r>
-            <a:r>
-              <a:rPr lang="pt-BR" sz="1200" dirty="0">
-                <a:solidFill>
-                  <a:schemeClr val="bg1"/>
-                </a:solidFill>
-                <a:latin typeface="Arial" panose="020B0604020202020204" pitchFamily="34" charset="0"/>
-                <a:cs typeface="Arial" panose="020B0604020202020204" pitchFamily="34" charset="0"/>
-              </a:rPr>
-              <a:t>, </a:t>
-            </a:r>
-            <a:r>
-              <a:rPr lang="pt-BR" sz="1200" dirty="0" err="1">
-                <a:solidFill>
-                  <a:schemeClr val="bg1"/>
-                </a:solidFill>
-                <a:latin typeface="Arial" panose="020B0604020202020204" pitchFamily="34" charset="0"/>
-                <a:cs typeface="Arial" panose="020B0604020202020204" pitchFamily="34" charset="0"/>
-              </a:rPr>
-              <a:t>sed</a:t>
-            </a:r>
-            <a:r>
-              <a:rPr lang="pt-BR" sz="1200" dirty="0">
-                <a:solidFill>
-                  <a:schemeClr val="bg1"/>
-                </a:solidFill>
-                <a:latin typeface="Arial" panose="020B0604020202020204" pitchFamily="34" charset="0"/>
-                <a:cs typeface="Arial" panose="020B0604020202020204" pitchFamily="34" charset="0"/>
-              </a:rPr>
-              <a:t> do.</a:t>
+              <a:t>Não ter um aplicativo unificado para a verificação dos pacientes</a:t>
             </a:r>
             <a:endParaRPr lang="pt-BR" sz="900" dirty="0">
               <a:solidFill>
@@ -21629,7 +17436,7 @@
         <p:spPr>
           <a:xfrm>
             <a:off x="9739873" y="3590634"/>
-            <a:ext cx="1386232" cy="1015663"/>
+            <a:ext cx="1386232" cy="830997"/>
           </a:xfrm>
           <a:prstGeom prst="rect">
             <a:avLst/>
@@ -21642,16 +17449,26 @@
           </a:bodyPr>
           <a:lstStyle/>
           <a:p>
-            <a:r>
-              <a:rPr lang="pt-BR" sz="1200" dirty="0" err="1">
+            <a:pPr marL="171450" indent="-171450">
+              <a:buFont typeface="Arial" panose="020B0604020202020204" pitchFamily="34" charset="0"/>
+              <a:buChar char="•"/>
+            </a:pPr>
+            <a:r>
+              <a:rPr lang="pt-BR" sz="1200" dirty="0">
                 <a:solidFill>
                   <a:schemeClr val="bg1"/>
                 </a:solidFill>
                 <a:latin typeface="Arial" panose="020B0604020202020204" pitchFamily="34" charset="0"/>
                 <a:cs typeface="Arial" panose="020B0604020202020204" pitchFamily="34" charset="0"/>
               </a:rPr>
-              <a:t>Lorem</a:t>
-            </a:r>
+              <a:t>Manter Sessões</a:t>
+            </a:r>
+          </a:p>
+          <a:p>
+            <a:pPr marL="171450" indent="-171450">
+              <a:buFont typeface="Arial" panose="020B0604020202020204" pitchFamily="34" charset="0"/>
+              <a:buChar char="•"/>
+            </a:pPr>
             <a:r>
               <a:rPr lang="pt-BR" sz="1200" dirty="0">
                 <a:solidFill>
@@ -21660,127 +17477,7 @@
                 <a:latin typeface="Arial" panose="020B0604020202020204" pitchFamily="34" charset="0"/>
                 <a:cs typeface="Arial" panose="020B0604020202020204" pitchFamily="34" charset="0"/>
               </a:rPr>
-              <a:t> ipsum </a:t>
-            </a:r>
-            <a:r>
-              <a:rPr lang="pt-BR" sz="1200" dirty="0" err="1">
-                <a:solidFill>
-                  <a:schemeClr val="bg1"/>
-                </a:solidFill>
-                <a:latin typeface="Arial" panose="020B0604020202020204" pitchFamily="34" charset="0"/>
-                <a:cs typeface="Arial" panose="020B0604020202020204" pitchFamily="34" charset="0"/>
-              </a:rPr>
-              <a:t>dolor</a:t>
-            </a:r>
-            <a:r>
-              <a:rPr lang="pt-BR" sz="1200" dirty="0">
-                <a:solidFill>
-                  <a:schemeClr val="bg1"/>
-                </a:solidFill>
-                <a:latin typeface="Arial" panose="020B0604020202020204" pitchFamily="34" charset="0"/>
-                <a:cs typeface="Arial" panose="020B0604020202020204" pitchFamily="34" charset="0"/>
-              </a:rPr>
-              <a:t> </a:t>
-            </a:r>
-            <a:r>
-              <a:rPr lang="pt-BR" sz="1200" dirty="0" err="1">
-                <a:solidFill>
-                  <a:schemeClr val="bg1"/>
-                </a:solidFill>
-                <a:latin typeface="Arial" panose="020B0604020202020204" pitchFamily="34" charset="0"/>
-                <a:cs typeface="Arial" panose="020B0604020202020204" pitchFamily="34" charset="0"/>
-              </a:rPr>
-              <a:t>sitamet</a:t>
-            </a:r>
-            <a:r>
-              <a:rPr lang="pt-BR" sz="1200" dirty="0">
-                <a:solidFill>
-                  <a:schemeClr val="bg1"/>
-                </a:solidFill>
-                <a:latin typeface="Arial" panose="020B0604020202020204" pitchFamily="34" charset="0"/>
-                <a:cs typeface="Arial" panose="020B0604020202020204" pitchFamily="34" charset="0"/>
-              </a:rPr>
-              <a:t>, </a:t>
-            </a:r>
-            <a:r>
-              <a:rPr lang="pt-BR" sz="1200" dirty="0" err="1">
-                <a:solidFill>
-                  <a:schemeClr val="bg1"/>
-                </a:solidFill>
-                <a:latin typeface="Arial" panose="020B0604020202020204" pitchFamily="34" charset="0"/>
-                <a:cs typeface="Arial" panose="020B0604020202020204" pitchFamily="34" charset="0"/>
-              </a:rPr>
-              <a:t>consectetur</a:t>
-            </a:r>
-            <a:r>
-              <a:rPr lang="pt-BR" sz="1200" dirty="0">
-                <a:solidFill>
-                  <a:schemeClr val="bg1"/>
-                </a:solidFill>
-                <a:latin typeface="Arial" panose="020B0604020202020204" pitchFamily="34" charset="0"/>
-                <a:cs typeface="Arial" panose="020B0604020202020204" pitchFamily="34" charset="0"/>
-              </a:rPr>
-              <a:t> </a:t>
-            </a:r>
-            <a:r>
-              <a:rPr lang="pt-BR" sz="1200" dirty="0" err="1">
-                <a:solidFill>
-                  <a:schemeClr val="bg1"/>
-                </a:solidFill>
-                <a:latin typeface="Arial" panose="020B0604020202020204" pitchFamily="34" charset="0"/>
-                <a:cs typeface="Arial" panose="020B0604020202020204" pitchFamily="34" charset="0"/>
-              </a:rPr>
-              <a:t>adipiscing</a:t>
-            </a:r>
-            <a:r>
-              <a:rPr lang="pt-BR" sz="1200" dirty="0">
-                <a:solidFill>
-                  <a:schemeClr val="bg1"/>
-                </a:solidFill>
-                <a:latin typeface="Arial" panose="020B0604020202020204" pitchFamily="34" charset="0"/>
-                <a:cs typeface="Arial" panose="020B0604020202020204" pitchFamily="34" charset="0"/>
-              </a:rPr>
-              <a:t> </a:t>
-            </a:r>
-            <a:r>
-              <a:rPr lang="pt-BR" sz="1200" dirty="0" err="1">
-                <a:solidFill>
-                  <a:schemeClr val="bg1"/>
-                </a:solidFill>
-                <a:latin typeface="Arial" panose="020B0604020202020204" pitchFamily="34" charset="0"/>
-                <a:cs typeface="Arial" panose="020B0604020202020204" pitchFamily="34" charset="0"/>
-              </a:rPr>
-              <a:t>elit</a:t>
-            </a:r>
-            <a:r>
-              <a:rPr lang="pt-BR" sz="1200" dirty="0">
-                <a:solidFill>
-                  <a:schemeClr val="bg1"/>
-                </a:solidFill>
-                <a:latin typeface="Arial" panose="020B0604020202020204" pitchFamily="34" charset="0"/>
-                <a:cs typeface="Arial" panose="020B0604020202020204" pitchFamily="34" charset="0"/>
-              </a:rPr>
-              <a:t>, </a:t>
-            </a:r>
-            <a:r>
-              <a:rPr lang="pt-BR" sz="1200" dirty="0" err="1">
-                <a:solidFill>
-                  <a:schemeClr val="bg1"/>
-                </a:solidFill>
-                <a:latin typeface="Arial" panose="020B0604020202020204" pitchFamily="34" charset="0"/>
-                <a:cs typeface="Arial" panose="020B0604020202020204" pitchFamily="34" charset="0"/>
-              </a:rPr>
-              <a:t>sed</a:t>
-            </a:r>
-            <a:r>
-              <a:rPr lang="pt-BR" sz="1200" dirty="0">
-                <a:solidFill>
-                  <a:schemeClr val="bg1"/>
-                </a:solidFill>
-                <a:latin typeface="Arial" panose="020B0604020202020204" pitchFamily="34" charset="0"/>
-                <a:cs typeface="Arial" panose="020B0604020202020204" pitchFamily="34" charset="0"/>
-              </a:rPr>
-              <a:t> do.</a:t>
+              <a:t>Manter Pagamentos</a:t>
             </a:r>
             <a:endParaRPr lang="pt-BR" sz="900" dirty="0">
               <a:solidFill>

--- a/Documentos/Modelo Canvas do Projeto Aplicado - 2021.pptx
+++ b/Documentos/Modelo Canvas do Projeto Aplicado - 2021.pptx
@@ -700,7 +700,7 @@
           <a:p>
             <a:fld id="{722B080F-126B-4C40-8493-979CF4E35B37}" type="datetimeFigureOut">
               <a:rPr lang="pt-BR" smtClean="0"/>
-              <a:t>04/06/2022</a:t>
+              <a:t>20/06/2022</a:t>
             </a:fld>
             <a:endParaRPr lang="pt-BR"/>
           </a:p>
@@ -898,7 +898,7 @@
           <a:p>
             <a:fld id="{722B080F-126B-4C40-8493-979CF4E35B37}" type="datetimeFigureOut">
               <a:rPr lang="pt-BR" smtClean="0"/>
-              <a:t>04/06/2022</a:t>
+              <a:t>20/06/2022</a:t>
             </a:fld>
             <a:endParaRPr lang="pt-BR"/>
           </a:p>
@@ -1173,7 +1173,7 @@
           <a:p>
             <a:fld id="{722B080F-126B-4C40-8493-979CF4E35B37}" type="datetimeFigureOut">
               <a:rPr lang="pt-BR" smtClean="0"/>
-              <a:t>04/06/2022</a:t>
+              <a:t>20/06/2022</a:t>
             </a:fld>
             <a:endParaRPr lang="pt-BR"/>
           </a:p>
@@ -1438,7 +1438,7 @@
           <a:p>
             <a:fld id="{722B080F-126B-4C40-8493-979CF4E35B37}" type="datetimeFigureOut">
               <a:rPr lang="pt-BR" smtClean="0"/>
-              <a:t>04/06/2022</a:t>
+              <a:t>20/06/2022</a:t>
             </a:fld>
             <a:endParaRPr lang="pt-BR"/>
           </a:p>
@@ -1850,7 +1850,7 @@
           <a:p>
             <a:fld id="{722B080F-126B-4C40-8493-979CF4E35B37}" type="datetimeFigureOut">
               <a:rPr lang="pt-BR" smtClean="0"/>
-              <a:t>04/06/2022</a:t>
+              <a:t>20/06/2022</a:t>
             </a:fld>
             <a:endParaRPr lang="pt-BR"/>
           </a:p>
@@ -1991,7 +1991,7 @@
           <a:p>
             <a:fld id="{722B080F-126B-4C40-8493-979CF4E35B37}" type="datetimeFigureOut">
               <a:rPr lang="pt-BR" smtClean="0"/>
-              <a:t>04/06/2022</a:t>
+              <a:t>20/06/2022</a:t>
             </a:fld>
             <a:endParaRPr lang="pt-BR"/>
           </a:p>
@@ -2104,7 +2104,7 @@
           <a:p>
             <a:fld id="{722B080F-126B-4C40-8493-979CF4E35B37}" type="datetimeFigureOut">
               <a:rPr lang="pt-BR" smtClean="0"/>
-              <a:t>04/06/2022</a:t>
+              <a:t>20/06/2022</a:t>
             </a:fld>
             <a:endParaRPr lang="pt-BR"/>
           </a:p>
@@ -2530,7 +2530,7 @@
           <a:p>
             <a:fld id="{722B080F-126B-4C40-8493-979CF4E35B37}" type="datetimeFigureOut">
               <a:rPr lang="pt-BR" smtClean="0"/>
-              <a:t>04/06/2022</a:t>
+              <a:t>20/06/2022</a:t>
             </a:fld>
             <a:endParaRPr lang="pt-BR"/>
           </a:p>
@@ -2818,7 +2818,7 @@
           <a:p>
             <a:fld id="{722B080F-126B-4C40-8493-979CF4E35B37}" type="datetimeFigureOut">
               <a:rPr lang="pt-BR" smtClean="0"/>
-              <a:t>04/06/2022</a:t>
+              <a:t>20/06/2022</a:t>
             </a:fld>
             <a:endParaRPr lang="pt-BR"/>
           </a:p>
@@ -3016,7 +3016,7 @@
           <a:p>
             <a:fld id="{722B080F-126B-4C40-8493-979CF4E35B37}" type="datetimeFigureOut">
               <a:rPr lang="pt-BR" smtClean="0"/>
-              <a:t>04/06/2022</a:t>
+              <a:t>20/06/2022</a:t>
             </a:fld>
             <a:endParaRPr lang="pt-BR"/>
           </a:p>
@@ -3224,7 +3224,7 @@
           <a:p>
             <a:fld id="{722B080F-126B-4C40-8493-979CF4E35B37}" type="datetimeFigureOut">
               <a:rPr lang="pt-BR" smtClean="0"/>
-              <a:t>04/06/2022</a:t>
+              <a:t>20/06/2022</a:t>
             </a:fld>
             <a:endParaRPr lang="pt-BR"/>
           </a:p>
@@ -3444,7 +3444,7 @@
           <a:p>
             <a:fld id="{E4EBD666-A697-4156-91FF-DAAB2B063E63}" type="datetimeFigureOut">
               <a:rPr lang="pt-BR" smtClean="0"/>
-              <a:t>04/06/2022</a:t>
+              <a:t>20/06/2022</a:t>
             </a:fld>
             <a:endParaRPr lang="pt-BR"/>
           </a:p>
@@ -3642,7 +3642,7 @@
           <a:p>
             <a:fld id="{E4EBD666-A697-4156-91FF-DAAB2B063E63}" type="datetimeFigureOut">
               <a:rPr lang="pt-BR" smtClean="0"/>
-              <a:t>04/06/2022</a:t>
+              <a:t>20/06/2022</a:t>
             </a:fld>
             <a:endParaRPr lang="pt-BR"/>
           </a:p>
@@ -3917,7 +3917,7 @@
           <a:p>
             <a:fld id="{E4EBD666-A697-4156-91FF-DAAB2B063E63}" type="datetimeFigureOut">
               <a:rPr lang="pt-BR" smtClean="0"/>
-              <a:t>04/06/2022</a:t>
+              <a:t>20/06/2022</a:t>
             </a:fld>
             <a:endParaRPr lang="pt-BR"/>
           </a:p>
@@ -4182,7 +4182,7 @@
           <a:p>
             <a:fld id="{E4EBD666-A697-4156-91FF-DAAB2B063E63}" type="datetimeFigureOut">
               <a:rPr lang="pt-BR" smtClean="0"/>
-              <a:t>04/06/2022</a:t>
+              <a:t>20/06/2022</a:t>
             </a:fld>
             <a:endParaRPr lang="pt-BR"/>
           </a:p>
@@ -4594,7 +4594,7 @@
           <a:p>
             <a:fld id="{E4EBD666-A697-4156-91FF-DAAB2B063E63}" type="datetimeFigureOut">
               <a:rPr lang="pt-BR" smtClean="0"/>
-              <a:t>04/06/2022</a:t>
+              <a:t>20/06/2022</a:t>
             </a:fld>
             <a:endParaRPr lang="pt-BR"/>
           </a:p>
@@ -4735,7 +4735,7 @@
           <a:p>
             <a:fld id="{E4EBD666-A697-4156-91FF-DAAB2B063E63}" type="datetimeFigureOut">
               <a:rPr lang="pt-BR" smtClean="0"/>
-              <a:t>04/06/2022</a:t>
+              <a:t>20/06/2022</a:t>
             </a:fld>
             <a:endParaRPr lang="pt-BR"/>
           </a:p>
@@ -5040,7 +5040,7 @@
           <a:p>
             <a:fld id="{E4EBD666-A697-4156-91FF-DAAB2B063E63}" type="datetimeFigureOut">
               <a:rPr lang="pt-BR" smtClean="0"/>
-              <a:t>04/06/2022</a:t>
+              <a:t>20/06/2022</a:t>
             </a:fld>
             <a:endParaRPr lang="pt-BR"/>
           </a:p>
@@ -5351,7 +5351,7 @@
           <a:p>
             <a:fld id="{E4EBD666-A697-4156-91FF-DAAB2B063E63}" type="datetimeFigureOut">
               <a:rPr lang="pt-BR" smtClean="0"/>
-              <a:t>04/06/2022</a:t>
+              <a:t>20/06/2022</a:t>
             </a:fld>
             <a:endParaRPr lang="pt-BR"/>
           </a:p>
@@ -5639,7 +5639,7 @@
           <a:p>
             <a:fld id="{E4EBD666-A697-4156-91FF-DAAB2B063E63}" type="datetimeFigureOut">
               <a:rPr lang="pt-BR" smtClean="0"/>
-              <a:t>04/06/2022</a:t>
+              <a:t>20/06/2022</a:t>
             </a:fld>
             <a:endParaRPr lang="pt-BR"/>
           </a:p>
@@ -5837,7 +5837,7 @@
           <a:p>
             <a:fld id="{E4EBD666-A697-4156-91FF-DAAB2B063E63}" type="datetimeFigureOut">
               <a:rPr lang="pt-BR" smtClean="0"/>
-              <a:t>04/06/2022</a:t>
+              <a:t>20/06/2022</a:t>
             </a:fld>
             <a:endParaRPr lang="pt-BR"/>
           </a:p>
@@ -6045,7 +6045,7 @@
           <a:p>
             <a:fld id="{E4EBD666-A697-4156-91FF-DAAB2B063E63}" type="datetimeFigureOut">
               <a:rPr lang="pt-BR" smtClean="0"/>
-              <a:t>04/06/2022</a:t>
+              <a:t>20/06/2022</a:t>
             </a:fld>
             <a:endParaRPr lang="pt-BR"/>
           </a:p>
@@ -7759,7 +7759,7 @@
           <a:p>
             <a:fld id="{722B080F-126B-4C40-8493-979CF4E35B37}" type="datetimeFigureOut">
               <a:rPr lang="pt-BR" smtClean="0"/>
-              <a:t>04/06/2022</a:t>
+              <a:t>20/06/2022</a:t>
             </a:fld>
             <a:endParaRPr lang="pt-BR"/>
           </a:p>
@@ -8330,7 +8330,7 @@
           <a:p>
             <a:fld id="{E4EBD666-A697-4156-91FF-DAAB2B063E63}" type="datetimeFigureOut">
               <a:rPr lang="pt-BR" smtClean="0"/>
-              <a:t>04/06/2022</a:t>
+              <a:t>20/06/2022</a:t>
             </a:fld>
             <a:endParaRPr lang="pt-BR"/>
           </a:p>
@@ -13515,8 +13515,8 @@
         </p:nvSpPr>
         <p:spPr>
           <a:xfrm>
-            <a:off x="2869285" y="3739272"/>
-            <a:ext cx="1851558" cy="276999"/>
+            <a:off x="2869285" y="3596659"/>
+            <a:ext cx="1851558" cy="461665"/>
           </a:xfrm>
           <a:prstGeom prst="rect">
             <a:avLst/>
@@ -13538,7 +13538,20 @@
                 <a:latin typeface="Arial" panose="020B0604020202020204" pitchFamily="34" charset="0"/>
                 <a:cs typeface="Arial" panose="020B0604020202020204" pitchFamily="34" charset="0"/>
               </a:rPr>
-              <a:t>Não se aplica</a:t>
+              <a:t>Notebook/laptop</a:t>
+            </a:r>
+          </a:p>
+          <a:p>
+            <a:pPr algn="ctr"/>
+            <a:r>
+              <a:rPr lang="pt-BR" sz="1200" dirty="0">
+                <a:solidFill>
+                  <a:schemeClr val="bg1"/>
+                </a:solidFill>
+                <a:latin typeface="Arial" panose="020B0604020202020204" pitchFamily="34" charset="0"/>
+                <a:cs typeface="Arial" panose="020B0604020202020204" pitchFamily="34" charset="0"/>
+              </a:rPr>
+              <a:t>Computador</a:t>
             </a:r>
             <a:endParaRPr lang="pt-BR" sz="900" dirty="0">
               <a:solidFill>
